--- a/Presentation.pptx
+++ b/Presentation.pptx
@@ -11,6 +11,15 @@
     <p:sldId id="258" r:id="rId5"/>
     <p:sldId id="260" r:id="rId6"/>
     <p:sldId id="259" r:id="rId7"/>
+    <p:sldId id="262" r:id="rId8"/>
+    <p:sldId id="263" r:id="rId9"/>
+    <p:sldId id="264" r:id="rId10"/>
+    <p:sldId id="265" r:id="rId11"/>
+    <p:sldId id="266" r:id="rId12"/>
+    <p:sldId id="267" r:id="rId13"/>
+    <p:sldId id="268" r:id="rId14"/>
+    <p:sldId id="269" r:id="rId15"/>
+    <p:sldId id="270" r:id="rId16"/>
   </p:sldIdLst>
   <p:sldSz cx="12192000" cy="6858000"/>
   <p:notesSz cx="6858000" cy="9144000"/>
@@ -7733,6 +7742,513 @@
 </p:sld>
 </file>
 
+<file path=ppt/slides/slide10.xml><?xml version="1.0" encoding="utf-8"?>
+<p:sld xmlns:a="http://schemas.openxmlformats.org/drawingml/2006/main" xmlns:r="http://schemas.openxmlformats.org/officeDocument/2006/relationships" xmlns:p="http://schemas.openxmlformats.org/presentationml/2006/main">
+  <p:cSld>
+    <p:spTree>
+      <p:nvGrpSpPr>
+        <p:cNvPr id="1" name=""/>
+        <p:cNvGrpSpPr/>
+        <p:nvPr/>
+      </p:nvGrpSpPr>
+      <p:grpSpPr>
+        <a:xfrm>
+          <a:off x="0" y="0"/>
+          <a:ext cx="0" cy="0"/>
+          <a:chOff x="0" y="0"/>
+          <a:chExt cx="0" cy="0"/>
+        </a:xfrm>
+      </p:grpSpPr>
+      <p:sp>
+        <p:nvSpPr>
+          <p:cNvPr id="2" name="Title 1">
+            <a:extLst>
+              <a:ext uri="{FF2B5EF4-FFF2-40B4-BE49-F238E27FC236}">
+                <a16:creationId xmlns:a16="http://schemas.microsoft.com/office/drawing/2014/main" id="{D4D23C87-C9DA-0C84-5C95-2C6DC45A631A}"/>
+              </a:ext>
+            </a:extLst>
+          </p:cNvPr>
+          <p:cNvSpPr>
+            <a:spLocks noGrp="1"/>
+          </p:cNvSpPr>
+          <p:nvPr>
+            <p:ph type="title"/>
+          </p:nvPr>
+        </p:nvSpPr>
+        <p:spPr/>
+        <p:txBody>
+          <a:bodyPr>
+            <a:normAutofit/>
+          </a:bodyPr>
+          <a:lstStyle/>
+          <a:p>
+            <a:r>
+              <a:rPr lang="en-US" sz="3200" dirty="0"/>
+              <a:t>Bivariate Analysis - Interest Rate vs Loan Status</a:t>
+            </a:r>
+          </a:p>
+        </p:txBody>
+      </p:sp>
+      <p:sp>
+        <p:nvSpPr>
+          <p:cNvPr id="3" name="Content Placeholder 2">
+            <a:extLst>
+              <a:ext uri="{FF2B5EF4-FFF2-40B4-BE49-F238E27FC236}">
+                <a16:creationId xmlns:a16="http://schemas.microsoft.com/office/drawing/2014/main" id="{56DE5787-4E8D-3EA4-2ACF-3F2CBC23D5FF}"/>
+              </a:ext>
+            </a:extLst>
+          </p:cNvPr>
+          <p:cNvSpPr>
+            <a:spLocks noGrp="1"/>
+          </p:cNvSpPr>
+          <p:nvPr>
+            <p:ph idx="1"/>
+          </p:nvPr>
+        </p:nvSpPr>
+        <p:spPr/>
+        <p:txBody>
+          <a:bodyPr/>
+          <a:lstStyle/>
+          <a:p>
+            <a:endParaRPr lang="en-US"/>
+          </a:p>
+        </p:txBody>
+      </p:sp>
+    </p:spTree>
+    <p:extLst>
+      <p:ext uri="{BB962C8B-B14F-4D97-AF65-F5344CB8AC3E}">
+        <p14:creationId xmlns:p14="http://schemas.microsoft.com/office/powerpoint/2010/main" val="1559221614"/>
+      </p:ext>
+    </p:extLst>
+  </p:cSld>
+  <p:clrMapOvr>
+    <a:masterClrMapping/>
+  </p:clrMapOvr>
+</p:sld>
+</file>
+
+<file path=ppt/slides/slide11.xml><?xml version="1.0" encoding="utf-8"?>
+<p:sld xmlns:a="http://schemas.openxmlformats.org/drawingml/2006/main" xmlns:r="http://schemas.openxmlformats.org/officeDocument/2006/relationships" xmlns:p="http://schemas.openxmlformats.org/presentationml/2006/main">
+  <p:cSld>
+    <p:spTree>
+      <p:nvGrpSpPr>
+        <p:cNvPr id="1" name=""/>
+        <p:cNvGrpSpPr/>
+        <p:nvPr/>
+      </p:nvGrpSpPr>
+      <p:grpSpPr>
+        <a:xfrm>
+          <a:off x="0" y="0"/>
+          <a:ext cx="0" cy="0"/>
+          <a:chOff x="0" y="0"/>
+          <a:chExt cx="0" cy="0"/>
+        </a:xfrm>
+      </p:grpSpPr>
+      <p:sp>
+        <p:nvSpPr>
+          <p:cNvPr id="2" name="Title 1">
+            <a:extLst>
+              <a:ext uri="{FF2B5EF4-FFF2-40B4-BE49-F238E27FC236}">
+                <a16:creationId xmlns:a16="http://schemas.microsoft.com/office/drawing/2014/main" id="{D2F073B2-027D-0044-96D9-B63BDD061512}"/>
+              </a:ext>
+            </a:extLst>
+          </p:cNvPr>
+          <p:cNvSpPr>
+            <a:spLocks noGrp="1"/>
+          </p:cNvSpPr>
+          <p:nvPr>
+            <p:ph type="title"/>
+          </p:nvPr>
+        </p:nvSpPr>
+        <p:spPr/>
+        <p:txBody>
+          <a:bodyPr>
+            <a:normAutofit/>
+          </a:bodyPr>
+          <a:lstStyle/>
+          <a:p>
+            <a:r>
+              <a:rPr lang="en-CA" sz="3200" dirty="0"/>
+              <a:t>Bivariate Analysis - Annual Income vs Loan Status</a:t>
+            </a:r>
+            <a:endParaRPr lang="en-US" sz="3200" dirty="0"/>
+          </a:p>
+        </p:txBody>
+      </p:sp>
+      <p:sp>
+        <p:nvSpPr>
+          <p:cNvPr id="3" name="Content Placeholder 2">
+            <a:extLst>
+              <a:ext uri="{FF2B5EF4-FFF2-40B4-BE49-F238E27FC236}">
+                <a16:creationId xmlns:a16="http://schemas.microsoft.com/office/drawing/2014/main" id="{E88E9DBE-F54D-DFDB-D617-F71DFAF9FF90}"/>
+              </a:ext>
+            </a:extLst>
+          </p:cNvPr>
+          <p:cNvSpPr>
+            <a:spLocks noGrp="1"/>
+          </p:cNvSpPr>
+          <p:nvPr>
+            <p:ph idx="1"/>
+          </p:nvPr>
+        </p:nvSpPr>
+        <p:spPr/>
+        <p:txBody>
+          <a:bodyPr/>
+          <a:lstStyle/>
+          <a:p>
+            <a:endParaRPr lang="en-US" dirty="0"/>
+          </a:p>
+        </p:txBody>
+      </p:sp>
+    </p:spTree>
+    <p:extLst>
+      <p:ext uri="{BB962C8B-B14F-4D97-AF65-F5344CB8AC3E}">
+        <p14:creationId xmlns:p14="http://schemas.microsoft.com/office/powerpoint/2010/main" val="2209848281"/>
+      </p:ext>
+    </p:extLst>
+  </p:cSld>
+  <p:clrMapOvr>
+    <a:masterClrMapping/>
+  </p:clrMapOvr>
+</p:sld>
+</file>
+
+<file path=ppt/slides/slide12.xml><?xml version="1.0" encoding="utf-8"?>
+<p:sld xmlns:a="http://schemas.openxmlformats.org/drawingml/2006/main" xmlns:r="http://schemas.openxmlformats.org/officeDocument/2006/relationships" xmlns:p="http://schemas.openxmlformats.org/presentationml/2006/main">
+  <p:cSld>
+    <p:spTree>
+      <p:nvGrpSpPr>
+        <p:cNvPr id="1" name=""/>
+        <p:cNvGrpSpPr/>
+        <p:nvPr/>
+      </p:nvGrpSpPr>
+      <p:grpSpPr>
+        <a:xfrm>
+          <a:off x="0" y="0"/>
+          <a:ext cx="0" cy="0"/>
+          <a:chOff x="0" y="0"/>
+          <a:chExt cx="0" cy="0"/>
+        </a:xfrm>
+      </p:grpSpPr>
+      <p:sp>
+        <p:nvSpPr>
+          <p:cNvPr id="2" name="Title 1">
+            <a:extLst>
+              <a:ext uri="{FF2B5EF4-FFF2-40B4-BE49-F238E27FC236}">
+                <a16:creationId xmlns:a16="http://schemas.microsoft.com/office/drawing/2014/main" id="{574552D1-8C25-12E9-DB72-10E7468D7D45}"/>
+              </a:ext>
+            </a:extLst>
+          </p:cNvPr>
+          <p:cNvSpPr>
+            <a:spLocks noGrp="1"/>
+          </p:cNvSpPr>
+          <p:nvPr>
+            <p:ph type="title"/>
+          </p:nvPr>
+        </p:nvSpPr>
+        <p:spPr/>
+        <p:txBody>
+          <a:bodyPr/>
+          <a:lstStyle/>
+          <a:p>
+            <a:r>
+              <a:rPr lang="en-CA" dirty="0"/>
+              <a:t>Bivariate Analysis - Categorical Variables</a:t>
+            </a:r>
+            <a:endParaRPr lang="en-US" dirty="0"/>
+          </a:p>
+        </p:txBody>
+      </p:sp>
+      <p:sp>
+        <p:nvSpPr>
+          <p:cNvPr id="3" name="Content Placeholder 2">
+            <a:extLst>
+              <a:ext uri="{FF2B5EF4-FFF2-40B4-BE49-F238E27FC236}">
+                <a16:creationId xmlns:a16="http://schemas.microsoft.com/office/drawing/2014/main" id="{6C3D9572-0A57-8D99-C5B4-64D3D70DFA68}"/>
+              </a:ext>
+            </a:extLst>
+          </p:cNvPr>
+          <p:cNvSpPr>
+            <a:spLocks noGrp="1"/>
+          </p:cNvSpPr>
+          <p:nvPr>
+            <p:ph idx="1"/>
+          </p:nvPr>
+        </p:nvSpPr>
+        <p:spPr/>
+        <p:txBody>
+          <a:bodyPr/>
+          <a:lstStyle/>
+          <a:p>
+            <a:endParaRPr lang="en-US" dirty="0"/>
+          </a:p>
+        </p:txBody>
+      </p:sp>
+    </p:spTree>
+    <p:extLst>
+      <p:ext uri="{BB962C8B-B14F-4D97-AF65-F5344CB8AC3E}">
+        <p14:creationId xmlns:p14="http://schemas.microsoft.com/office/powerpoint/2010/main" val="211310222"/>
+      </p:ext>
+    </p:extLst>
+  </p:cSld>
+  <p:clrMapOvr>
+    <a:masterClrMapping/>
+  </p:clrMapOvr>
+</p:sld>
+</file>
+
+<file path=ppt/slides/slide13.xml><?xml version="1.0" encoding="utf-8"?>
+<p:sld xmlns:a="http://schemas.openxmlformats.org/drawingml/2006/main" xmlns:r="http://schemas.openxmlformats.org/officeDocument/2006/relationships" xmlns:p="http://schemas.openxmlformats.org/presentationml/2006/main">
+  <p:cSld>
+    <p:spTree>
+      <p:nvGrpSpPr>
+        <p:cNvPr id="1" name=""/>
+        <p:cNvGrpSpPr/>
+        <p:nvPr/>
+      </p:nvGrpSpPr>
+      <p:grpSpPr>
+        <a:xfrm>
+          <a:off x="0" y="0"/>
+          <a:ext cx="0" cy="0"/>
+          <a:chOff x="0" y="0"/>
+          <a:chExt cx="0" cy="0"/>
+        </a:xfrm>
+      </p:grpSpPr>
+      <p:sp>
+        <p:nvSpPr>
+          <p:cNvPr id="2" name="Title 1">
+            <a:extLst>
+              <a:ext uri="{FF2B5EF4-FFF2-40B4-BE49-F238E27FC236}">
+                <a16:creationId xmlns:a16="http://schemas.microsoft.com/office/drawing/2014/main" id="{69A8B60C-8861-3116-DBDB-64246BF63325}"/>
+              </a:ext>
+            </a:extLst>
+          </p:cNvPr>
+          <p:cNvSpPr>
+            <a:spLocks noGrp="1"/>
+          </p:cNvSpPr>
+          <p:nvPr>
+            <p:ph type="title"/>
+          </p:nvPr>
+        </p:nvSpPr>
+        <p:spPr/>
+        <p:txBody>
+          <a:bodyPr/>
+          <a:lstStyle/>
+          <a:p>
+            <a:r>
+              <a:rPr lang="en-CA" dirty="0"/>
+              <a:t>Heatmap - Correlation Matrix</a:t>
+            </a:r>
+            <a:endParaRPr lang="en-US" dirty="0"/>
+          </a:p>
+        </p:txBody>
+      </p:sp>
+      <p:sp>
+        <p:nvSpPr>
+          <p:cNvPr id="3" name="Content Placeholder 2">
+            <a:extLst>
+              <a:ext uri="{FF2B5EF4-FFF2-40B4-BE49-F238E27FC236}">
+                <a16:creationId xmlns:a16="http://schemas.microsoft.com/office/drawing/2014/main" id="{59FC99C1-2157-30EF-0866-3D967FA74220}"/>
+              </a:ext>
+            </a:extLst>
+          </p:cNvPr>
+          <p:cNvSpPr>
+            <a:spLocks noGrp="1"/>
+          </p:cNvSpPr>
+          <p:nvPr>
+            <p:ph idx="1"/>
+          </p:nvPr>
+        </p:nvSpPr>
+        <p:spPr/>
+        <p:txBody>
+          <a:bodyPr/>
+          <a:lstStyle/>
+          <a:p>
+            <a:endParaRPr lang="en-US"/>
+          </a:p>
+        </p:txBody>
+      </p:sp>
+    </p:spTree>
+    <p:extLst>
+      <p:ext uri="{BB962C8B-B14F-4D97-AF65-F5344CB8AC3E}">
+        <p14:creationId xmlns:p14="http://schemas.microsoft.com/office/powerpoint/2010/main" val="1602073639"/>
+      </p:ext>
+    </p:extLst>
+  </p:cSld>
+  <p:clrMapOvr>
+    <a:masterClrMapping/>
+  </p:clrMapOvr>
+</p:sld>
+</file>
+
+<file path=ppt/slides/slide14.xml><?xml version="1.0" encoding="utf-8"?>
+<p:sld xmlns:a="http://schemas.openxmlformats.org/drawingml/2006/main" xmlns:r="http://schemas.openxmlformats.org/officeDocument/2006/relationships" xmlns:p="http://schemas.openxmlformats.org/presentationml/2006/main">
+  <p:cSld>
+    <p:spTree>
+      <p:nvGrpSpPr>
+        <p:cNvPr id="1" name=""/>
+        <p:cNvGrpSpPr/>
+        <p:nvPr/>
+      </p:nvGrpSpPr>
+      <p:grpSpPr>
+        <a:xfrm>
+          <a:off x="0" y="0"/>
+          <a:ext cx="0" cy="0"/>
+          <a:chOff x="0" y="0"/>
+          <a:chExt cx="0" cy="0"/>
+        </a:xfrm>
+      </p:grpSpPr>
+      <p:sp>
+        <p:nvSpPr>
+          <p:cNvPr id="2" name="Title 1">
+            <a:extLst>
+              <a:ext uri="{FF2B5EF4-FFF2-40B4-BE49-F238E27FC236}">
+                <a16:creationId xmlns:a16="http://schemas.microsoft.com/office/drawing/2014/main" id="{E89BF46F-8874-6FF1-9892-FAD420D26FC1}"/>
+              </a:ext>
+            </a:extLst>
+          </p:cNvPr>
+          <p:cNvSpPr>
+            <a:spLocks noGrp="1"/>
+          </p:cNvSpPr>
+          <p:nvPr>
+            <p:ph type="title"/>
+          </p:nvPr>
+        </p:nvSpPr>
+        <p:spPr/>
+        <p:txBody>
+          <a:bodyPr/>
+          <a:lstStyle/>
+          <a:p>
+            <a:r>
+              <a:rPr lang="en-CA" dirty="0"/>
+              <a:t>Key Driver Variables</a:t>
+            </a:r>
+            <a:endParaRPr lang="en-US" dirty="0"/>
+          </a:p>
+        </p:txBody>
+      </p:sp>
+      <p:sp>
+        <p:nvSpPr>
+          <p:cNvPr id="3" name="Content Placeholder 2">
+            <a:extLst>
+              <a:ext uri="{FF2B5EF4-FFF2-40B4-BE49-F238E27FC236}">
+                <a16:creationId xmlns:a16="http://schemas.microsoft.com/office/drawing/2014/main" id="{075B57F1-DBAF-1480-4888-C3C435901FF0}"/>
+              </a:ext>
+            </a:extLst>
+          </p:cNvPr>
+          <p:cNvSpPr>
+            <a:spLocks noGrp="1"/>
+          </p:cNvSpPr>
+          <p:nvPr>
+            <p:ph idx="1"/>
+          </p:nvPr>
+        </p:nvSpPr>
+        <p:spPr/>
+        <p:txBody>
+          <a:bodyPr/>
+          <a:lstStyle/>
+          <a:p>
+            <a:endParaRPr lang="en-US" dirty="0"/>
+          </a:p>
+        </p:txBody>
+      </p:sp>
+    </p:spTree>
+    <p:extLst>
+      <p:ext uri="{BB962C8B-B14F-4D97-AF65-F5344CB8AC3E}">
+        <p14:creationId xmlns:p14="http://schemas.microsoft.com/office/powerpoint/2010/main" val="3447212006"/>
+      </p:ext>
+    </p:extLst>
+  </p:cSld>
+  <p:clrMapOvr>
+    <a:masterClrMapping/>
+  </p:clrMapOvr>
+</p:sld>
+</file>
+
+<file path=ppt/slides/slide15.xml><?xml version="1.0" encoding="utf-8"?>
+<p:sld xmlns:a="http://schemas.openxmlformats.org/drawingml/2006/main" xmlns:r="http://schemas.openxmlformats.org/officeDocument/2006/relationships" xmlns:p="http://schemas.openxmlformats.org/presentationml/2006/main">
+  <p:cSld>
+    <p:spTree>
+      <p:nvGrpSpPr>
+        <p:cNvPr id="1" name=""/>
+        <p:cNvGrpSpPr/>
+        <p:nvPr/>
+      </p:nvGrpSpPr>
+      <p:grpSpPr>
+        <a:xfrm>
+          <a:off x="0" y="0"/>
+          <a:ext cx="0" cy="0"/>
+          <a:chOff x="0" y="0"/>
+          <a:chExt cx="0" cy="0"/>
+        </a:xfrm>
+      </p:grpSpPr>
+      <p:sp>
+        <p:nvSpPr>
+          <p:cNvPr id="2" name="Title 1">
+            <a:extLst>
+              <a:ext uri="{FF2B5EF4-FFF2-40B4-BE49-F238E27FC236}">
+                <a16:creationId xmlns:a16="http://schemas.microsoft.com/office/drawing/2014/main" id="{48897D40-68F1-FC60-2CBA-BB0D96D3ED9C}"/>
+              </a:ext>
+            </a:extLst>
+          </p:cNvPr>
+          <p:cNvSpPr>
+            <a:spLocks noGrp="1"/>
+          </p:cNvSpPr>
+          <p:nvPr>
+            <p:ph type="title"/>
+          </p:nvPr>
+        </p:nvSpPr>
+        <p:spPr/>
+        <p:txBody>
+          <a:bodyPr/>
+          <a:lstStyle/>
+          <a:p>
+            <a:r>
+              <a:rPr lang="en-CA" dirty="0"/>
+              <a:t>Conclusion and Recommendations</a:t>
+            </a:r>
+            <a:endParaRPr lang="en-US" dirty="0"/>
+          </a:p>
+        </p:txBody>
+      </p:sp>
+      <p:sp>
+        <p:nvSpPr>
+          <p:cNvPr id="3" name="Content Placeholder 2">
+            <a:extLst>
+              <a:ext uri="{FF2B5EF4-FFF2-40B4-BE49-F238E27FC236}">
+                <a16:creationId xmlns:a16="http://schemas.microsoft.com/office/drawing/2014/main" id="{4BF3E7DB-2791-F2A1-030D-5F887958A879}"/>
+              </a:ext>
+            </a:extLst>
+          </p:cNvPr>
+          <p:cNvSpPr>
+            <a:spLocks noGrp="1"/>
+          </p:cNvSpPr>
+          <p:nvPr>
+            <p:ph idx="1"/>
+          </p:nvPr>
+        </p:nvSpPr>
+        <p:spPr/>
+        <p:txBody>
+          <a:bodyPr/>
+          <a:lstStyle/>
+          <a:p>
+            <a:endParaRPr lang="en-US"/>
+          </a:p>
+        </p:txBody>
+      </p:sp>
+    </p:spTree>
+    <p:extLst>
+      <p:ext uri="{BB962C8B-B14F-4D97-AF65-F5344CB8AC3E}">
+        <p14:creationId xmlns:p14="http://schemas.microsoft.com/office/powerpoint/2010/main" val="1640991557"/>
+      </p:ext>
+    </p:extLst>
+  </p:cSld>
+  <p:clrMapOvr>
+    <a:masterClrMapping/>
+  </p:clrMapOvr>
+</p:sld>
+</file>
+
 <file path=ppt/slides/slide2.xml><?xml version="1.0" encoding="utf-8"?>
 <p:sld xmlns:a="http://schemas.openxmlformats.org/drawingml/2006/main" xmlns:r="http://schemas.openxmlformats.org/officeDocument/2006/relationships" xmlns:p="http://schemas.openxmlformats.org/presentationml/2006/main">
   <p:cSld>
@@ -8599,7 +9115,7 @@
           <a:p>
             <a:r>
               <a:rPr lang="en-CA" dirty="0"/>
-              <a:t>Univariate Analysis</a:t>
+              <a:t>Univariate Analysis - Loan Amount</a:t>
             </a:r>
             <a:endParaRPr lang="en-US" dirty="0"/>
           </a:p>
@@ -8623,13 +9139,13 @@
         </p:nvSpPr>
         <p:spPr>
           <a:xfrm>
-            <a:off x="680322" y="2336872"/>
-            <a:ext cx="7102712" cy="3872541"/>
+            <a:off x="680321" y="2336872"/>
+            <a:ext cx="7102713" cy="4113355"/>
           </a:xfrm>
         </p:spPr>
         <p:txBody>
           <a:bodyPr>
-            <a:normAutofit fontScale="77500" lnSpcReduction="20000"/>
+            <a:normAutofit fontScale="85000" lnSpcReduction="20000"/>
           </a:bodyPr>
           <a:lstStyle/>
           <a:p>
@@ -8698,10 +9214,13 @@
               </a:rPr>
               <a:t>int_rate</a:t>
             </a:r>
-            <a:endParaRPr lang="en-CA" b="0" i="0" dirty="0">
-              <a:effectLst/>
-              <a:latin typeface="system-ui"/>
-            </a:endParaRPr>
+            <a:r>
+              <a:rPr lang="en-CA" b="0" i="0" dirty="0">
+                <a:effectLst/>
+                <a:latin typeface="system-ui"/>
+              </a:rPr>
+              <a:t>)</a:t>
+            </a:r>
           </a:p>
           <a:p>
             <a:pPr lvl="1"/>
@@ -9061,7 +9580,11 @@
           <a:bodyPr/>
           <a:lstStyle/>
           <a:p>
-            <a:endParaRPr lang="en-US"/>
+            <a:r>
+              <a:rPr lang="en-CA" dirty="0"/>
+              <a:t>Univariate Analysis - Interest Rate</a:t>
+            </a:r>
+            <a:endParaRPr lang="en-US" dirty="0"/>
           </a:p>
         </p:txBody>
       </p:sp>
@@ -9094,6 +9617,259 @@
     <p:extLst>
       <p:ext uri="{BB962C8B-B14F-4D97-AF65-F5344CB8AC3E}">
         <p14:creationId xmlns:p14="http://schemas.microsoft.com/office/powerpoint/2010/main" val="3979210591"/>
+      </p:ext>
+    </p:extLst>
+  </p:cSld>
+  <p:clrMapOvr>
+    <a:masterClrMapping/>
+  </p:clrMapOvr>
+</p:sld>
+</file>
+
+<file path=ppt/slides/slide7.xml><?xml version="1.0" encoding="utf-8"?>
+<p:sld xmlns:a="http://schemas.openxmlformats.org/drawingml/2006/main" xmlns:r="http://schemas.openxmlformats.org/officeDocument/2006/relationships" xmlns:p="http://schemas.openxmlformats.org/presentationml/2006/main">
+  <p:cSld>
+    <p:spTree>
+      <p:nvGrpSpPr>
+        <p:cNvPr id="1" name=""/>
+        <p:cNvGrpSpPr/>
+        <p:nvPr/>
+      </p:nvGrpSpPr>
+      <p:grpSpPr>
+        <a:xfrm>
+          <a:off x="0" y="0"/>
+          <a:ext cx="0" cy="0"/>
+          <a:chOff x="0" y="0"/>
+          <a:chExt cx="0" cy="0"/>
+        </a:xfrm>
+      </p:grpSpPr>
+      <p:sp>
+        <p:nvSpPr>
+          <p:cNvPr id="2" name="Title 1">
+            <a:extLst>
+              <a:ext uri="{FF2B5EF4-FFF2-40B4-BE49-F238E27FC236}">
+                <a16:creationId xmlns:a16="http://schemas.microsoft.com/office/drawing/2014/main" id="{5E47A60B-C86D-97C1-4CF3-D75D9582C4D8}"/>
+              </a:ext>
+            </a:extLst>
+          </p:cNvPr>
+          <p:cNvSpPr>
+            <a:spLocks noGrp="1"/>
+          </p:cNvSpPr>
+          <p:nvPr>
+            <p:ph type="title"/>
+          </p:nvPr>
+        </p:nvSpPr>
+        <p:spPr/>
+        <p:txBody>
+          <a:bodyPr/>
+          <a:lstStyle/>
+          <a:p>
+            <a:r>
+              <a:rPr lang="en-US" dirty="0"/>
+              <a:t>Univariate Analysis - Annual Income</a:t>
+            </a:r>
+          </a:p>
+        </p:txBody>
+      </p:sp>
+      <p:sp>
+        <p:nvSpPr>
+          <p:cNvPr id="3" name="Content Placeholder 2">
+            <a:extLst>
+              <a:ext uri="{FF2B5EF4-FFF2-40B4-BE49-F238E27FC236}">
+                <a16:creationId xmlns:a16="http://schemas.microsoft.com/office/drawing/2014/main" id="{36938D43-3019-6FA6-03C3-7CE322F52573}"/>
+              </a:ext>
+            </a:extLst>
+          </p:cNvPr>
+          <p:cNvSpPr>
+            <a:spLocks noGrp="1"/>
+          </p:cNvSpPr>
+          <p:nvPr>
+            <p:ph idx="1"/>
+          </p:nvPr>
+        </p:nvSpPr>
+        <p:spPr/>
+        <p:txBody>
+          <a:bodyPr/>
+          <a:lstStyle/>
+          <a:p>
+            <a:endParaRPr lang="en-US" dirty="0"/>
+          </a:p>
+        </p:txBody>
+      </p:sp>
+    </p:spTree>
+    <p:extLst>
+      <p:ext uri="{BB962C8B-B14F-4D97-AF65-F5344CB8AC3E}">
+        <p14:creationId xmlns:p14="http://schemas.microsoft.com/office/powerpoint/2010/main" val="609637007"/>
+      </p:ext>
+    </p:extLst>
+  </p:cSld>
+  <p:clrMapOvr>
+    <a:masterClrMapping/>
+  </p:clrMapOvr>
+</p:sld>
+</file>
+
+<file path=ppt/slides/slide8.xml><?xml version="1.0" encoding="utf-8"?>
+<p:sld xmlns:a="http://schemas.openxmlformats.org/drawingml/2006/main" xmlns:r="http://schemas.openxmlformats.org/officeDocument/2006/relationships" xmlns:p="http://schemas.openxmlformats.org/presentationml/2006/main">
+  <p:cSld>
+    <p:spTree>
+      <p:nvGrpSpPr>
+        <p:cNvPr id="1" name=""/>
+        <p:cNvGrpSpPr/>
+        <p:nvPr/>
+      </p:nvGrpSpPr>
+      <p:grpSpPr>
+        <a:xfrm>
+          <a:off x="0" y="0"/>
+          <a:ext cx="0" cy="0"/>
+          <a:chOff x="0" y="0"/>
+          <a:chExt cx="0" cy="0"/>
+        </a:xfrm>
+      </p:grpSpPr>
+      <p:sp>
+        <p:nvSpPr>
+          <p:cNvPr id="2" name="Title 1">
+            <a:extLst>
+              <a:ext uri="{FF2B5EF4-FFF2-40B4-BE49-F238E27FC236}">
+                <a16:creationId xmlns:a16="http://schemas.microsoft.com/office/drawing/2014/main" id="{5393F81A-53D5-44C3-71D9-3C05020777B8}"/>
+              </a:ext>
+            </a:extLst>
+          </p:cNvPr>
+          <p:cNvSpPr>
+            <a:spLocks noGrp="1"/>
+          </p:cNvSpPr>
+          <p:nvPr>
+            <p:ph type="title"/>
+          </p:nvPr>
+        </p:nvSpPr>
+        <p:spPr/>
+        <p:txBody>
+          <a:bodyPr>
+            <a:normAutofit/>
+          </a:bodyPr>
+          <a:lstStyle/>
+          <a:p>
+            <a:r>
+              <a:rPr lang="en-US" sz="3200" dirty="0"/>
+              <a:t>Univariate Analysis - Debt-to-Income Ratio (DTI)</a:t>
+            </a:r>
+          </a:p>
+        </p:txBody>
+      </p:sp>
+      <p:sp>
+        <p:nvSpPr>
+          <p:cNvPr id="3" name="Content Placeholder 2">
+            <a:extLst>
+              <a:ext uri="{FF2B5EF4-FFF2-40B4-BE49-F238E27FC236}">
+                <a16:creationId xmlns:a16="http://schemas.microsoft.com/office/drawing/2014/main" id="{9613D174-9DC1-7812-CE41-805DE38A736B}"/>
+              </a:ext>
+            </a:extLst>
+          </p:cNvPr>
+          <p:cNvSpPr>
+            <a:spLocks noGrp="1"/>
+          </p:cNvSpPr>
+          <p:nvPr>
+            <p:ph idx="1"/>
+          </p:nvPr>
+        </p:nvSpPr>
+        <p:spPr/>
+        <p:txBody>
+          <a:bodyPr/>
+          <a:lstStyle/>
+          <a:p>
+            <a:endParaRPr lang="en-US" dirty="0"/>
+          </a:p>
+        </p:txBody>
+      </p:sp>
+    </p:spTree>
+    <p:extLst>
+      <p:ext uri="{BB962C8B-B14F-4D97-AF65-F5344CB8AC3E}">
+        <p14:creationId xmlns:p14="http://schemas.microsoft.com/office/powerpoint/2010/main" val="1189644108"/>
+      </p:ext>
+    </p:extLst>
+  </p:cSld>
+  <p:clrMapOvr>
+    <a:masterClrMapping/>
+  </p:clrMapOvr>
+</p:sld>
+</file>
+
+<file path=ppt/slides/slide9.xml><?xml version="1.0" encoding="utf-8"?>
+<p:sld xmlns:a="http://schemas.openxmlformats.org/drawingml/2006/main" xmlns:r="http://schemas.openxmlformats.org/officeDocument/2006/relationships" xmlns:p="http://schemas.openxmlformats.org/presentationml/2006/main">
+  <p:cSld>
+    <p:spTree>
+      <p:nvGrpSpPr>
+        <p:cNvPr id="1" name=""/>
+        <p:cNvGrpSpPr/>
+        <p:nvPr/>
+      </p:nvGrpSpPr>
+      <p:grpSpPr>
+        <a:xfrm>
+          <a:off x="0" y="0"/>
+          <a:ext cx="0" cy="0"/>
+          <a:chOff x="0" y="0"/>
+          <a:chExt cx="0" cy="0"/>
+        </a:xfrm>
+      </p:grpSpPr>
+      <p:sp>
+        <p:nvSpPr>
+          <p:cNvPr id="2" name="Title 1">
+            <a:extLst>
+              <a:ext uri="{FF2B5EF4-FFF2-40B4-BE49-F238E27FC236}">
+                <a16:creationId xmlns:a16="http://schemas.microsoft.com/office/drawing/2014/main" id="{3B27252B-8580-BBE3-174A-6320C6CE10D1}"/>
+              </a:ext>
+            </a:extLst>
+          </p:cNvPr>
+          <p:cNvSpPr>
+            <a:spLocks noGrp="1"/>
+          </p:cNvSpPr>
+          <p:nvPr>
+            <p:ph type="title"/>
+          </p:nvPr>
+        </p:nvSpPr>
+        <p:spPr/>
+        <p:txBody>
+          <a:bodyPr>
+            <a:normAutofit/>
+          </a:bodyPr>
+          <a:lstStyle/>
+          <a:p>
+            <a:r>
+              <a:rPr lang="en-US" sz="3200" dirty="0"/>
+              <a:t>Bivariate Analysis - Loan Amount vs Loan Status</a:t>
+            </a:r>
+          </a:p>
+        </p:txBody>
+      </p:sp>
+      <p:sp>
+        <p:nvSpPr>
+          <p:cNvPr id="3" name="Content Placeholder 2">
+            <a:extLst>
+              <a:ext uri="{FF2B5EF4-FFF2-40B4-BE49-F238E27FC236}">
+                <a16:creationId xmlns:a16="http://schemas.microsoft.com/office/drawing/2014/main" id="{17E63BE7-9377-C612-2D00-81CF112ECF1B}"/>
+              </a:ext>
+            </a:extLst>
+          </p:cNvPr>
+          <p:cNvSpPr>
+            <a:spLocks noGrp="1"/>
+          </p:cNvSpPr>
+          <p:nvPr>
+            <p:ph idx="1"/>
+          </p:nvPr>
+        </p:nvSpPr>
+        <p:spPr/>
+        <p:txBody>
+          <a:bodyPr/>
+          <a:lstStyle/>
+          <a:p>
+            <a:endParaRPr lang="en-US"/>
+          </a:p>
+        </p:txBody>
+      </p:sp>
+    </p:spTree>
+    <p:extLst>
+      <p:ext uri="{BB962C8B-B14F-4D97-AF65-F5344CB8AC3E}">
+        <p14:creationId xmlns:p14="http://schemas.microsoft.com/office/powerpoint/2010/main" val="722841126"/>
       </p:ext>
     </p:extLst>
   </p:cSld>

--- a/Presentation.pptx
+++ b/Presentation.pptx
@@ -10,16 +10,19 @@
     <p:sldId id="261" r:id="rId4"/>
     <p:sldId id="258" r:id="rId5"/>
     <p:sldId id="260" r:id="rId6"/>
-    <p:sldId id="259" r:id="rId7"/>
-    <p:sldId id="262" r:id="rId8"/>
-    <p:sldId id="263" r:id="rId9"/>
-    <p:sldId id="264" r:id="rId10"/>
-    <p:sldId id="265" r:id="rId11"/>
-    <p:sldId id="266" r:id="rId12"/>
-    <p:sldId id="267" r:id="rId13"/>
-    <p:sldId id="268" r:id="rId14"/>
-    <p:sldId id="269" r:id="rId15"/>
-    <p:sldId id="270" r:id="rId16"/>
+    <p:sldId id="271" r:id="rId7"/>
+    <p:sldId id="272" r:id="rId8"/>
+    <p:sldId id="273" r:id="rId9"/>
+    <p:sldId id="263" r:id="rId10"/>
+    <p:sldId id="274" r:id="rId11"/>
+    <p:sldId id="264" r:id="rId12"/>
+    <p:sldId id="275" r:id="rId13"/>
+    <p:sldId id="276" r:id="rId14"/>
+    <p:sldId id="277" r:id="rId15"/>
+    <p:sldId id="267" r:id="rId16"/>
+    <p:sldId id="268" r:id="rId17"/>
+    <p:sldId id="269" r:id="rId18"/>
+    <p:sldId id="270" r:id="rId19"/>
   </p:sldIdLst>
   <p:sldSz cx="12192000" cy="6858000"/>
   <p:notesSz cx="6858000" cy="9144000"/>
@@ -7745,6 +7748,41 @@
 <file path=ppt/slides/slide10.xml><?xml version="1.0" encoding="utf-8"?>
 <p:sld xmlns:a="http://schemas.openxmlformats.org/drawingml/2006/main" xmlns:r="http://schemas.openxmlformats.org/officeDocument/2006/relationships" xmlns:p="http://schemas.openxmlformats.org/presentationml/2006/main">
   <p:cSld>
+    <p:bg>
+      <p:bgPr>
+        <a:gradFill rotWithShape="1">
+          <a:gsLst>
+            <a:gs pos="0">
+              <a:schemeClr val="bg2">
+                <a:tint val="96000"/>
+                <a:shade val="100000"/>
+                <a:hueMod val="270000"/>
+                <a:satMod val="200000"/>
+                <a:lumMod val="128000"/>
+              </a:schemeClr>
+            </a:gs>
+            <a:gs pos="50000">
+              <a:schemeClr val="bg2">
+                <a:shade val="100000"/>
+                <a:hueMod val="100000"/>
+                <a:satMod val="110000"/>
+                <a:lumMod val="130000"/>
+              </a:schemeClr>
+            </a:gs>
+            <a:gs pos="100000">
+              <a:schemeClr val="bg2">
+                <a:shade val="78000"/>
+                <a:hueMod val="44000"/>
+                <a:satMod val="200000"/>
+                <a:lumMod val="69000"/>
+              </a:schemeClr>
+            </a:gs>
+          </a:gsLst>
+          <a:lin ang="2520000" scaled="0"/>
+        </a:gradFill>
+        <a:effectLst/>
+      </p:bgPr>
+    </p:bg>
     <p:spTree>
       <p:nvGrpSpPr>
         <p:cNvPr id="1" name=""/>
@@ -7759,12 +7797,243 @@
           <a:chExt cx="0" cy="0"/>
         </a:xfrm>
       </p:grpSpPr>
+      <p:sp useBgFill="1">
+        <p:nvSpPr>
+          <p:cNvPr id="8207" name="Rectangle 8206">
+            <a:extLst>
+              <a:ext uri="{FF2B5EF4-FFF2-40B4-BE49-F238E27FC236}">
+                <a16:creationId xmlns:a16="http://schemas.microsoft.com/office/drawing/2014/main" id="{3EBA28AC-37AD-4894-8D67-7FDD7F225C65}"/>
+              </a:ext>
+              <a:ext uri="{C183D7F6-B498-43B3-948B-1728B52AA6E4}">
+                <adec:decorative xmlns:adec="http://schemas.microsoft.com/office/drawing/2017/decorative" val="1"/>
+              </a:ext>
+            </a:extLst>
+          </p:cNvPr>
+          <p:cNvSpPr>
+            <a:spLocks noGrp="1" noRot="1" noChangeAspect="1" noMove="1" noResize="1" noEditPoints="1" noAdjustHandles="1" noChangeArrowheads="1" noChangeShapeType="1" noTextEdit="1"/>
+          </p:cNvSpPr>
+          <p:nvPr>
+            <p:extLst>
+              <p:ext uri="{386F3935-93C4-4BCD-93E2-E3B085C9AB24}">
+                <p16:designElem xmlns:p16="http://schemas.microsoft.com/office/powerpoint/2015/main" val="1"/>
+              </p:ext>
+            </p:extLst>
+          </p:nvPr>
+        </p:nvSpPr>
+        <p:spPr>
+          <a:xfrm>
+            <a:off x="0" y="-1"/>
+            <a:ext cx="12188824" cy="6858001"/>
+          </a:xfrm>
+          <a:prstGeom prst="rect">
+            <a:avLst/>
+          </a:prstGeom>
+          <a:ln>
+            <a:noFill/>
+          </a:ln>
+        </p:spPr>
+        <p:style>
+          <a:lnRef idx="2">
+            <a:schemeClr val="accent1">
+              <a:shade val="50000"/>
+            </a:schemeClr>
+          </a:lnRef>
+          <a:fillRef idx="1">
+            <a:schemeClr val="accent1"/>
+          </a:fillRef>
+          <a:effectRef idx="0">
+            <a:schemeClr val="accent1"/>
+          </a:effectRef>
+          <a:fontRef idx="minor">
+            <a:schemeClr val="lt1"/>
+          </a:fontRef>
+        </p:style>
+        <p:txBody>
+          <a:bodyPr rtlCol="0" anchor="ctr"/>
+          <a:lstStyle/>
+          <a:p>
+            <a:pPr algn="ctr"/>
+            <a:endParaRPr lang="en-US"/>
+          </a:p>
+        </p:txBody>
+      </p:sp>
+      <p:pic>
+        <p:nvPicPr>
+          <p:cNvPr id="8204" name="Picture 8203">
+            <a:extLst>
+              <a:ext uri="{FF2B5EF4-FFF2-40B4-BE49-F238E27FC236}">
+                <a16:creationId xmlns:a16="http://schemas.microsoft.com/office/drawing/2014/main" id="{1B843E16-AE20-48A1-81A0-0363DDF343E6}"/>
+              </a:ext>
+              <a:ext uri="{C183D7F6-B498-43B3-948B-1728B52AA6E4}">
+                <adec:decorative xmlns:adec="http://schemas.microsoft.com/office/drawing/2017/decorative" val="1"/>
+              </a:ext>
+            </a:extLst>
+          </p:cNvPr>
+          <p:cNvPicPr>
+            <a:picLocks noGrp="1" noRot="1" noChangeAspect="1" noMove="1" noResize="1" noEditPoints="1" noAdjustHandles="1" noChangeArrowheads="1" noChangeShapeType="1" noCrop="1"/>
+          </p:cNvPicPr>
+          <p:nvPr>
+            <p:extLst>
+              <p:ext uri="{386F3935-93C4-4BCD-93E2-E3B085C9AB24}">
+                <p16:designElem xmlns:p16="http://schemas.microsoft.com/office/powerpoint/2015/main" val="1"/>
+              </p:ext>
+            </p:extLst>
+          </p:nvPr>
+        </p:nvPicPr>
+        <p:blipFill>
+          <a:blip r:embed="rId2">
+            <a:alphaModFix amt="10000"/>
+            <a:extLst>
+              <a:ext uri="{28A0092B-C50C-407E-A947-70E740481C1C}">
+                <a14:useLocalDpi xmlns:a14="http://schemas.microsoft.com/office/drawing/2010/main" val="0"/>
+              </a:ext>
+            </a:extLst>
+          </a:blip>
+          <a:stretch>
+            <a:fillRect/>
+          </a:stretch>
+        </p:blipFill>
+        <p:spPr>
+          <a:xfrm>
+            <a:off x="-3176" y="0"/>
+            <a:ext cx="12192000" cy="6858000"/>
+          </a:xfrm>
+          <a:prstGeom prst="rect">
+            <a:avLst/>
+          </a:prstGeom>
+        </p:spPr>
+      </p:pic>
+      <p:sp>
+        <p:nvSpPr>
+          <p:cNvPr id="8208" name="Rectangle 8207">
+            <a:extLst>
+              <a:ext uri="{FF2B5EF4-FFF2-40B4-BE49-F238E27FC236}">
+                <a16:creationId xmlns:a16="http://schemas.microsoft.com/office/drawing/2014/main" id="{19ED93D7-F0B4-402C-A7DC-EB5E44F84F0E}"/>
+              </a:ext>
+              <a:ext uri="{C183D7F6-B498-43B3-948B-1728B52AA6E4}">
+                <adec:decorative xmlns:adec="http://schemas.microsoft.com/office/drawing/2017/decorative" val="1"/>
+              </a:ext>
+            </a:extLst>
+          </p:cNvPr>
+          <p:cNvSpPr>
+            <a:spLocks noGrp="1" noRot="1" noChangeAspect="1" noMove="1" noResize="1" noEditPoints="1" noAdjustHandles="1" noChangeArrowheads="1" noChangeShapeType="1" noTextEdit="1"/>
+          </p:cNvSpPr>
+          <p:nvPr>
+            <p:extLst>
+              <p:ext uri="{386F3935-93C4-4BCD-93E2-E3B085C9AB24}">
+                <p16:designElem xmlns:p16="http://schemas.microsoft.com/office/powerpoint/2015/main" val="1"/>
+              </p:ext>
+            </p:extLst>
+          </p:nvPr>
+        </p:nvSpPr>
+        <p:spPr>
+          <a:xfrm>
+            <a:off x="6096000" y="0"/>
+            <a:ext cx="6096000" cy="6858001"/>
+          </a:xfrm>
+          <a:prstGeom prst="rect">
+            <a:avLst/>
+          </a:prstGeom>
+          <a:ln>
+            <a:noFill/>
+          </a:ln>
+        </p:spPr>
+        <p:style>
+          <a:lnRef idx="2">
+            <a:schemeClr val="accent1">
+              <a:shade val="50000"/>
+            </a:schemeClr>
+          </a:lnRef>
+          <a:fillRef idx="1">
+            <a:schemeClr val="accent1"/>
+          </a:fillRef>
+          <a:effectRef idx="0">
+            <a:schemeClr val="accent1"/>
+          </a:effectRef>
+          <a:fontRef idx="minor">
+            <a:schemeClr val="lt1"/>
+          </a:fontRef>
+        </p:style>
+        <p:txBody>
+          <a:bodyPr rtlCol="0" anchor="ctr"/>
+          <a:lstStyle/>
+          <a:p>
+            <a:pPr algn="ctr"/>
+            <a:endParaRPr lang="en-US"/>
+          </a:p>
+        </p:txBody>
+      </p:sp>
+      <p:sp>
+        <p:nvSpPr>
+          <p:cNvPr id="8210" name="Rectangle 8209">
+            <a:extLst>
+              <a:ext uri="{FF2B5EF4-FFF2-40B4-BE49-F238E27FC236}">
+                <a16:creationId xmlns:a16="http://schemas.microsoft.com/office/drawing/2014/main" id="{09D4B417-C481-4690-8D44-A579114A57DA}"/>
+              </a:ext>
+              <a:ext uri="{C183D7F6-B498-43B3-948B-1728B52AA6E4}">
+                <adec:decorative xmlns:adec="http://schemas.microsoft.com/office/drawing/2017/decorative" val="1"/>
+              </a:ext>
+            </a:extLst>
+          </p:cNvPr>
+          <p:cNvSpPr>
+            <a:spLocks noGrp="1" noRot="1" noChangeAspect="1" noMove="1" noResize="1" noEditPoints="1" noAdjustHandles="1" noChangeArrowheads="1" noChangeShapeType="1" noTextEdit="1"/>
+          </p:cNvSpPr>
+          <p:nvPr>
+            <p:extLst>
+              <p:ext uri="{386F3935-93C4-4BCD-93E2-E3B085C9AB24}">
+                <p16:designElem xmlns:p16="http://schemas.microsoft.com/office/powerpoint/2015/main" val="1"/>
+              </p:ext>
+            </p:extLst>
+          </p:nvPr>
+        </p:nvSpPr>
+        <p:spPr bwMode="grayWhite">
+          <a:xfrm>
+            <a:off x="2" y="609600"/>
+            <a:ext cx="6412862" cy="1368198"/>
+          </a:xfrm>
+          <a:prstGeom prst="rect">
+            <a:avLst/>
+          </a:prstGeom>
+          <a:solidFill>
+            <a:schemeClr val="bg1">
+              <a:lumMod val="85000"/>
+              <a:lumOff val="15000"/>
+            </a:schemeClr>
+          </a:solidFill>
+          <a:ln>
+            <a:noFill/>
+          </a:ln>
+        </p:spPr>
+        <p:style>
+          <a:lnRef idx="2">
+            <a:schemeClr val="accent1">
+              <a:shade val="50000"/>
+            </a:schemeClr>
+          </a:lnRef>
+          <a:fillRef idx="1">
+            <a:schemeClr val="accent1"/>
+          </a:fillRef>
+          <a:effectRef idx="0">
+            <a:schemeClr val="accent1"/>
+          </a:effectRef>
+          <a:fontRef idx="minor">
+            <a:schemeClr val="lt1"/>
+          </a:fontRef>
+        </p:style>
+        <p:txBody>
+          <a:bodyPr/>
+          <a:lstStyle/>
+          <a:p>
+            <a:endParaRPr lang="en-US"/>
+          </a:p>
+        </p:txBody>
+      </p:sp>
       <p:sp>
         <p:nvSpPr>
           <p:cNvPr id="2" name="Title 1">
             <a:extLst>
               <a:ext uri="{FF2B5EF4-FFF2-40B4-BE49-F238E27FC236}">
-                <a16:creationId xmlns:a16="http://schemas.microsoft.com/office/drawing/2014/main" id="{D4D23C87-C9DA-0C84-5C95-2C6DC45A631A}"/>
+                <a16:creationId xmlns:a16="http://schemas.microsoft.com/office/drawing/2014/main" id="{66659E67-1E43-9E0A-2952-77A192806E27}"/>
               </a:ext>
             </a:extLst>
           </p:cNvPr>
@@ -7775,7 +8044,12 @@
             <p:ph type="title"/>
           </p:nvPr>
         </p:nvSpPr>
-        <p:spPr/>
+        <p:spPr>
+          <a:xfrm>
+            <a:off x="680321" y="753228"/>
+            <a:ext cx="5584677" cy="1080938"/>
+          </a:xfrm>
+        </p:spPr>
         <p:txBody>
           <a:bodyPr>
             <a:normAutofit/>
@@ -7783,21 +8057,66 @@
           <a:lstStyle/>
           <a:p>
             <a:r>
-              <a:rPr lang="en-US" sz="3200" dirty="0"/>
-              <a:t>Bivariate Analysis - Interest Rate vs Loan Status</a:t>
-            </a:r>
-          </a:p>
-        </p:txBody>
-      </p:sp>
-      <p:sp>
-        <p:nvSpPr>
-          <p:cNvPr id="3" name="Content Placeholder 2">
+              <a:rPr lang="en-US"/>
+              <a:t>Univariate Analysis for Categorical Attributes</a:t>
+            </a:r>
+          </a:p>
+        </p:txBody>
+      </p:sp>
+      <p:pic>
+        <p:nvPicPr>
+          <p:cNvPr id="8212" name="Picture 8211">
             <a:extLst>
               <a:ext uri="{FF2B5EF4-FFF2-40B4-BE49-F238E27FC236}">
-                <a16:creationId xmlns:a16="http://schemas.microsoft.com/office/drawing/2014/main" id="{56DE5787-4E8D-3EA4-2ACF-3F2CBC23D5FF}"/>
+                <a16:creationId xmlns:a16="http://schemas.microsoft.com/office/drawing/2014/main" id="{997A4C60-39FA-4152-B181-3DB1299F3107}"/>
+              </a:ext>
+              <a:ext uri="{C183D7F6-B498-43B3-948B-1728B52AA6E4}">
+                <adec:decorative xmlns:adec="http://schemas.microsoft.com/office/drawing/2017/decorative" val="1"/>
               </a:ext>
             </a:extLst>
           </p:cNvPr>
+          <p:cNvPicPr>
+            <a:picLocks noGrp="1" noRot="1" noChangeAspect="1" noMove="1" noResize="1" noEditPoints="1" noAdjustHandles="1" noChangeArrowheads="1" noChangeShapeType="1" noCrop="1"/>
+          </p:cNvPicPr>
+          <p:nvPr>
+            <p:extLst>
+              <p:ext uri="{386F3935-93C4-4BCD-93E2-E3B085C9AB24}">
+                <p16:designElem xmlns:p16="http://schemas.microsoft.com/office/powerpoint/2015/main" val="1"/>
+              </p:ext>
+            </p:extLst>
+          </p:nvPr>
+        </p:nvPicPr>
+        <p:blipFill>
+          <a:blip r:embed="rId3">
+            <a:extLst>
+              <a:ext uri="{28A0092B-C50C-407E-A947-70E740481C1C}">
+                <a14:useLocalDpi xmlns:a14="http://schemas.microsoft.com/office/drawing/2010/main" val="0"/>
+              </a:ext>
+            </a:extLst>
+          </a:blip>
+          <a:stretch>
+            <a:fillRect/>
+          </a:stretch>
+        </p:blipFill>
+        <p:spPr>
+          <a:xfrm>
+            <a:off x="2" y="1970241"/>
+            <a:ext cx="6409944" cy="258395"/>
+          </a:xfrm>
+          <a:prstGeom prst="rect">
+            <a:avLst/>
+          </a:prstGeom>
+        </p:spPr>
+      </p:pic>
+      <p:sp>
+        <p:nvSpPr>
+          <p:cNvPr id="8202" name="Content Placeholder 8201">
+            <a:extLst>
+              <a:ext uri="{FF2B5EF4-FFF2-40B4-BE49-F238E27FC236}">
+                <a16:creationId xmlns:a16="http://schemas.microsoft.com/office/drawing/2014/main" id="{A4CC19C6-5846-04C1-DE72-B84DD73CBFF0}"/>
+              </a:ext>
+            </a:extLst>
+          </p:cNvPr>
           <p:cNvSpPr>
             <a:spLocks noGrp="1"/>
           </p:cNvSpPr>
@@ -7805,19 +8124,507 @@
             <p:ph idx="1"/>
           </p:nvPr>
         </p:nvSpPr>
-        <p:spPr/>
-        <p:txBody>
-          <a:bodyPr/>
+        <p:spPr>
+          <a:xfrm>
+            <a:off x="680321" y="2336873"/>
+            <a:ext cx="5104843" cy="3599316"/>
+          </a:xfrm>
+        </p:spPr>
+        <p:txBody>
+          <a:bodyPr>
+            <a:normAutofit/>
+          </a:bodyPr>
           <a:lstStyle/>
           <a:p>
+            <a:r>
+              <a:rPr lang="en-US" sz="1600"/>
+              <a:t>The grade distribution suggests that most borrowers are considered lower risk, but further analysis is needed to understand the default rates across different grades.</a:t>
+            </a:r>
+          </a:p>
+          <a:p>
+            <a:r>
+              <a:rPr lang="en-US" sz="1600"/>
+              <a:t>Renters form the largest group of borrowers, potentially indicating a higher risk profile compared to homeowners, depending on other factors such as income and debt obligations.</a:t>
+            </a:r>
+          </a:p>
+          <a:p>
+            <a:r>
+              <a:rPr lang="en-US" sz="1600"/>
+              <a:t>A large number of loans are issued without verified income, which could correlate with higher default rates in further analysis.</a:t>
+            </a:r>
+          </a:p>
+          <a:p>
+            <a:r>
+              <a:rPr lang="en-US" sz="1600"/>
+              <a:t>Most borrowers are using loans to consolidate or refinance existing debt, which might indicate financial restructuring rather than new spending.</a:t>
+            </a:r>
+          </a:p>
+        </p:txBody>
+      </p:sp>
+      <p:sp>
+        <p:nvSpPr>
+          <p:cNvPr id="8214" name="Rectangle 8213">
+            <a:extLst>
+              <a:ext uri="{FF2B5EF4-FFF2-40B4-BE49-F238E27FC236}">
+                <a16:creationId xmlns:a16="http://schemas.microsoft.com/office/drawing/2014/main" id="{567D5365-F2DF-4B45-84FB-3BCD5BFA7933}"/>
+              </a:ext>
+              <a:ext uri="{C183D7F6-B498-43B3-948B-1728B52AA6E4}">
+                <adec:decorative xmlns:adec="http://schemas.microsoft.com/office/drawing/2017/decorative" val="1"/>
+              </a:ext>
+            </a:extLst>
+          </p:cNvPr>
+          <p:cNvSpPr>
+            <a:spLocks noGrp="1" noRot="1" noChangeAspect="1" noMove="1" noResize="1" noEditPoints="1" noAdjustHandles="1" noChangeArrowheads="1" noChangeShapeType="1" noTextEdit="1"/>
+          </p:cNvSpPr>
+          <p:nvPr>
+            <p:extLst>
+              <p:ext uri="{386F3935-93C4-4BCD-93E2-E3B085C9AB24}">
+                <p16:designElem xmlns:p16="http://schemas.microsoft.com/office/powerpoint/2015/main" val="1"/>
+              </p:ext>
+            </p:extLst>
+          </p:nvPr>
+        </p:nvSpPr>
+        <p:spPr>
+          <a:xfrm>
+            <a:off x="6631608" y="488844"/>
+            <a:ext cx="2687741" cy="3506830"/>
+          </a:xfrm>
+          <a:prstGeom prst="rect">
+            <a:avLst/>
+          </a:prstGeom>
+          <a:solidFill>
+            <a:srgbClr val="FFFFFF"/>
+          </a:solidFill>
+          <a:ln>
+            <a:noFill/>
+          </a:ln>
+          <a:effectLst>
+            <a:outerShdw blurRad="76200" dist="63500" dir="5040000" algn="t" rotWithShape="0">
+              <a:prstClr val="black">
+                <a:alpha val="41000"/>
+              </a:prstClr>
+            </a:outerShdw>
+          </a:effectLst>
+        </p:spPr>
+        <p:style>
+          <a:lnRef idx="2">
+            <a:schemeClr val="accent1">
+              <a:shade val="50000"/>
+            </a:schemeClr>
+          </a:lnRef>
+          <a:fillRef idx="1">
+            <a:schemeClr val="accent1"/>
+          </a:fillRef>
+          <a:effectRef idx="0">
+            <a:schemeClr val="accent1"/>
+          </a:effectRef>
+          <a:fontRef idx="minor">
+            <a:schemeClr val="lt1"/>
+          </a:fontRef>
+        </p:style>
+        <p:txBody>
+          <a:bodyPr rtlCol="0" anchor="ctr"/>
+          <a:lstStyle/>
+          <a:p>
+            <a:pPr algn="ctr"/>
             <a:endParaRPr lang="en-US"/>
           </a:p>
         </p:txBody>
       </p:sp>
+      <p:pic>
+        <p:nvPicPr>
+          <p:cNvPr id="8196" name="Picture 4" descr="A graph of a home ownership status&#10;&#10;Description automatically generated">
+            <a:extLst>
+              <a:ext uri="{FF2B5EF4-FFF2-40B4-BE49-F238E27FC236}">
+                <a16:creationId xmlns:a16="http://schemas.microsoft.com/office/drawing/2014/main" id="{510F3D97-0BB1-083C-CB56-D8EDCE3296B8}"/>
+              </a:ext>
+            </a:extLst>
+          </p:cNvPr>
+          <p:cNvPicPr>
+            <a:picLocks noChangeAspect="1" noChangeArrowheads="1"/>
+          </p:cNvPicPr>
+          <p:nvPr/>
+        </p:nvPicPr>
+        <p:blipFill>
+          <a:blip r:embed="rId4">
+            <a:extLst>
+              <a:ext uri="{28A0092B-C50C-407E-A947-70E740481C1C}">
+                <a14:useLocalDpi xmlns:a14="http://schemas.microsoft.com/office/drawing/2010/main" val="0"/>
+              </a:ext>
+            </a:extLst>
+          </a:blip>
+          <a:srcRect r="19497" b="-3"/>
+          <a:stretch/>
+        </p:blipFill>
+        <p:spPr bwMode="auto">
+          <a:xfrm>
+            <a:off x="6795086" y="1266348"/>
+            <a:ext cx="2380647" cy="1951820"/>
+          </a:xfrm>
+          <a:prstGeom prst="rect">
+            <a:avLst/>
+          </a:prstGeom>
+          <a:noFill/>
+          <a:extLst>
+            <a:ext uri="{909E8E84-426E-40DD-AFC4-6F175D3DCCD1}">
+              <a14:hiddenFill xmlns:a14="http://schemas.microsoft.com/office/drawing/2010/main">
+                <a:solidFill>
+                  <a:srgbClr val="FFFFFF"/>
+                </a:solidFill>
+              </a14:hiddenFill>
+            </a:ext>
+          </a:extLst>
+        </p:spPr>
+      </p:pic>
+      <p:sp>
+        <p:nvSpPr>
+          <p:cNvPr id="8216" name="Rectangle 8215">
+            <a:extLst>
+              <a:ext uri="{FF2B5EF4-FFF2-40B4-BE49-F238E27FC236}">
+                <a16:creationId xmlns:a16="http://schemas.microsoft.com/office/drawing/2014/main" id="{4D283E39-8D35-4861-A887-26D298296518}"/>
+              </a:ext>
+              <a:ext uri="{C183D7F6-B498-43B3-948B-1728B52AA6E4}">
+                <adec:decorative xmlns:adec="http://schemas.microsoft.com/office/drawing/2017/decorative" val="1"/>
+              </a:ext>
+            </a:extLst>
+          </p:cNvPr>
+          <p:cNvSpPr>
+            <a:spLocks noGrp="1" noRot="1" noChangeAspect="1" noMove="1" noResize="1" noEditPoints="1" noAdjustHandles="1" noChangeArrowheads="1" noChangeShapeType="1" noTextEdit="1"/>
+          </p:cNvSpPr>
+          <p:nvPr>
+            <p:extLst>
+              <p:ext uri="{386F3935-93C4-4BCD-93E2-E3B085C9AB24}">
+                <p16:designElem xmlns:p16="http://schemas.microsoft.com/office/powerpoint/2015/main" val="1"/>
+              </p:ext>
+            </p:extLst>
+          </p:nvPr>
+        </p:nvSpPr>
+        <p:spPr>
+          <a:xfrm>
+            <a:off x="9486569" y="488845"/>
+            <a:ext cx="2220800" cy="2437588"/>
+          </a:xfrm>
+          <a:prstGeom prst="rect">
+            <a:avLst/>
+          </a:prstGeom>
+          <a:solidFill>
+            <a:srgbClr val="FFFFFF"/>
+          </a:solidFill>
+          <a:ln>
+            <a:noFill/>
+          </a:ln>
+          <a:effectLst>
+            <a:outerShdw blurRad="76200" dist="63500" dir="5040000" algn="t" rotWithShape="0">
+              <a:prstClr val="black">
+                <a:alpha val="41000"/>
+              </a:prstClr>
+            </a:outerShdw>
+          </a:effectLst>
+        </p:spPr>
+        <p:style>
+          <a:lnRef idx="2">
+            <a:schemeClr val="accent1">
+              <a:shade val="50000"/>
+            </a:schemeClr>
+          </a:lnRef>
+          <a:fillRef idx="1">
+            <a:schemeClr val="accent1"/>
+          </a:fillRef>
+          <a:effectRef idx="0">
+            <a:schemeClr val="accent1"/>
+          </a:effectRef>
+          <a:fontRef idx="minor">
+            <a:schemeClr val="lt1"/>
+          </a:fontRef>
+        </p:style>
+        <p:txBody>
+          <a:bodyPr rtlCol="0" anchor="ctr"/>
+          <a:lstStyle/>
+          <a:p>
+            <a:pPr algn="ctr"/>
+            <a:endParaRPr lang="en-US"/>
+          </a:p>
+        </p:txBody>
+      </p:sp>
+      <p:pic>
+        <p:nvPicPr>
+          <p:cNvPr id="8198" name="Picture 6" descr="A graph of blue squares&#10;&#10;Description automatically generated">
+            <a:extLst>
+              <a:ext uri="{FF2B5EF4-FFF2-40B4-BE49-F238E27FC236}">
+                <a16:creationId xmlns:a16="http://schemas.microsoft.com/office/drawing/2014/main" id="{4D372806-CA44-640D-591B-34322BB2453A}"/>
+              </a:ext>
+            </a:extLst>
+          </p:cNvPr>
+          <p:cNvPicPr>
+            <a:picLocks noChangeAspect="1" noChangeArrowheads="1"/>
+          </p:cNvPicPr>
+          <p:nvPr/>
+        </p:nvPicPr>
+        <p:blipFill>
+          <a:blip r:embed="rId5">
+            <a:extLst>
+              <a:ext uri="{28A0092B-C50C-407E-A947-70E740481C1C}">
+                <a14:useLocalDpi xmlns:a14="http://schemas.microsoft.com/office/drawing/2010/main" val="0"/>
+              </a:ext>
+            </a:extLst>
+          </a:blip>
+          <a:srcRect l="6823" r="12674" b="-3"/>
+          <a:stretch/>
+        </p:blipFill>
+        <p:spPr bwMode="auto">
+          <a:xfrm>
+            <a:off x="9651810" y="926004"/>
+            <a:ext cx="1882991" cy="1543807"/>
+          </a:xfrm>
+          <a:prstGeom prst="rect">
+            <a:avLst/>
+          </a:prstGeom>
+          <a:noFill/>
+          <a:extLst>
+            <a:ext uri="{909E8E84-426E-40DD-AFC4-6F175D3DCCD1}">
+              <a14:hiddenFill xmlns:a14="http://schemas.microsoft.com/office/drawing/2010/main">
+                <a:solidFill>
+                  <a:srgbClr val="FFFFFF"/>
+                </a:solidFill>
+              </a14:hiddenFill>
+            </a:ext>
+          </a:extLst>
+        </p:spPr>
+      </p:pic>
+      <p:sp>
+        <p:nvSpPr>
+          <p:cNvPr id="8221" name="Rectangle 8220">
+            <a:extLst>
+              <a:ext uri="{FF2B5EF4-FFF2-40B4-BE49-F238E27FC236}">
+                <a16:creationId xmlns:a16="http://schemas.microsoft.com/office/drawing/2014/main" id="{F2911CD3-584F-4FE9-844F-8BEE82CC43C6}"/>
+              </a:ext>
+              <a:ext uri="{C183D7F6-B498-43B3-948B-1728B52AA6E4}">
+                <adec:decorative xmlns:adec="http://schemas.microsoft.com/office/drawing/2017/decorative" val="1"/>
+              </a:ext>
+            </a:extLst>
+          </p:cNvPr>
+          <p:cNvSpPr>
+            <a:spLocks noGrp="1" noRot="1" noChangeAspect="1" noMove="1" noResize="1" noEditPoints="1" noAdjustHandles="1" noChangeArrowheads="1" noChangeShapeType="1" noTextEdit="1"/>
+          </p:cNvSpPr>
+          <p:nvPr>
+            <p:extLst>
+              <p:ext uri="{386F3935-93C4-4BCD-93E2-E3B085C9AB24}">
+                <p16:designElem xmlns:p16="http://schemas.microsoft.com/office/powerpoint/2015/main" val="1"/>
+              </p:ext>
+            </p:extLst>
+          </p:nvPr>
+        </p:nvSpPr>
+        <p:spPr>
+          <a:xfrm>
+            <a:off x="6631608" y="4164748"/>
+            <a:ext cx="2687741" cy="2163915"/>
+          </a:xfrm>
+          <a:prstGeom prst="rect">
+            <a:avLst/>
+          </a:prstGeom>
+          <a:solidFill>
+            <a:srgbClr val="FFFFFF"/>
+          </a:solidFill>
+          <a:ln>
+            <a:noFill/>
+          </a:ln>
+          <a:effectLst>
+            <a:outerShdw blurRad="76200" dist="63500" dir="5040000" algn="t" rotWithShape="0">
+              <a:prstClr val="black">
+                <a:alpha val="41000"/>
+              </a:prstClr>
+            </a:outerShdw>
+          </a:effectLst>
+        </p:spPr>
+        <p:style>
+          <a:lnRef idx="2">
+            <a:schemeClr val="accent1">
+              <a:shade val="50000"/>
+            </a:schemeClr>
+          </a:lnRef>
+          <a:fillRef idx="1">
+            <a:schemeClr val="accent1"/>
+          </a:fillRef>
+          <a:effectRef idx="0">
+            <a:schemeClr val="accent1"/>
+          </a:effectRef>
+          <a:fontRef idx="minor">
+            <a:schemeClr val="lt1"/>
+          </a:fontRef>
+        </p:style>
+        <p:txBody>
+          <a:bodyPr rtlCol="0" anchor="ctr"/>
+          <a:lstStyle/>
+          <a:p>
+            <a:pPr algn="ctr"/>
+            <a:endParaRPr lang="en-US"/>
+          </a:p>
+        </p:txBody>
+      </p:sp>
+      <p:pic>
+        <p:nvPicPr>
+          <p:cNvPr id="8200" name="Picture 8" descr="A graph showing a number of blue bars&#10;&#10;Description automatically generated with medium confidence">
+            <a:extLst>
+              <a:ext uri="{FF2B5EF4-FFF2-40B4-BE49-F238E27FC236}">
+                <a16:creationId xmlns:a16="http://schemas.microsoft.com/office/drawing/2014/main" id="{F4BB1517-BA6B-3A66-3A44-C78B04F7DEA3}"/>
+              </a:ext>
+            </a:extLst>
+          </p:cNvPr>
+          <p:cNvPicPr>
+            <a:picLocks noChangeAspect="1" noChangeArrowheads="1"/>
+          </p:cNvPicPr>
+          <p:nvPr/>
+        </p:nvPicPr>
+        <p:blipFill>
+          <a:blip r:embed="rId6">
+            <a:extLst>
+              <a:ext uri="{28A0092B-C50C-407E-A947-70E740481C1C}">
+                <a14:useLocalDpi xmlns:a14="http://schemas.microsoft.com/office/drawing/2010/main" val="0"/>
+              </a:ext>
+            </a:extLst>
+          </a:blip>
+          <a:srcRect l="4278" r="26508" b="6"/>
+          <a:stretch/>
+        </p:blipFill>
+        <p:spPr bwMode="auto">
+          <a:xfrm>
+            <a:off x="6858992" y="4327522"/>
+            <a:ext cx="2252834" cy="1847035"/>
+          </a:xfrm>
+          <a:prstGeom prst="rect">
+            <a:avLst/>
+          </a:prstGeom>
+          <a:noFill/>
+          <a:extLst>
+            <a:ext uri="{909E8E84-426E-40DD-AFC4-6F175D3DCCD1}">
+              <a14:hiddenFill xmlns:a14="http://schemas.microsoft.com/office/drawing/2010/main">
+                <a:solidFill>
+                  <a:srgbClr val="FFFFFF"/>
+                </a:solidFill>
+              </a14:hiddenFill>
+            </a:ext>
+          </a:extLst>
+        </p:spPr>
+      </p:pic>
+      <p:sp>
+        <p:nvSpPr>
+          <p:cNvPr id="8223" name="Rectangle 8222">
+            <a:extLst>
+              <a:ext uri="{FF2B5EF4-FFF2-40B4-BE49-F238E27FC236}">
+                <a16:creationId xmlns:a16="http://schemas.microsoft.com/office/drawing/2014/main" id="{0B3DCC23-4B68-4BC0-92BA-311848FAF2D5}"/>
+              </a:ext>
+              <a:ext uri="{C183D7F6-B498-43B3-948B-1728B52AA6E4}">
+                <adec:decorative xmlns:adec="http://schemas.microsoft.com/office/drawing/2017/decorative" val="1"/>
+              </a:ext>
+            </a:extLst>
+          </p:cNvPr>
+          <p:cNvSpPr>
+            <a:spLocks noGrp="1" noRot="1" noChangeAspect="1" noMove="1" noResize="1" noEditPoints="1" noAdjustHandles="1" noChangeArrowheads="1" noChangeShapeType="1" noTextEdit="1"/>
+          </p:cNvSpPr>
+          <p:nvPr>
+            <p:extLst>
+              <p:ext uri="{386F3935-93C4-4BCD-93E2-E3B085C9AB24}">
+                <p16:designElem xmlns:p16="http://schemas.microsoft.com/office/powerpoint/2015/main" val="1"/>
+              </p:ext>
+            </p:extLst>
+          </p:nvPr>
+        </p:nvSpPr>
+        <p:spPr>
+          <a:xfrm>
+            <a:off x="9486569" y="3108997"/>
+            <a:ext cx="2220800" cy="3219666"/>
+          </a:xfrm>
+          <a:prstGeom prst="rect">
+            <a:avLst/>
+          </a:prstGeom>
+          <a:solidFill>
+            <a:srgbClr val="FFFFFF"/>
+          </a:solidFill>
+          <a:ln>
+            <a:noFill/>
+          </a:ln>
+          <a:effectLst>
+            <a:outerShdw blurRad="76200" dist="63500" dir="5040000" algn="t" rotWithShape="0">
+              <a:prstClr val="black">
+                <a:alpha val="41000"/>
+              </a:prstClr>
+            </a:outerShdw>
+          </a:effectLst>
+        </p:spPr>
+        <p:style>
+          <a:lnRef idx="2">
+            <a:schemeClr val="accent1">
+              <a:shade val="50000"/>
+            </a:schemeClr>
+          </a:lnRef>
+          <a:fillRef idx="1">
+            <a:schemeClr val="accent1"/>
+          </a:fillRef>
+          <a:effectRef idx="0">
+            <a:schemeClr val="accent1"/>
+          </a:effectRef>
+          <a:fontRef idx="minor">
+            <a:schemeClr val="lt1"/>
+          </a:fontRef>
+        </p:style>
+        <p:txBody>
+          <a:bodyPr rtlCol="0" anchor="ctr"/>
+          <a:lstStyle/>
+          <a:p>
+            <a:pPr algn="ctr"/>
+            <a:endParaRPr lang="en-US"/>
+          </a:p>
+        </p:txBody>
+      </p:sp>
+      <p:pic>
+        <p:nvPicPr>
+          <p:cNvPr id="8194" name="Picture 2" descr="A graph of a distribution of loan grades&#10;&#10;Description automatically generated">
+            <a:extLst>
+              <a:ext uri="{FF2B5EF4-FFF2-40B4-BE49-F238E27FC236}">
+                <a16:creationId xmlns:a16="http://schemas.microsoft.com/office/drawing/2014/main" id="{D5ED8FA7-627F-0B33-D1C6-3F19711670FA}"/>
+              </a:ext>
+            </a:extLst>
+          </p:cNvPr>
+          <p:cNvPicPr>
+            <a:picLocks noChangeAspect="1" noChangeArrowheads="1"/>
+          </p:cNvPicPr>
+          <p:nvPr/>
+        </p:nvPicPr>
+        <p:blipFill>
+          <a:blip r:embed="rId7">
+            <a:extLst>
+              <a:ext uri="{28A0092B-C50C-407E-A947-70E740481C1C}">
+                <a14:useLocalDpi xmlns:a14="http://schemas.microsoft.com/office/drawing/2010/main" val="0"/>
+              </a:ext>
+            </a:extLst>
+          </a:blip>
+          <a:srcRect r="18584" b="-1"/>
+          <a:stretch/>
+        </p:blipFill>
+        <p:spPr bwMode="auto">
+          <a:xfrm>
+            <a:off x="9647435" y="3952615"/>
+            <a:ext cx="1887366" cy="1547397"/>
+          </a:xfrm>
+          <a:prstGeom prst="rect">
+            <a:avLst/>
+          </a:prstGeom>
+          <a:noFill/>
+          <a:extLst>
+            <a:ext uri="{909E8E84-426E-40DD-AFC4-6F175D3DCCD1}">
+              <a14:hiddenFill xmlns:a14="http://schemas.microsoft.com/office/drawing/2010/main">
+                <a:solidFill>
+                  <a:srgbClr val="FFFFFF"/>
+                </a:solidFill>
+              </a14:hiddenFill>
+            </a:ext>
+          </a:extLst>
+        </p:spPr>
+      </p:pic>
     </p:spTree>
     <p:extLst>
       <p:ext uri="{BB962C8B-B14F-4D97-AF65-F5344CB8AC3E}">
-        <p14:creationId xmlns:p14="http://schemas.microsoft.com/office/powerpoint/2010/main" val="1559221614"/>
+        <p14:creationId xmlns:p14="http://schemas.microsoft.com/office/powerpoint/2010/main" val="3153585175"/>
       </p:ext>
     </p:extLst>
   </p:cSld>
@@ -7828,6 +8635,3349 @@
 </file>
 
 <file path=ppt/slides/slide11.xml><?xml version="1.0" encoding="utf-8"?>
+<p:sld xmlns:a="http://schemas.openxmlformats.org/drawingml/2006/main" xmlns:r="http://schemas.openxmlformats.org/officeDocument/2006/relationships" xmlns:p="http://schemas.openxmlformats.org/presentationml/2006/main">
+  <p:cSld>
+    <p:bg>
+      <p:bgPr>
+        <a:solidFill>
+          <a:schemeClr val="bg1"/>
+        </a:solidFill>
+        <a:effectLst/>
+      </p:bgPr>
+    </p:bg>
+    <p:spTree>
+      <p:nvGrpSpPr>
+        <p:cNvPr id="1" name=""/>
+        <p:cNvGrpSpPr/>
+        <p:nvPr/>
+      </p:nvGrpSpPr>
+      <p:grpSpPr>
+        <a:xfrm>
+          <a:off x="0" y="0"/>
+          <a:ext cx="0" cy="0"/>
+          <a:chOff x="0" y="0"/>
+          <a:chExt cx="0" cy="0"/>
+        </a:xfrm>
+      </p:grpSpPr>
+      <p:pic>
+        <p:nvPicPr>
+          <p:cNvPr id="9238" name="Picture 9237">
+            <a:extLst>
+              <a:ext uri="{FF2B5EF4-FFF2-40B4-BE49-F238E27FC236}">
+                <a16:creationId xmlns:a16="http://schemas.microsoft.com/office/drawing/2014/main" id="{D8DF5C3E-BDAB-40E6-A40B-8C05D8CD3F52}"/>
+              </a:ext>
+              <a:ext uri="{C183D7F6-B498-43B3-948B-1728B52AA6E4}">
+                <adec:decorative xmlns:adec="http://schemas.microsoft.com/office/drawing/2017/decorative" val="1"/>
+              </a:ext>
+            </a:extLst>
+          </p:cNvPr>
+          <p:cNvPicPr>
+            <a:picLocks noGrp="1" noRot="1" noChangeAspect="1" noMove="1" noResize="1" noEditPoints="1" noAdjustHandles="1" noChangeArrowheads="1" noChangeShapeType="1" noCrop="1"/>
+          </p:cNvPicPr>
+          <p:nvPr>
+            <p:extLst>
+              <p:ext uri="{386F3935-93C4-4BCD-93E2-E3B085C9AB24}">
+                <p16:designElem xmlns:p16="http://schemas.microsoft.com/office/powerpoint/2015/main" val="1"/>
+              </p:ext>
+            </p:extLst>
+          </p:nvPr>
+        </p:nvPicPr>
+        <p:blipFill>
+          <a:blip r:embed="rId2">
+            <a:alphaModFix amt="10000"/>
+            <a:extLst>
+              <a:ext uri="{28A0092B-C50C-407E-A947-70E740481C1C}">
+                <a14:useLocalDpi xmlns:a14="http://schemas.microsoft.com/office/drawing/2010/main" val="0"/>
+              </a:ext>
+            </a:extLst>
+          </a:blip>
+          <a:stretch>
+            <a:fillRect/>
+          </a:stretch>
+        </p:blipFill>
+        <p:spPr>
+          <a:xfrm>
+            <a:off x="0" y="0"/>
+            <a:ext cx="12192000" cy="6858000"/>
+          </a:xfrm>
+          <a:prstGeom prst="rect">
+            <a:avLst/>
+          </a:prstGeom>
+          <a:gradFill>
+            <a:gsLst>
+              <a:gs pos="0">
+                <a:srgbClr val="F78925"/>
+              </a:gs>
+              <a:gs pos="50000">
+                <a:srgbClr val="D54209"/>
+              </a:gs>
+              <a:gs pos="100000">
+                <a:srgbClr val="8D0000"/>
+              </a:gs>
+            </a:gsLst>
+            <a:lin ang="2520000" scaled="0"/>
+          </a:gradFill>
+        </p:spPr>
+      </p:pic>
+      <p:pic>
+        <p:nvPicPr>
+          <p:cNvPr id="9240" name="Picture 9239">
+            <a:extLst>
+              <a:ext uri="{FF2B5EF4-FFF2-40B4-BE49-F238E27FC236}">
+                <a16:creationId xmlns:a16="http://schemas.microsoft.com/office/drawing/2014/main" id="{9D90C31A-86E3-472B-B929-496667598EFF}"/>
+              </a:ext>
+              <a:ext uri="{C183D7F6-B498-43B3-948B-1728B52AA6E4}">
+                <adec:decorative xmlns:adec="http://schemas.microsoft.com/office/drawing/2017/decorative" val="1"/>
+              </a:ext>
+            </a:extLst>
+          </p:cNvPr>
+          <p:cNvPicPr>
+            <a:picLocks noGrp="1" noRot="1" noChangeAspect="1" noMove="1" noResize="1" noEditPoints="1" noAdjustHandles="1" noChangeArrowheads="1" noChangeShapeType="1" noCrop="1"/>
+          </p:cNvPicPr>
+          <p:nvPr>
+            <p:extLst>
+              <p:ext uri="{386F3935-93C4-4BCD-93E2-E3B085C9AB24}">
+                <p16:designElem xmlns:p16="http://schemas.microsoft.com/office/powerpoint/2015/main" val="1"/>
+              </p:ext>
+            </p:extLst>
+          </p:nvPr>
+        </p:nvPicPr>
+        <p:blipFill>
+          <a:blip r:embed="rId2">
+            <a:alphaModFix amt="10000"/>
+            <a:extLst>
+              <a:ext uri="{28A0092B-C50C-407E-A947-70E740481C1C}">
+                <a14:useLocalDpi xmlns:a14="http://schemas.microsoft.com/office/drawing/2010/main" val="0"/>
+              </a:ext>
+            </a:extLst>
+          </a:blip>
+          <a:stretch>
+            <a:fillRect/>
+          </a:stretch>
+        </p:blipFill>
+        <p:spPr>
+          <a:xfrm>
+            <a:off x="0" y="0"/>
+            <a:ext cx="12192000" cy="6858000"/>
+          </a:xfrm>
+          <a:prstGeom prst="rect">
+            <a:avLst/>
+          </a:prstGeom>
+        </p:spPr>
+      </p:pic>
+      <p:sp>
+        <p:nvSpPr>
+          <p:cNvPr id="9242" name="Rectangle 9241">
+            <a:extLst>
+              <a:ext uri="{FF2B5EF4-FFF2-40B4-BE49-F238E27FC236}">
+                <a16:creationId xmlns:a16="http://schemas.microsoft.com/office/drawing/2014/main" id="{9DD3589A-DB65-424B-ACF1-5C8155F1C3A8}"/>
+              </a:ext>
+              <a:ext uri="{C183D7F6-B498-43B3-948B-1728B52AA6E4}">
+                <adec:decorative xmlns:adec="http://schemas.microsoft.com/office/drawing/2017/decorative" val="1"/>
+              </a:ext>
+            </a:extLst>
+          </p:cNvPr>
+          <p:cNvSpPr>
+            <a:spLocks noGrp="1" noRot="1" noChangeAspect="1" noMove="1" noResize="1" noEditPoints="1" noAdjustHandles="1" noChangeArrowheads="1" noChangeShapeType="1" noTextEdit="1"/>
+          </p:cNvSpPr>
+          <p:nvPr>
+            <p:extLst>
+              <p:ext uri="{386F3935-93C4-4BCD-93E2-E3B085C9AB24}">
+                <p16:designElem xmlns:p16="http://schemas.microsoft.com/office/powerpoint/2015/main" val="1"/>
+              </p:ext>
+            </p:extLst>
+          </p:nvPr>
+        </p:nvSpPr>
+        <p:spPr>
+          <a:xfrm>
+            <a:off x="6096000" y="0"/>
+            <a:ext cx="6096000" cy="6858001"/>
+          </a:xfrm>
+          <a:prstGeom prst="rect">
+            <a:avLst/>
+          </a:prstGeom>
+          <a:ln>
+            <a:noFill/>
+          </a:ln>
+        </p:spPr>
+        <p:style>
+          <a:lnRef idx="2">
+            <a:schemeClr val="accent1">
+              <a:shade val="50000"/>
+            </a:schemeClr>
+          </a:lnRef>
+          <a:fillRef idx="1">
+            <a:schemeClr val="accent1"/>
+          </a:fillRef>
+          <a:effectRef idx="0">
+            <a:schemeClr val="accent1"/>
+          </a:effectRef>
+          <a:fontRef idx="minor">
+            <a:schemeClr val="lt1"/>
+          </a:fontRef>
+        </p:style>
+        <p:txBody>
+          <a:bodyPr rtlCol="0" anchor="ctr"/>
+          <a:lstStyle/>
+          <a:p>
+            <a:pPr algn="ctr"/>
+            <a:endParaRPr lang="en-US"/>
+          </a:p>
+        </p:txBody>
+      </p:sp>
+      <p:sp>
+        <p:nvSpPr>
+          <p:cNvPr id="9244" name="Rectangle 9243">
+            <a:extLst>
+              <a:ext uri="{FF2B5EF4-FFF2-40B4-BE49-F238E27FC236}">
+                <a16:creationId xmlns:a16="http://schemas.microsoft.com/office/drawing/2014/main" id="{9F784D76-D302-4160-A2D4-C2F4AB76D478}"/>
+              </a:ext>
+              <a:ext uri="{C183D7F6-B498-43B3-948B-1728B52AA6E4}">
+                <adec:decorative xmlns:adec="http://schemas.microsoft.com/office/drawing/2017/decorative" val="1"/>
+              </a:ext>
+            </a:extLst>
+          </p:cNvPr>
+          <p:cNvSpPr>
+            <a:spLocks noGrp="1" noRot="1" noChangeAspect="1" noMove="1" noResize="1" noEditPoints="1" noAdjustHandles="1" noChangeArrowheads="1" noChangeShapeType="1" noTextEdit="1"/>
+          </p:cNvSpPr>
+          <p:nvPr>
+            <p:extLst>
+              <p:ext uri="{386F3935-93C4-4BCD-93E2-E3B085C9AB24}">
+                <p16:designElem xmlns:p16="http://schemas.microsoft.com/office/powerpoint/2015/main" val="1"/>
+              </p:ext>
+            </p:extLst>
+          </p:nvPr>
+        </p:nvSpPr>
+        <p:spPr bwMode="grayWhite">
+          <a:xfrm>
+            <a:off x="2" y="609600"/>
+            <a:ext cx="6412862" cy="1368198"/>
+          </a:xfrm>
+          <a:prstGeom prst="rect">
+            <a:avLst/>
+          </a:prstGeom>
+          <a:solidFill>
+            <a:srgbClr val="0D0D0D"/>
+          </a:solidFill>
+          <a:ln>
+            <a:noFill/>
+          </a:ln>
+        </p:spPr>
+        <p:style>
+          <a:lnRef idx="2">
+            <a:schemeClr val="accent1">
+              <a:shade val="50000"/>
+            </a:schemeClr>
+          </a:lnRef>
+          <a:fillRef idx="1">
+            <a:schemeClr val="accent1"/>
+          </a:fillRef>
+          <a:effectRef idx="0">
+            <a:schemeClr val="accent1"/>
+          </a:effectRef>
+          <a:fontRef idx="minor">
+            <a:schemeClr val="lt1"/>
+          </a:fontRef>
+        </p:style>
+        <p:txBody>
+          <a:bodyPr/>
+          <a:lstStyle/>
+          <a:p>
+            <a:endParaRPr lang="en-US"/>
+          </a:p>
+        </p:txBody>
+      </p:sp>
+      <p:sp>
+        <p:nvSpPr>
+          <p:cNvPr id="2" name="Title 1">
+            <a:extLst>
+              <a:ext uri="{FF2B5EF4-FFF2-40B4-BE49-F238E27FC236}">
+                <a16:creationId xmlns:a16="http://schemas.microsoft.com/office/drawing/2014/main" id="{3B27252B-8580-BBE3-174A-6320C6CE10D1}"/>
+              </a:ext>
+            </a:extLst>
+          </p:cNvPr>
+          <p:cNvSpPr>
+            <a:spLocks noGrp="1"/>
+          </p:cNvSpPr>
+          <p:nvPr>
+            <p:ph type="title"/>
+          </p:nvPr>
+        </p:nvSpPr>
+        <p:spPr>
+          <a:xfrm>
+            <a:off x="680321" y="753228"/>
+            <a:ext cx="5584677" cy="1080938"/>
+          </a:xfrm>
+        </p:spPr>
+        <p:txBody>
+          <a:bodyPr>
+            <a:normAutofit/>
+          </a:bodyPr>
+          <a:lstStyle/>
+          <a:p>
+            <a:r>
+              <a:rPr lang="en-US">
+                <a:solidFill>
+                  <a:srgbClr val="FFFFFF"/>
+                </a:solidFill>
+              </a:rPr>
+              <a:t>Bivariate Analysis - Loan Amount vs Loan Status</a:t>
+            </a:r>
+          </a:p>
+        </p:txBody>
+      </p:sp>
+      <p:pic>
+        <p:nvPicPr>
+          <p:cNvPr id="9246" name="Picture 9245">
+            <a:extLst>
+              <a:ext uri="{FF2B5EF4-FFF2-40B4-BE49-F238E27FC236}">
+                <a16:creationId xmlns:a16="http://schemas.microsoft.com/office/drawing/2014/main" id="{608D9710-1A5F-4D24-B654-F2081DE6014C}"/>
+              </a:ext>
+              <a:ext uri="{C183D7F6-B498-43B3-948B-1728B52AA6E4}">
+                <adec:decorative xmlns:adec="http://schemas.microsoft.com/office/drawing/2017/decorative" val="1"/>
+              </a:ext>
+            </a:extLst>
+          </p:cNvPr>
+          <p:cNvPicPr>
+            <a:picLocks noGrp="1" noRot="1" noChangeAspect="1" noMove="1" noResize="1" noEditPoints="1" noAdjustHandles="1" noChangeArrowheads="1" noChangeShapeType="1" noCrop="1"/>
+          </p:cNvPicPr>
+          <p:nvPr>
+            <p:extLst>
+              <p:ext uri="{386F3935-93C4-4BCD-93E2-E3B085C9AB24}">
+                <p16:designElem xmlns:p16="http://schemas.microsoft.com/office/powerpoint/2015/main" val="1"/>
+              </p:ext>
+            </p:extLst>
+          </p:nvPr>
+        </p:nvPicPr>
+        <p:blipFill>
+          <a:blip r:embed="rId3">
+            <a:extLst>
+              <a:ext uri="{28A0092B-C50C-407E-A947-70E740481C1C}">
+                <a14:useLocalDpi xmlns:a14="http://schemas.microsoft.com/office/drawing/2010/main" val="0"/>
+              </a:ext>
+            </a:extLst>
+          </a:blip>
+          <a:stretch>
+            <a:fillRect/>
+          </a:stretch>
+        </p:blipFill>
+        <p:spPr>
+          <a:xfrm>
+            <a:off x="2" y="1970241"/>
+            <a:ext cx="6409944" cy="258395"/>
+          </a:xfrm>
+          <a:prstGeom prst="rect">
+            <a:avLst/>
+          </a:prstGeom>
+        </p:spPr>
+      </p:pic>
+      <p:sp>
+        <p:nvSpPr>
+          <p:cNvPr id="9222" name="Content Placeholder 9221">
+            <a:extLst>
+              <a:ext uri="{FF2B5EF4-FFF2-40B4-BE49-F238E27FC236}">
+                <a16:creationId xmlns:a16="http://schemas.microsoft.com/office/drawing/2014/main" id="{DA6D2A5F-7C2C-D9E0-1782-490D99141C59}"/>
+              </a:ext>
+            </a:extLst>
+          </p:cNvPr>
+          <p:cNvSpPr>
+            <a:spLocks noGrp="1"/>
+          </p:cNvSpPr>
+          <p:nvPr>
+            <p:ph idx="1"/>
+          </p:nvPr>
+        </p:nvSpPr>
+        <p:spPr>
+          <a:xfrm>
+            <a:off x="680321" y="2336872"/>
+            <a:ext cx="5104843" cy="4521127"/>
+          </a:xfrm>
+        </p:spPr>
+        <p:txBody>
+          <a:bodyPr>
+            <a:normAutofit fontScale="92500" lnSpcReduction="10000"/>
+          </a:bodyPr>
+          <a:lstStyle/>
+          <a:p>
+            <a:pPr marL="457200" indent="-457200">
+              <a:buFont typeface="+mj-lt"/>
+              <a:buAutoNum type="arabicPeriod"/>
+            </a:pPr>
+            <a:r>
+              <a:rPr lang="en-US" sz="1600" dirty="0">
+                <a:solidFill>
+                  <a:srgbClr val="FFFFFF"/>
+                </a:solidFill>
+              </a:rPr>
+              <a:t>Loan Amounts for charged-off loans are typically higher than for fully paid loans, with a mean of 10,616 compared to 8,693 for fully paid loans. </a:t>
+            </a:r>
+          </a:p>
+          <a:p>
+            <a:pPr marL="457200" indent="-457200">
+              <a:buFont typeface="+mj-lt"/>
+              <a:buAutoNum type="arabicPeriod"/>
+            </a:pPr>
+            <a:r>
+              <a:rPr lang="en-US" sz="1600" dirty="0">
+                <a:solidFill>
+                  <a:srgbClr val="FFFFFF"/>
+                </a:solidFill>
+              </a:rPr>
+              <a:t>The median loan amount for charged-off loans is also higher, indicating that larger loans may carry a higher risk of default. </a:t>
+            </a:r>
+          </a:p>
+          <a:p>
+            <a:pPr marL="457200" indent="-457200">
+              <a:buFont typeface="+mj-lt"/>
+              <a:buAutoNum type="arabicPeriod"/>
+            </a:pPr>
+            <a:r>
+              <a:rPr lang="en-US" sz="1600" dirty="0">
+                <a:solidFill>
+                  <a:srgbClr val="FFFFFF"/>
+                </a:solidFill>
+              </a:rPr>
+              <a:t>Charged-off loans have a wider interquartile range (IQR) and higher maximum amounts compared to fully paid loans, reflecting greater 4. variability in loan sizes. </a:t>
+            </a:r>
+          </a:p>
+          <a:p>
+            <a:pPr marL="457200" indent="-457200">
+              <a:buFont typeface="+mj-lt"/>
+              <a:buAutoNum type="arabicPeriod"/>
+            </a:pPr>
+            <a:r>
+              <a:rPr lang="en-US" sz="1600" dirty="0">
+                <a:solidFill>
+                  <a:srgbClr val="FFFFFF"/>
+                </a:solidFill>
+              </a:rPr>
+              <a:t>Outliers: There are a few outliers for fully paid loans, with some loans exceeding 25,000, but these are less frequent.</a:t>
+            </a:r>
+          </a:p>
+          <a:p>
+            <a:pPr marL="457200" indent="-457200">
+              <a:buFont typeface="+mj-lt"/>
+              <a:buAutoNum type="arabicPeriod"/>
+            </a:pPr>
+            <a:endParaRPr lang="en-US" sz="1600" dirty="0">
+              <a:solidFill>
+                <a:srgbClr val="FFFFFF"/>
+              </a:solidFill>
+            </a:endParaRPr>
+          </a:p>
+          <a:p>
+            <a:pPr marL="0" indent="0">
+              <a:buNone/>
+            </a:pPr>
+            <a:r>
+              <a:rPr lang="en-US" sz="1600" dirty="0">
+                <a:solidFill>
+                  <a:srgbClr val="FFFFFF"/>
+                </a:solidFill>
+              </a:rPr>
+              <a:t>Loans that are charged-off tend to have higher amounts compared to loans that are fully paid. This suggests that larger loans may pose a higher risk of default, which can be explored further in combination with other factors like interest rates and borrower credit grades.</a:t>
+            </a:r>
+          </a:p>
+        </p:txBody>
+      </p:sp>
+      <p:sp useBgFill="1">
+        <p:nvSpPr>
+          <p:cNvPr id="9248" name="Rectangle 9247">
+            <a:extLst>
+              <a:ext uri="{FF2B5EF4-FFF2-40B4-BE49-F238E27FC236}">
+                <a16:creationId xmlns:a16="http://schemas.microsoft.com/office/drawing/2014/main" id="{2B57E7D2-A94B-4A8D-B58F-D3E30C2353DE}"/>
+              </a:ext>
+              <a:ext uri="{C183D7F6-B498-43B3-948B-1728B52AA6E4}">
+                <adec:decorative xmlns:adec="http://schemas.microsoft.com/office/drawing/2017/decorative" val="1"/>
+              </a:ext>
+            </a:extLst>
+          </p:cNvPr>
+          <p:cNvSpPr>
+            <a:spLocks noGrp="1" noRot="1" noChangeAspect="1" noMove="1" noResize="1" noEditPoints="1" noAdjustHandles="1" noChangeArrowheads="1" noChangeShapeType="1" noTextEdit="1"/>
+          </p:cNvSpPr>
+          <p:nvPr>
+            <p:extLst>
+              <p:ext uri="{386F3935-93C4-4BCD-93E2-E3B085C9AB24}">
+                <p16:designElem xmlns:p16="http://schemas.microsoft.com/office/powerpoint/2015/main" val="1"/>
+              </p:ext>
+            </p:extLst>
+          </p:nvPr>
+        </p:nvSpPr>
+        <p:spPr>
+          <a:xfrm>
+            <a:off x="6733163" y="642795"/>
+            <a:ext cx="4812406" cy="5575125"/>
+          </a:xfrm>
+          <a:prstGeom prst="rect">
+            <a:avLst/>
+          </a:prstGeom>
+          <a:ln>
+            <a:noFill/>
+          </a:ln>
+          <a:effectLst>
+            <a:outerShdw blurRad="76200" dist="63500" dir="5040000" algn="t" rotWithShape="0">
+              <a:prstClr val="black">
+                <a:alpha val="41000"/>
+              </a:prstClr>
+            </a:outerShdw>
+          </a:effectLst>
+        </p:spPr>
+        <p:style>
+          <a:lnRef idx="2">
+            <a:schemeClr val="accent1">
+              <a:shade val="50000"/>
+            </a:schemeClr>
+          </a:lnRef>
+          <a:fillRef idx="1">
+            <a:schemeClr val="accent1"/>
+          </a:fillRef>
+          <a:effectRef idx="0">
+            <a:schemeClr val="accent1"/>
+          </a:effectRef>
+          <a:fontRef idx="minor">
+            <a:schemeClr val="lt1"/>
+          </a:fontRef>
+        </p:style>
+        <p:txBody>
+          <a:bodyPr rtlCol="0" anchor="ctr"/>
+          <a:lstStyle/>
+          <a:p>
+            <a:pPr algn="ctr"/>
+            <a:endParaRPr lang="en-US"/>
+          </a:p>
+        </p:txBody>
+      </p:sp>
+      <p:pic>
+        <p:nvPicPr>
+          <p:cNvPr id="9218" name="Picture 2" descr="A diagram of a loan status&#10;&#10;Description automatically generated">
+            <a:extLst>
+              <a:ext uri="{FF2B5EF4-FFF2-40B4-BE49-F238E27FC236}">
+                <a16:creationId xmlns:a16="http://schemas.microsoft.com/office/drawing/2014/main" id="{B29A2504-B12D-33CD-71D9-AF078062024C}"/>
+              </a:ext>
+            </a:extLst>
+          </p:cNvPr>
+          <p:cNvPicPr>
+            <a:picLocks noChangeAspect="1" noChangeArrowheads="1"/>
+          </p:cNvPicPr>
+          <p:nvPr/>
+        </p:nvPicPr>
+        <p:blipFill>
+          <a:blip r:embed="rId4">
+            <a:extLst>
+              <a:ext uri="{28A0092B-C50C-407E-A947-70E740481C1C}">
+                <a14:useLocalDpi xmlns:a14="http://schemas.microsoft.com/office/drawing/2010/main" val="0"/>
+              </a:ext>
+            </a:extLst>
+          </a:blip>
+          <a:stretch>
+            <a:fillRect/>
+          </a:stretch>
+        </p:blipFill>
+        <p:spPr bwMode="auto">
+          <a:xfrm>
+            <a:off x="7043933" y="2109401"/>
+            <a:ext cx="4178419" cy="2632404"/>
+          </a:xfrm>
+          <a:prstGeom prst="rect">
+            <a:avLst/>
+          </a:prstGeom>
+          <a:noFill/>
+          <a:ln>
+            <a:noFill/>
+          </a:ln>
+          <a:effectLst/>
+          <a:extLst>
+            <a:ext uri="{909E8E84-426E-40DD-AFC4-6F175D3DCCD1}">
+              <a14:hiddenFill xmlns:a14="http://schemas.microsoft.com/office/drawing/2010/main">
+                <a:solidFill>
+                  <a:srgbClr val="FFFFFF"/>
+                </a:solidFill>
+              </a14:hiddenFill>
+            </a:ext>
+          </a:extLst>
+        </p:spPr>
+      </p:pic>
+    </p:spTree>
+    <p:extLst>
+      <p:ext uri="{BB962C8B-B14F-4D97-AF65-F5344CB8AC3E}">
+        <p14:creationId xmlns:p14="http://schemas.microsoft.com/office/powerpoint/2010/main" val="722841126"/>
+      </p:ext>
+    </p:extLst>
+  </p:cSld>
+  <p:clrMapOvr>
+    <a:overrideClrMapping bg1="lt1" tx1="dk1" bg2="lt2" tx2="dk2" accent1="accent1" accent2="accent2" accent3="accent3" accent4="accent4" accent5="accent5" accent6="accent6" hlink="hlink" folHlink="folHlink"/>
+  </p:clrMapOvr>
+</p:sld>
+</file>
+
+<file path=ppt/slides/slide12.xml><?xml version="1.0" encoding="utf-8"?>
+<p:sld xmlns:a="http://schemas.openxmlformats.org/drawingml/2006/main" xmlns:r="http://schemas.openxmlformats.org/officeDocument/2006/relationships" xmlns:p="http://schemas.openxmlformats.org/presentationml/2006/main">
+  <p:cSld>
+    <p:bg>
+      <p:bgPr>
+        <a:solidFill>
+          <a:schemeClr val="bg1"/>
+        </a:solidFill>
+        <a:effectLst/>
+      </p:bgPr>
+    </p:bg>
+    <p:spTree>
+      <p:nvGrpSpPr>
+        <p:cNvPr id="1" name=""/>
+        <p:cNvGrpSpPr/>
+        <p:nvPr/>
+      </p:nvGrpSpPr>
+      <p:grpSpPr>
+        <a:xfrm>
+          <a:off x="0" y="0"/>
+          <a:ext cx="0" cy="0"/>
+          <a:chOff x="0" y="0"/>
+          <a:chExt cx="0" cy="0"/>
+        </a:xfrm>
+      </p:grpSpPr>
+      <p:pic>
+        <p:nvPicPr>
+          <p:cNvPr id="11271" name="Picture 11270">
+            <a:extLst>
+              <a:ext uri="{FF2B5EF4-FFF2-40B4-BE49-F238E27FC236}">
+                <a16:creationId xmlns:a16="http://schemas.microsoft.com/office/drawing/2014/main" id="{D8DF5C3E-BDAB-40E6-A40B-8C05D8CD3F52}"/>
+              </a:ext>
+              <a:ext uri="{C183D7F6-B498-43B3-948B-1728B52AA6E4}">
+                <adec:decorative xmlns:adec="http://schemas.microsoft.com/office/drawing/2017/decorative" val="1"/>
+              </a:ext>
+            </a:extLst>
+          </p:cNvPr>
+          <p:cNvPicPr>
+            <a:picLocks noGrp="1" noRot="1" noChangeAspect="1" noMove="1" noResize="1" noEditPoints="1" noAdjustHandles="1" noChangeArrowheads="1" noChangeShapeType="1" noCrop="1"/>
+          </p:cNvPicPr>
+          <p:nvPr>
+            <p:extLst>
+              <p:ext uri="{386F3935-93C4-4BCD-93E2-E3B085C9AB24}">
+                <p16:designElem xmlns:p16="http://schemas.microsoft.com/office/powerpoint/2015/main" val="1"/>
+              </p:ext>
+            </p:extLst>
+          </p:nvPr>
+        </p:nvPicPr>
+        <p:blipFill>
+          <a:blip r:embed="rId2">
+            <a:alphaModFix amt="10000"/>
+            <a:extLst>
+              <a:ext uri="{28A0092B-C50C-407E-A947-70E740481C1C}">
+                <a14:useLocalDpi xmlns:a14="http://schemas.microsoft.com/office/drawing/2010/main" val="0"/>
+              </a:ext>
+            </a:extLst>
+          </a:blip>
+          <a:stretch>
+            <a:fillRect/>
+          </a:stretch>
+        </p:blipFill>
+        <p:spPr>
+          <a:xfrm>
+            <a:off x="0" y="0"/>
+            <a:ext cx="12192000" cy="6858000"/>
+          </a:xfrm>
+          <a:prstGeom prst="rect">
+            <a:avLst/>
+          </a:prstGeom>
+          <a:gradFill>
+            <a:gsLst>
+              <a:gs pos="0">
+                <a:srgbClr val="F78925"/>
+              </a:gs>
+              <a:gs pos="50000">
+                <a:srgbClr val="D54209"/>
+              </a:gs>
+              <a:gs pos="100000">
+                <a:srgbClr val="8D0000"/>
+              </a:gs>
+            </a:gsLst>
+            <a:lin ang="2520000" scaled="0"/>
+          </a:gradFill>
+        </p:spPr>
+      </p:pic>
+      <p:pic>
+        <p:nvPicPr>
+          <p:cNvPr id="11273" name="Picture 11272">
+            <a:extLst>
+              <a:ext uri="{FF2B5EF4-FFF2-40B4-BE49-F238E27FC236}">
+                <a16:creationId xmlns:a16="http://schemas.microsoft.com/office/drawing/2014/main" id="{9D90C31A-86E3-472B-B929-496667598EFF}"/>
+              </a:ext>
+              <a:ext uri="{C183D7F6-B498-43B3-948B-1728B52AA6E4}">
+                <adec:decorative xmlns:adec="http://schemas.microsoft.com/office/drawing/2017/decorative" val="1"/>
+              </a:ext>
+            </a:extLst>
+          </p:cNvPr>
+          <p:cNvPicPr>
+            <a:picLocks noGrp="1" noRot="1" noChangeAspect="1" noMove="1" noResize="1" noEditPoints="1" noAdjustHandles="1" noChangeArrowheads="1" noChangeShapeType="1" noCrop="1"/>
+          </p:cNvPicPr>
+          <p:nvPr>
+            <p:extLst>
+              <p:ext uri="{386F3935-93C4-4BCD-93E2-E3B085C9AB24}">
+                <p16:designElem xmlns:p16="http://schemas.microsoft.com/office/powerpoint/2015/main" val="1"/>
+              </p:ext>
+            </p:extLst>
+          </p:nvPr>
+        </p:nvPicPr>
+        <p:blipFill>
+          <a:blip r:embed="rId2">
+            <a:alphaModFix amt="10000"/>
+            <a:extLst>
+              <a:ext uri="{28A0092B-C50C-407E-A947-70E740481C1C}">
+                <a14:useLocalDpi xmlns:a14="http://schemas.microsoft.com/office/drawing/2010/main" val="0"/>
+              </a:ext>
+            </a:extLst>
+          </a:blip>
+          <a:stretch>
+            <a:fillRect/>
+          </a:stretch>
+        </p:blipFill>
+        <p:spPr>
+          <a:xfrm>
+            <a:off x="0" y="0"/>
+            <a:ext cx="12192000" cy="6858000"/>
+          </a:xfrm>
+          <a:prstGeom prst="rect">
+            <a:avLst/>
+          </a:prstGeom>
+        </p:spPr>
+      </p:pic>
+      <p:sp>
+        <p:nvSpPr>
+          <p:cNvPr id="11275" name="Rectangle 11274">
+            <a:extLst>
+              <a:ext uri="{FF2B5EF4-FFF2-40B4-BE49-F238E27FC236}">
+                <a16:creationId xmlns:a16="http://schemas.microsoft.com/office/drawing/2014/main" id="{9DD3589A-DB65-424B-ACF1-5C8155F1C3A8}"/>
+              </a:ext>
+              <a:ext uri="{C183D7F6-B498-43B3-948B-1728B52AA6E4}">
+                <adec:decorative xmlns:adec="http://schemas.microsoft.com/office/drawing/2017/decorative" val="1"/>
+              </a:ext>
+            </a:extLst>
+          </p:cNvPr>
+          <p:cNvSpPr>
+            <a:spLocks noGrp="1" noRot="1" noChangeAspect="1" noMove="1" noResize="1" noEditPoints="1" noAdjustHandles="1" noChangeArrowheads="1" noChangeShapeType="1" noTextEdit="1"/>
+          </p:cNvSpPr>
+          <p:nvPr>
+            <p:extLst>
+              <p:ext uri="{386F3935-93C4-4BCD-93E2-E3B085C9AB24}">
+                <p16:designElem xmlns:p16="http://schemas.microsoft.com/office/powerpoint/2015/main" val="1"/>
+              </p:ext>
+            </p:extLst>
+          </p:nvPr>
+        </p:nvSpPr>
+        <p:spPr>
+          <a:xfrm>
+            <a:off x="6096000" y="0"/>
+            <a:ext cx="6096000" cy="6858001"/>
+          </a:xfrm>
+          <a:prstGeom prst="rect">
+            <a:avLst/>
+          </a:prstGeom>
+          <a:ln>
+            <a:noFill/>
+          </a:ln>
+        </p:spPr>
+        <p:style>
+          <a:lnRef idx="2">
+            <a:schemeClr val="accent1">
+              <a:shade val="50000"/>
+            </a:schemeClr>
+          </a:lnRef>
+          <a:fillRef idx="1">
+            <a:schemeClr val="accent1"/>
+          </a:fillRef>
+          <a:effectRef idx="0">
+            <a:schemeClr val="accent1"/>
+          </a:effectRef>
+          <a:fontRef idx="minor">
+            <a:schemeClr val="lt1"/>
+          </a:fontRef>
+        </p:style>
+        <p:txBody>
+          <a:bodyPr rtlCol="0" anchor="ctr"/>
+          <a:lstStyle/>
+          <a:p>
+            <a:pPr algn="ctr"/>
+            <a:endParaRPr lang="en-US"/>
+          </a:p>
+        </p:txBody>
+      </p:sp>
+      <p:sp>
+        <p:nvSpPr>
+          <p:cNvPr id="11277" name="Rectangle 11276">
+            <a:extLst>
+              <a:ext uri="{FF2B5EF4-FFF2-40B4-BE49-F238E27FC236}">
+                <a16:creationId xmlns:a16="http://schemas.microsoft.com/office/drawing/2014/main" id="{9F784D76-D302-4160-A2D4-C2F4AB76D478}"/>
+              </a:ext>
+              <a:ext uri="{C183D7F6-B498-43B3-948B-1728B52AA6E4}">
+                <adec:decorative xmlns:adec="http://schemas.microsoft.com/office/drawing/2017/decorative" val="1"/>
+              </a:ext>
+            </a:extLst>
+          </p:cNvPr>
+          <p:cNvSpPr>
+            <a:spLocks noGrp="1" noRot="1" noChangeAspect="1" noMove="1" noResize="1" noEditPoints="1" noAdjustHandles="1" noChangeArrowheads="1" noChangeShapeType="1" noTextEdit="1"/>
+          </p:cNvSpPr>
+          <p:nvPr>
+            <p:extLst>
+              <p:ext uri="{386F3935-93C4-4BCD-93E2-E3B085C9AB24}">
+                <p16:designElem xmlns:p16="http://schemas.microsoft.com/office/powerpoint/2015/main" val="1"/>
+              </p:ext>
+            </p:extLst>
+          </p:nvPr>
+        </p:nvSpPr>
+        <p:spPr bwMode="grayWhite">
+          <a:xfrm>
+            <a:off x="2" y="609600"/>
+            <a:ext cx="6412862" cy="1368198"/>
+          </a:xfrm>
+          <a:prstGeom prst="rect">
+            <a:avLst/>
+          </a:prstGeom>
+          <a:solidFill>
+            <a:srgbClr val="0D0D0D"/>
+          </a:solidFill>
+          <a:ln>
+            <a:noFill/>
+          </a:ln>
+        </p:spPr>
+        <p:style>
+          <a:lnRef idx="2">
+            <a:schemeClr val="accent1">
+              <a:shade val="50000"/>
+            </a:schemeClr>
+          </a:lnRef>
+          <a:fillRef idx="1">
+            <a:schemeClr val="accent1"/>
+          </a:fillRef>
+          <a:effectRef idx="0">
+            <a:schemeClr val="accent1"/>
+          </a:effectRef>
+          <a:fontRef idx="minor">
+            <a:schemeClr val="lt1"/>
+          </a:fontRef>
+        </p:style>
+        <p:txBody>
+          <a:bodyPr/>
+          <a:lstStyle/>
+          <a:p>
+            <a:endParaRPr lang="en-US"/>
+          </a:p>
+        </p:txBody>
+      </p:sp>
+      <p:sp>
+        <p:nvSpPr>
+          <p:cNvPr id="2" name="Title 1">
+            <a:extLst>
+              <a:ext uri="{FF2B5EF4-FFF2-40B4-BE49-F238E27FC236}">
+                <a16:creationId xmlns:a16="http://schemas.microsoft.com/office/drawing/2014/main" id="{3B27252B-8580-BBE3-174A-6320C6CE10D1}"/>
+              </a:ext>
+            </a:extLst>
+          </p:cNvPr>
+          <p:cNvSpPr>
+            <a:spLocks noGrp="1"/>
+          </p:cNvSpPr>
+          <p:nvPr>
+            <p:ph type="title"/>
+          </p:nvPr>
+        </p:nvSpPr>
+        <p:spPr>
+          <a:xfrm>
+            <a:off x="680321" y="753228"/>
+            <a:ext cx="5584677" cy="1080938"/>
+          </a:xfrm>
+        </p:spPr>
+        <p:txBody>
+          <a:bodyPr>
+            <a:normAutofit/>
+          </a:bodyPr>
+          <a:lstStyle/>
+          <a:p>
+            <a:r>
+              <a:rPr lang="en-US" sz="3300">
+                <a:solidFill>
+                  <a:srgbClr val="FFFFFF"/>
+                </a:solidFill>
+              </a:rPr>
+              <a:t>Bivariate Analysis - Interest Rate vs Loan Status</a:t>
+            </a:r>
+          </a:p>
+        </p:txBody>
+      </p:sp>
+      <p:pic>
+        <p:nvPicPr>
+          <p:cNvPr id="11279" name="Picture 11278">
+            <a:extLst>
+              <a:ext uri="{FF2B5EF4-FFF2-40B4-BE49-F238E27FC236}">
+                <a16:creationId xmlns:a16="http://schemas.microsoft.com/office/drawing/2014/main" id="{608D9710-1A5F-4D24-B654-F2081DE6014C}"/>
+              </a:ext>
+              <a:ext uri="{C183D7F6-B498-43B3-948B-1728B52AA6E4}">
+                <adec:decorative xmlns:adec="http://schemas.microsoft.com/office/drawing/2017/decorative" val="1"/>
+              </a:ext>
+            </a:extLst>
+          </p:cNvPr>
+          <p:cNvPicPr>
+            <a:picLocks noGrp="1" noRot="1" noChangeAspect="1" noMove="1" noResize="1" noEditPoints="1" noAdjustHandles="1" noChangeArrowheads="1" noChangeShapeType="1" noCrop="1"/>
+          </p:cNvPicPr>
+          <p:nvPr>
+            <p:extLst>
+              <p:ext uri="{386F3935-93C4-4BCD-93E2-E3B085C9AB24}">
+                <p16:designElem xmlns:p16="http://schemas.microsoft.com/office/powerpoint/2015/main" val="1"/>
+              </p:ext>
+            </p:extLst>
+          </p:nvPr>
+        </p:nvPicPr>
+        <p:blipFill>
+          <a:blip r:embed="rId3">
+            <a:extLst>
+              <a:ext uri="{28A0092B-C50C-407E-A947-70E740481C1C}">
+                <a14:useLocalDpi xmlns:a14="http://schemas.microsoft.com/office/drawing/2010/main" val="0"/>
+              </a:ext>
+            </a:extLst>
+          </a:blip>
+          <a:stretch>
+            <a:fillRect/>
+          </a:stretch>
+        </p:blipFill>
+        <p:spPr>
+          <a:xfrm>
+            <a:off x="2" y="1970241"/>
+            <a:ext cx="6409944" cy="258395"/>
+          </a:xfrm>
+          <a:prstGeom prst="rect">
+            <a:avLst/>
+          </a:prstGeom>
+        </p:spPr>
+      </p:pic>
+      <p:sp>
+        <p:nvSpPr>
+          <p:cNvPr id="9222" name="Content Placeholder 9221">
+            <a:extLst>
+              <a:ext uri="{FF2B5EF4-FFF2-40B4-BE49-F238E27FC236}">
+                <a16:creationId xmlns:a16="http://schemas.microsoft.com/office/drawing/2014/main" id="{DA6D2A5F-7C2C-D9E0-1782-490D99141C59}"/>
+              </a:ext>
+            </a:extLst>
+          </p:cNvPr>
+          <p:cNvSpPr>
+            <a:spLocks noGrp="1"/>
+          </p:cNvSpPr>
+          <p:nvPr>
+            <p:ph idx="1"/>
+          </p:nvPr>
+        </p:nvSpPr>
+        <p:spPr>
+          <a:xfrm>
+            <a:off x="680321" y="2336873"/>
+            <a:ext cx="5104843" cy="3599316"/>
+          </a:xfrm>
+        </p:spPr>
+        <p:txBody>
+          <a:bodyPr>
+            <a:normAutofit/>
+          </a:bodyPr>
+          <a:lstStyle/>
+          <a:p>
+            <a:pPr marL="457200" indent="-457200">
+              <a:buFont typeface="+mj-lt"/>
+              <a:buAutoNum type="arabicPeriod"/>
+            </a:pPr>
+            <a:r>
+              <a:rPr lang="en-US" sz="1100" dirty="0">
+                <a:solidFill>
+                  <a:srgbClr val="FFFFFF"/>
+                </a:solidFill>
+              </a:rPr>
+              <a:t>Charged-off loans have a higher average interest rate (12.44%) compared to fully paid loans (10.67%). This suggests that loans with higher interest rates are more likely to default.</a:t>
+            </a:r>
+          </a:p>
+          <a:p>
+            <a:pPr marL="457200" indent="-457200">
+              <a:buFont typeface="+mj-lt"/>
+              <a:buAutoNum type="arabicPeriod"/>
+            </a:pPr>
+            <a:r>
+              <a:rPr lang="en-US" sz="1100" dirty="0">
+                <a:solidFill>
+                  <a:srgbClr val="FFFFFF"/>
+                </a:solidFill>
+              </a:rPr>
+              <a:t>The median interest rate for charged-off loans is also higher, supporting the idea that riskier borrowers (with higher interest rates) have a higher chance of defaulting. </a:t>
+            </a:r>
+          </a:p>
+          <a:p>
+            <a:pPr marL="457200" indent="-457200">
+              <a:buFont typeface="+mj-lt"/>
+              <a:buAutoNum type="arabicPeriod"/>
+            </a:pPr>
+            <a:r>
+              <a:rPr lang="en-US" sz="1100" dirty="0">
+                <a:solidFill>
+                  <a:srgbClr val="FFFFFF"/>
+                </a:solidFill>
+              </a:rPr>
+              <a:t>Charged-off loans show more variability in interest rates (with a higher standard deviation) and have more extreme high-interest outliers.</a:t>
+            </a:r>
+          </a:p>
+          <a:p>
+            <a:pPr marL="457200" indent="-457200">
+              <a:buFont typeface="+mj-lt"/>
+              <a:buAutoNum type="arabicPeriod"/>
+            </a:pPr>
+            <a:r>
+              <a:rPr lang="en-US" sz="1100" dirty="0">
+                <a:solidFill>
+                  <a:srgbClr val="FFFFFF"/>
+                </a:solidFill>
+              </a:rPr>
+              <a:t>Outliers: There are a few outliers for fully paid loans with interest rates above 20%, but charged-off loans have more frequent high-interest outliers above 20%.</a:t>
+            </a:r>
+          </a:p>
+          <a:p>
+            <a:pPr marL="0" indent="0">
+              <a:buNone/>
+            </a:pPr>
+            <a:r>
+              <a:rPr lang="en-US" sz="1100" dirty="0">
+                <a:solidFill>
+                  <a:srgbClr val="FFFFFF"/>
+                </a:solidFill>
+              </a:rPr>
+              <a:t>Loans with higher interest rates are more likely to be charged off, reflecting the higher risk that these borrowers present. Lenders may charge higher interest rates to compensate for this increased risk, but it also increases the likelihood of default.</a:t>
+            </a:r>
+          </a:p>
+        </p:txBody>
+      </p:sp>
+      <p:sp useBgFill="1">
+        <p:nvSpPr>
+          <p:cNvPr id="11281" name="Rectangle 11280">
+            <a:extLst>
+              <a:ext uri="{FF2B5EF4-FFF2-40B4-BE49-F238E27FC236}">
+                <a16:creationId xmlns:a16="http://schemas.microsoft.com/office/drawing/2014/main" id="{2B57E7D2-A94B-4A8D-B58F-D3E30C2353DE}"/>
+              </a:ext>
+              <a:ext uri="{C183D7F6-B498-43B3-948B-1728B52AA6E4}">
+                <adec:decorative xmlns:adec="http://schemas.microsoft.com/office/drawing/2017/decorative" val="1"/>
+              </a:ext>
+            </a:extLst>
+          </p:cNvPr>
+          <p:cNvSpPr>
+            <a:spLocks noGrp="1" noRot="1" noChangeAspect="1" noMove="1" noResize="1" noEditPoints="1" noAdjustHandles="1" noChangeArrowheads="1" noChangeShapeType="1" noTextEdit="1"/>
+          </p:cNvSpPr>
+          <p:nvPr>
+            <p:extLst>
+              <p:ext uri="{386F3935-93C4-4BCD-93E2-E3B085C9AB24}">
+                <p16:designElem xmlns:p16="http://schemas.microsoft.com/office/powerpoint/2015/main" val="1"/>
+              </p:ext>
+            </p:extLst>
+          </p:nvPr>
+        </p:nvSpPr>
+        <p:spPr>
+          <a:xfrm>
+            <a:off x="6733163" y="642795"/>
+            <a:ext cx="4812406" cy="5575125"/>
+          </a:xfrm>
+          <a:prstGeom prst="rect">
+            <a:avLst/>
+          </a:prstGeom>
+          <a:ln>
+            <a:noFill/>
+          </a:ln>
+          <a:effectLst>
+            <a:outerShdw blurRad="76200" dist="63500" dir="5040000" algn="t" rotWithShape="0">
+              <a:prstClr val="black">
+                <a:alpha val="41000"/>
+              </a:prstClr>
+            </a:outerShdw>
+          </a:effectLst>
+        </p:spPr>
+        <p:style>
+          <a:lnRef idx="2">
+            <a:schemeClr val="accent1">
+              <a:shade val="50000"/>
+            </a:schemeClr>
+          </a:lnRef>
+          <a:fillRef idx="1">
+            <a:schemeClr val="accent1"/>
+          </a:fillRef>
+          <a:effectRef idx="0">
+            <a:schemeClr val="accent1"/>
+          </a:effectRef>
+          <a:fontRef idx="minor">
+            <a:schemeClr val="lt1"/>
+          </a:fontRef>
+        </p:style>
+        <p:txBody>
+          <a:bodyPr rtlCol="0" anchor="ctr"/>
+          <a:lstStyle/>
+          <a:p>
+            <a:pPr algn="ctr"/>
+            <a:endParaRPr lang="en-US"/>
+          </a:p>
+        </p:txBody>
+      </p:sp>
+      <p:pic>
+        <p:nvPicPr>
+          <p:cNvPr id="11266" name="Picture 2">
+            <a:extLst>
+              <a:ext uri="{FF2B5EF4-FFF2-40B4-BE49-F238E27FC236}">
+                <a16:creationId xmlns:a16="http://schemas.microsoft.com/office/drawing/2014/main" id="{90C50C77-F7E2-B53B-13C7-91FD7CB9A484}"/>
+              </a:ext>
+            </a:extLst>
+          </p:cNvPr>
+          <p:cNvPicPr>
+            <a:picLocks noChangeAspect="1" noChangeArrowheads="1"/>
+          </p:cNvPicPr>
+          <p:nvPr/>
+        </p:nvPicPr>
+        <p:blipFill>
+          <a:blip r:embed="rId4">
+            <a:extLst>
+              <a:ext uri="{28A0092B-C50C-407E-A947-70E740481C1C}">
+                <a14:useLocalDpi xmlns:a14="http://schemas.microsoft.com/office/drawing/2010/main" val="0"/>
+              </a:ext>
+            </a:extLst>
+          </a:blip>
+          <a:stretch>
+            <a:fillRect/>
+          </a:stretch>
+        </p:blipFill>
+        <p:spPr bwMode="auto">
+          <a:xfrm>
+            <a:off x="7043933" y="2088509"/>
+            <a:ext cx="4178419" cy="2674188"/>
+          </a:xfrm>
+          <a:prstGeom prst="rect">
+            <a:avLst/>
+          </a:prstGeom>
+          <a:noFill/>
+          <a:ln>
+            <a:noFill/>
+          </a:ln>
+          <a:effectLst/>
+          <a:extLst>
+            <a:ext uri="{909E8E84-426E-40DD-AFC4-6F175D3DCCD1}">
+              <a14:hiddenFill xmlns:a14="http://schemas.microsoft.com/office/drawing/2010/main">
+                <a:solidFill>
+                  <a:srgbClr val="FFFFFF"/>
+                </a:solidFill>
+              </a14:hiddenFill>
+            </a:ext>
+          </a:extLst>
+        </p:spPr>
+      </p:pic>
+    </p:spTree>
+    <p:extLst>
+      <p:ext uri="{BB962C8B-B14F-4D97-AF65-F5344CB8AC3E}">
+        <p14:creationId xmlns:p14="http://schemas.microsoft.com/office/powerpoint/2010/main" val="1736968554"/>
+      </p:ext>
+    </p:extLst>
+  </p:cSld>
+  <p:clrMapOvr>
+    <a:overrideClrMapping bg1="lt1" tx1="dk1" bg2="lt2" tx2="dk2" accent1="accent1" accent2="accent2" accent3="accent3" accent4="accent4" accent5="accent5" accent6="accent6" hlink="hlink" folHlink="folHlink"/>
+  </p:clrMapOvr>
+</p:sld>
+</file>
+
+<file path=ppt/slides/slide13.xml><?xml version="1.0" encoding="utf-8"?>
+<p:sld xmlns:a="http://schemas.openxmlformats.org/drawingml/2006/main" xmlns:r="http://schemas.openxmlformats.org/officeDocument/2006/relationships" xmlns:p="http://schemas.openxmlformats.org/presentationml/2006/main">
+  <p:cSld>
+    <p:bg>
+      <p:bgPr>
+        <a:solidFill>
+          <a:schemeClr val="bg1"/>
+        </a:solidFill>
+        <a:effectLst/>
+      </p:bgPr>
+    </p:bg>
+    <p:spTree>
+      <p:nvGrpSpPr>
+        <p:cNvPr id="1" name=""/>
+        <p:cNvGrpSpPr/>
+        <p:nvPr/>
+      </p:nvGrpSpPr>
+      <p:grpSpPr>
+        <a:xfrm>
+          <a:off x="0" y="0"/>
+          <a:ext cx="0" cy="0"/>
+          <a:chOff x="0" y="0"/>
+          <a:chExt cx="0" cy="0"/>
+        </a:xfrm>
+      </p:grpSpPr>
+      <p:pic>
+        <p:nvPicPr>
+          <p:cNvPr id="13343" name="Picture 13342">
+            <a:extLst>
+              <a:ext uri="{FF2B5EF4-FFF2-40B4-BE49-F238E27FC236}">
+                <a16:creationId xmlns:a16="http://schemas.microsoft.com/office/drawing/2014/main" id="{D8DF5C3E-BDAB-40E6-A40B-8C05D8CD3F52}"/>
+              </a:ext>
+              <a:ext uri="{C183D7F6-B498-43B3-948B-1728B52AA6E4}">
+                <adec:decorative xmlns:adec="http://schemas.microsoft.com/office/drawing/2017/decorative" val="1"/>
+              </a:ext>
+            </a:extLst>
+          </p:cNvPr>
+          <p:cNvPicPr>
+            <a:picLocks noGrp="1" noRot="1" noChangeAspect="1" noMove="1" noResize="1" noEditPoints="1" noAdjustHandles="1" noChangeArrowheads="1" noChangeShapeType="1" noCrop="1"/>
+          </p:cNvPicPr>
+          <p:nvPr>
+            <p:extLst>
+              <p:ext uri="{386F3935-93C4-4BCD-93E2-E3B085C9AB24}">
+                <p16:designElem xmlns:p16="http://schemas.microsoft.com/office/powerpoint/2015/main" val="1"/>
+              </p:ext>
+            </p:extLst>
+          </p:nvPr>
+        </p:nvPicPr>
+        <p:blipFill>
+          <a:blip r:embed="rId2">
+            <a:alphaModFix amt="10000"/>
+            <a:extLst>
+              <a:ext uri="{28A0092B-C50C-407E-A947-70E740481C1C}">
+                <a14:useLocalDpi xmlns:a14="http://schemas.microsoft.com/office/drawing/2010/main" val="0"/>
+              </a:ext>
+            </a:extLst>
+          </a:blip>
+          <a:stretch>
+            <a:fillRect/>
+          </a:stretch>
+        </p:blipFill>
+        <p:spPr>
+          <a:xfrm>
+            <a:off x="0" y="0"/>
+            <a:ext cx="12192000" cy="6858000"/>
+          </a:xfrm>
+          <a:prstGeom prst="rect">
+            <a:avLst/>
+          </a:prstGeom>
+          <a:gradFill>
+            <a:gsLst>
+              <a:gs pos="0">
+                <a:srgbClr val="F78925"/>
+              </a:gs>
+              <a:gs pos="50000">
+                <a:srgbClr val="D54209"/>
+              </a:gs>
+              <a:gs pos="100000">
+                <a:srgbClr val="8D0000"/>
+              </a:gs>
+            </a:gsLst>
+            <a:lin ang="2520000" scaled="0"/>
+          </a:gradFill>
+        </p:spPr>
+      </p:pic>
+      <p:pic>
+        <p:nvPicPr>
+          <p:cNvPr id="13344" name="Picture 13343">
+            <a:extLst>
+              <a:ext uri="{FF2B5EF4-FFF2-40B4-BE49-F238E27FC236}">
+                <a16:creationId xmlns:a16="http://schemas.microsoft.com/office/drawing/2014/main" id="{9D90C31A-86E3-472B-B929-496667598EFF}"/>
+              </a:ext>
+              <a:ext uri="{C183D7F6-B498-43B3-948B-1728B52AA6E4}">
+                <adec:decorative xmlns:adec="http://schemas.microsoft.com/office/drawing/2017/decorative" val="1"/>
+              </a:ext>
+            </a:extLst>
+          </p:cNvPr>
+          <p:cNvPicPr>
+            <a:picLocks noGrp="1" noRot="1" noChangeAspect="1" noMove="1" noResize="1" noEditPoints="1" noAdjustHandles="1" noChangeArrowheads="1" noChangeShapeType="1" noCrop="1"/>
+          </p:cNvPicPr>
+          <p:nvPr>
+            <p:extLst>
+              <p:ext uri="{386F3935-93C4-4BCD-93E2-E3B085C9AB24}">
+                <p16:designElem xmlns:p16="http://schemas.microsoft.com/office/powerpoint/2015/main" val="1"/>
+              </p:ext>
+            </p:extLst>
+          </p:nvPr>
+        </p:nvPicPr>
+        <p:blipFill>
+          <a:blip r:embed="rId2">
+            <a:alphaModFix amt="10000"/>
+            <a:extLst>
+              <a:ext uri="{28A0092B-C50C-407E-A947-70E740481C1C}">
+                <a14:useLocalDpi xmlns:a14="http://schemas.microsoft.com/office/drawing/2010/main" val="0"/>
+              </a:ext>
+            </a:extLst>
+          </a:blip>
+          <a:stretch>
+            <a:fillRect/>
+          </a:stretch>
+        </p:blipFill>
+        <p:spPr>
+          <a:xfrm>
+            <a:off x="0" y="0"/>
+            <a:ext cx="12192000" cy="6858000"/>
+          </a:xfrm>
+          <a:prstGeom prst="rect">
+            <a:avLst/>
+          </a:prstGeom>
+        </p:spPr>
+      </p:pic>
+      <p:sp>
+        <p:nvSpPr>
+          <p:cNvPr id="13345" name="Rectangle 13344">
+            <a:extLst>
+              <a:ext uri="{FF2B5EF4-FFF2-40B4-BE49-F238E27FC236}">
+                <a16:creationId xmlns:a16="http://schemas.microsoft.com/office/drawing/2014/main" id="{9DD3589A-DB65-424B-ACF1-5C8155F1C3A8}"/>
+              </a:ext>
+              <a:ext uri="{C183D7F6-B498-43B3-948B-1728B52AA6E4}">
+                <adec:decorative xmlns:adec="http://schemas.microsoft.com/office/drawing/2017/decorative" val="1"/>
+              </a:ext>
+            </a:extLst>
+          </p:cNvPr>
+          <p:cNvSpPr>
+            <a:spLocks noGrp="1" noRot="1" noChangeAspect="1" noMove="1" noResize="1" noEditPoints="1" noAdjustHandles="1" noChangeArrowheads="1" noChangeShapeType="1" noTextEdit="1"/>
+          </p:cNvSpPr>
+          <p:nvPr>
+            <p:extLst>
+              <p:ext uri="{386F3935-93C4-4BCD-93E2-E3B085C9AB24}">
+                <p16:designElem xmlns:p16="http://schemas.microsoft.com/office/powerpoint/2015/main" val="1"/>
+              </p:ext>
+            </p:extLst>
+          </p:nvPr>
+        </p:nvSpPr>
+        <p:spPr>
+          <a:xfrm>
+            <a:off x="6096000" y="0"/>
+            <a:ext cx="6096000" cy="6858001"/>
+          </a:xfrm>
+          <a:prstGeom prst="rect">
+            <a:avLst/>
+          </a:prstGeom>
+          <a:ln>
+            <a:noFill/>
+          </a:ln>
+        </p:spPr>
+        <p:style>
+          <a:lnRef idx="2">
+            <a:schemeClr val="accent1">
+              <a:shade val="50000"/>
+            </a:schemeClr>
+          </a:lnRef>
+          <a:fillRef idx="1">
+            <a:schemeClr val="accent1"/>
+          </a:fillRef>
+          <a:effectRef idx="0">
+            <a:schemeClr val="accent1"/>
+          </a:effectRef>
+          <a:fontRef idx="minor">
+            <a:schemeClr val="lt1"/>
+          </a:fontRef>
+        </p:style>
+        <p:txBody>
+          <a:bodyPr rtlCol="0" anchor="ctr"/>
+          <a:lstStyle/>
+          <a:p>
+            <a:pPr algn="ctr"/>
+            <a:endParaRPr lang="en-US"/>
+          </a:p>
+        </p:txBody>
+      </p:sp>
+      <p:sp>
+        <p:nvSpPr>
+          <p:cNvPr id="13346" name="Rectangle 13345">
+            <a:extLst>
+              <a:ext uri="{FF2B5EF4-FFF2-40B4-BE49-F238E27FC236}">
+                <a16:creationId xmlns:a16="http://schemas.microsoft.com/office/drawing/2014/main" id="{9F784D76-D302-4160-A2D4-C2F4AB76D478}"/>
+              </a:ext>
+              <a:ext uri="{C183D7F6-B498-43B3-948B-1728B52AA6E4}">
+                <adec:decorative xmlns:adec="http://schemas.microsoft.com/office/drawing/2017/decorative" val="1"/>
+              </a:ext>
+            </a:extLst>
+          </p:cNvPr>
+          <p:cNvSpPr>
+            <a:spLocks noGrp="1" noRot="1" noChangeAspect="1" noMove="1" noResize="1" noEditPoints="1" noAdjustHandles="1" noChangeArrowheads="1" noChangeShapeType="1" noTextEdit="1"/>
+          </p:cNvSpPr>
+          <p:nvPr>
+            <p:extLst>
+              <p:ext uri="{386F3935-93C4-4BCD-93E2-E3B085C9AB24}">
+                <p16:designElem xmlns:p16="http://schemas.microsoft.com/office/powerpoint/2015/main" val="1"/>
+              </p:ext>
+            </p:extLst>
+          </p:nvPr>
+        </p:nvSpPr>
+        <p:spPr bwMode="grayWhite">
+          <a:xfrm>
+            <a:off x="2" y="609600"/>
+            <a:ext cx="6412862" cy="1368198"/>
+          </a:xfrm>
+          <a:prstGeom prst="rect">
+            <a:avLst/>
+          </a:prstGeom>
+          <a:solidFill>
+            <a:srgbClr val="0D0D0D"/>
+          </a:solidFill>
+          <a:ln>
+            <a:noFill/>
+          </a:ln>
+        </p:spPr>
+        <p:style>
+          <a:lnRef idx="2">
+            <a:schemeClr val="accent1">
+              <a:shade val="50000"/>
+            </a:schemeClr>
+          </a:lnRef>
+          <a:fillRef idx="1">
+            <a:schemeClr val="accent1"/>
+          </a:fillRef>
+          <a:effectRef idx="0">
+            <a:schemeClr val="accent1"/>
+          </a:effectRef>
+          <a:fontRef idx="minor">
+            <a:schemeClr val="lt1"/>
+          </a:fontRef>
+        </p:style>
+        <p:txBody>
+          <a:bodyPr/>
+          <a:lstStyle/>
+          <a:p>
+            <a:endParaRPr lang="en-US"/>
+          </a:p>
+        </p:txBody>
+      </p:sp>
+      <p:sp>
+        <p:nvSpPr>
+          <p:cNvPr id="2" name="Title 1">
+            <a:extLst>
+              <a:ext uri="{FF2B5EF4-FFF2-40B4-BE49-F238E27FC236}">
+                <a16:creationId xmlns:a16="http://schemas.microsoft.com/office/drawing/2014/main" id="{3B27252B-8580-BBE3-174A-6320C6CE10D1}"/>
+              </a:ext>
+            </a:extLst>
+          </p:cNvPr>
+          <p:cNvSpPr>
+            <a:spLocks noGrp="1"/>
+          </p:cNvSpPr>
+          <p:nvPr>
+            <p:ph type="title"/>
+          </p:nvPr>
+        </p:nvSpPr>
+        <p:spPr>
+          <a:xfrm>
+            <a:off x="680321" y="753228"/>
+            <a:ext cx="5584677" cy="1080938"/>
+          </a:xfrm>
+        </p:spPr>
+        <p:txBody>
+          <a:bodyPr>
+            <a:normAutofit/>
+          </a:bodyPr>
+          <a:lstStyle/>
+          <a:p>
+            <a:r>
+              <a:rPr lang="en-US">
+                <a:solidFill>
+                  <a:srgbClr val="FFFFFF"/>
+                </a:solidFill>
+              </a:rPr>
+              <a:t>Bivariate Analysis - Annual Income vs Loan Status</a:t>
+            </a:r>
+          </a:p>
+        </p:txBody>
+      </p:sp>
+      <p:pic>
+        <p:nvPicPr>
+          <p:cNvPr id="13347" name="Picture 13346">
+            <a:extLst>
+              <a:ext uri="{FF2B5EF4-FFF2-40B4-BE49-F238E27FC236}">
+                <a16:creationId xmlns:a16="http://schemas.microsoft.com/office/drawing/2014/main" id="{608D9710-1A5F-4D24-B654-F2081DE6014C}"/>
+              </a:ext>
+              <a:ext uri="{C183D7F6-B498-43B3-948B-1728B52AA6E4}">
+                <adec:decorative xmlns:adec="http://schemas.microsoft.com/office/drawing/2017/decorative" val="1"/>
+              </a:ext>
+            </a:extLst>
+          </p:cNvPr>
+          <p:cNvPicPr>
+            <a:picLocks noGrp="1" noRot="1" noChangeAspect="1" noMove="1" noResize="1" noEditPoints="1" noAdjustHandles="1" noChangeArrowheads="1" noChangeShapeType="1" noCrop="1"/>
+          </p:cNvPicPr>
+          <p:nvPr>
+            <p:extLst>
+              <p:ext uri="{386F3935-93C4-4BCD-93E2-E3B085C9AB24}">
+                <p16:designElem xmlns:p16="http://schemas.microsoft.com/office/powerpoint/2015/main" val="1"/>
+              </p:ext>
+            </p:extLst>
+          </p:nvPr>
+        </p:nvPicPr>
+        <p:blipFill>
+          <a:blip r:embed="rId3">
+            <a:extLst>
+              <a:ext uri="{28A0092B-C50C-407E-A947-70E740481C1C}">
+                <a14:useLocalDpi xmlns:a14="http://schemas.microsoft.com/office/drawing/2010/main" val="0"/>
+              </a:ext>
+            </a:extLst>
+          </a:blip>
+          <a:stretch>
+            <a:fillRect/>
+          </a:stretch>
+        </p:blipFill>
+        <p:spPr>
+          <a:xfrm>
+            <a:off x="2" y="1970241"/>
+            <a:ext cx="6409944" cy="258395"/>
+          </a:xfrm>
+          <a:prstGeom prst="rect">
+            <a:avLst/>
+          </a:prstGeom>
+        </p:spPr>
+      </p:pic>
+      <p:sp>
+        <p:nvSpPr>
+          <p:cNvPr id="9222" name="Content Placeholder 9221">
+            <a:extLst>
+              <a:ext uri="{FF2B5EF4-FFF2-40B4-BE49-F238E27FC236}">
+                <a16:creationId xmlns:a16="http://schemas.microsoft.com/office/drawing/2014/main" id="{DA6D2A5F-7C2C-D9E0-1782-490D99141C59}"/>
+              </a:ext>
+            </a:extLst>
+          </p:cNvPr>
+          <p:cNvSpPr>
+            <a:spLocks noGrp="1"/>
+          </p:cNvSpPr>
+          <p:nvPr>
+            <p:ph idx="1"/>
+          </p:nvPr>
+        </p:nvSpPr>
+        <p:spPr>
+          <a:xfrm>
+            <a:off x="680321" y="2336873"/>
+            <a:ext cx="5104843" cy="3599316"/>
+          </a:xfrm>
+        </p:spPr>
+        <p:txBody>
+          <a:bodyPr>
+            <a:normAutofit/>
+          </a:bodyPr>
+          <a:lstStyle/>
+          <a:p>
+            <a:pPr marL="457200" indent="-457200">
+              <a:buFont typeface="+mj-lt"/>
+              <a:buAutoNum type="arabicPeriod"/>
+            </a:pPr>
+            <a:r>
+              <a:rPr lang="en-US" sz="1100" dirty="0">
+                <a:solidFill>
+                  <a:srgbClr val="FFFFFF"/>
+                </a:solidFill>
+              </a:rPr>
+              <a:t>Fully paid loans are generally associated with higher annual incomes. The mean income for fully paid loans is 56,925, compared to 51,126 for charged-off loans. </a:t>
+            </a:r>
+          </a:p>
+          <a:p>
+            <a:pPr marL="457200" indent="-457200">
+              <a:buFont typeface="+mj-lt"/>
+              <a:buAutoNum type="arabicPeriod"/>
+            </a:pPr>
+            <a:r>
+              <a:rPr lang="en-US" sz="1100" dirty="0">
+                <a:solidFill>
+                  <a:srgbClr val="FFFFFF"/>
+                </a:solidFill>
+              </a:rPr>
+              <a:t>The median income for charged-off loans (48,500) is lower than for fully paid loans (52,000), suggesting that lower income borrowers may be more prone to default.</a:t>
+            </a:r>
+          </a:p>
+          <a:p>
+            <a:pPr marL="457200" indent="-457200">
+              <a:buFont typeface="+mj-lt"/>
+              <a:buAutoNum type="arabicPeriod"/>
+            </a:pPr>
+            <a:r>
+              <a:rPr lang="en-US" sz="1100" dirty="0">
+                <a:solidFill>
+                  <a:srgbClr val="FFFFFF"/>
+                </a:solidFill>
+              </a:rPr>
+              <a:t>Charged-off loans also exhibit more income outliers on the lower end of the spectrum, while fully paid loans show a wider spread, with some outliers in the higher income range. </a:t>
+            </a:r>
+          </a:p>
+          <a:p>
+            <a:pPr marL="457200" indent="-457200">
+              <a:buFont typeface="+mj-lt"/>
+              <a:buAutoNum type="arabicPeriod"/>
+            </a:pPr>
+            <a:r>
+              <a:rPr lang="en-US" sz="1100" dirty="0">
+                <a:solidFill>
+                  <a:srgbClr val="FFFFFF"/>
+                </a:solidFill>
+              </a:rPr>
+              <a:t>Outliers: There are several outliers for both loan statuses, with fully paid loans having more frequent higher-income borrowers. Charged-off loans have more frequent borrowers with annual incomes below $100,000.</a:t>
+            </a:r>
+          </a:p>
+          <a:p>
+            <a:pPr marL="0" indent="0">
+              <a:buNone/>
+            </a:pPr>
+            <a:r>
+              <a:rPr lang="en-US" sz="1100" dirty="0">
+                <a:solidFill>
+                  <a:srgbClr val="FFFFFF"/>
+                </a:solidFill>
+              </a:rPr>
+              <a:t>Borrowers with lower annual incomes tend to have a higher risk of default, as indicated by the lower average and median incomes for charged-off loans. Borrowers with higher incomes are more likely to fully repay their loans, as evidenced by the higher mean and median incomes for fully paid loans.</a:t>
+            </a:r>
+          </a:p>
+        </p:txBody>
+      </p:sp>
+      <p:sp useBgFill="1">
+        <p:nvSpPr>
+          <p:cNvPr id="13342" name="Rectangle 13341">
+            <a:extLst>
+              <a:ext uri="{FF2B5EF4-FFF2-40B4-BE49-F238E27FC236}">
+                <a16:creationId xmlns:a16="http://schemas.microsoft.com/office/drawing/2014/main" id="{2B57E7D2-A94B-4A8D-B58F-D3E30C2353DE}"/>
+              </a:ext>
+              <a:ext uri="{C183D7F6-B498-43B3-948B-1728B52AA6E4}">
+                <adec:decorative xmlns:adec="http://schemas.microsoft.com/office/drawing/2017/decorative" val="1"/>
+              </a:ext>
+            </a:extLst>
+          </p:cNvPr>
+          <p:cNvSpPr>
+            <a:spLocks noGrp="1" noRot="1" noChangeAspect="1" noMove="1" noResize="1" noEditPoints="1" noAdjustHandles="1" noChangeArrowheads="1" noChangeShapeType="1" noTextEdit="1"/>
+          </p:cNvSpPr>
+          <p:nvPr>
+            <p:extLst>
+              <p:ext uri="{386F3935-93C4-4BCD-93E2-E3B085C9AB24}">
+                <p16:designElem xmlns:p16="http://schemas.microsoft.com/office/powerpoint/2015/main" val="1"/>
+              </p:ext>
+            </p:extLst>
+          </p:nvPr>
+        </p:nvSpPr>
+        <p:spPr>
+          <a:xfrm>
+            <a:off x="6733163" y="642795"/>
+            <a:ext cx="4812406" cy="5575125"/>
+          </a:xfrm>
+          <a:prstGeom prst="rect">
+            <a:avLst/>
+          </a:prstGeom>
+          <a:ln>
+            <a:noFill/>
+          </a:ln>
+          <a:effectLst>
+            <a:outerShdw blurRad="76200" dist="63500" dir="5040000" algn="t" rotWithShape="0">
+              <a:prstClr val="black">
+                <a:alpha val="41000"/>
+              </a:prstClr>
+            </a:outerShdw>
+          </a:effectLst>
+        </p:spPr>
+        <p:style>
+          <a:lnRef idx="2">
+            <a:schemeClr val="accent1">
+              <a:shade val="50000"/>
+            </a:schemeClr>
+          </a:lnRef>
+          <a:fillRef idx="1">
+            <a:schemeClr val="accent1"/>
+          </a:fillRef>
+          <a:effectRef idx="0">
+            <a:schemeClr val="accent1"/>
+          </a:effectRef>
+          <a:fontRef idx="minor">
+            <a:schemeClr val="lt1"/>
+          </a:fontRef>
+        </p:style>
+        <p:txBody>
+          <a:bodyPr rtlCol="0" anchor="ctr"/>
+          <a:lstStyle/>
+          <a:p>
+            <a:pPr algn="ctr"/>
+            <a:endParaRPr lang="en-US"/>
+          </a:p>
+        </p:txBody>
+      </p:sp>
+      <p:pic>
+        <p:nvPicPr>
+          <p:cNvPr id="13314" name="Picture 2" descr="A graph of a graph with blue squares&#10;&#10;Description automatically generated with medium confidence">
+            <a:extLst>
+              <a:ext uri="{FF2B5EF4-FFF2-40B4-BE49-F238E27FC236}">
+                <a16:creationId xmlns:a16="http://schemas.microsoft.com/office/drawing/2014/main" id="{6FD439C4-9B94-26C5-FE84-D68911265A11}"/>
+              </a:ext>
+            </a:extLst>
+          </p:cNvPr>
+          <p:cNvPicPr>
+            <a:picLocks noChangeAspect="1" noChangeArrowheads="1"/>
+          </p:cNvPicPr>
+          <p:nvPr/>
+        </p:nvPicPr>
+        <p:blipFill>
+          <a:blip r:embed="rId4">
+            <a:extLst>
+              <a:ext uri="{28A0092B-C50C-407E-A947-70E740481C1C}">
+                <a14:useLocalDpi xmlns:a14="http://schemas.microsoft.com/office/drawing/2010/main" val="0"/>
+              </a:ext>
+            </a:extLst>
+          </a:blip>
+          <a:stretch>
+            <a:fillRect/>
+          </a:stretch>
+        </p:blipFill>
+        <p:spPr bwMode="auto">
+          <a:xfrm>
+            <a:off x="7043933" y="2119847"/>
+            <a:ext cx="4178419" cy="2611512"/>
+          </a:xfrm>
+          <a:prstGeom prst="rect">
+            <a:avLst/>
+          </a:prstGeom>
+          <a:noFill/>
+          <a:ln>
+            <a:noFill/>
+          </a:ln>
+          <a:effectLst/>
+          <a:extLst>
+            <a:ext uri="{909E8E84-426E-40DD-AFC4-6F175D3DCCD1}">
+              <a14:hiddenFill xmlns:a14="http://schemas.microsoft.com/office/drawing/2010/main">
+                <a:solidFill>
+                  <a:srgbClr val="FFFFFF"/>
+                </a:solidFill>
+              </a14:hiddenFill>
+            </a:ext>
+          </a:extLst>
+        </p:spPr>
+      </p:pic>
+    </p:spTree>
+    <p:extLst>
+      <p:ext uri="{BB962C8B-B14F-4D97-AF65-F5344CB8AC3E}">
+        <p14:creationId xmlns:p14="http://schemas.microsoft.com/office/powerpoint/2010/main" val="1277757597"/>
+      </p:ext>
+    </p:extLst>
+  </p:cSld>
+  <p:clrMapOvr>
+    <a:overrideClrMapping bg1="lt1" tx1="dk1" bg2="lt2" tx2="dk2" accent1="accent1" accent2="accent2" accent3="accent3" accent4="accent4" accent5="accent5" accent6="accent6" hlink="hlink" folHlink="folHlink"/>
+  </p:clrMapOvr>
+</p:sld>
+</file>
+
+<file path=ppt/slides/slide14.xml><?xml version="1.0" encoding="utf-8"?>
+<p:sld xmlns:a="http://schemas.openxmlformats.org/drawingml/2006/main" xmlns:r="http://schemas.openxmlformats.org/officeDocument/2006/relationships" xmlns:p="http://schemas.openxmlformats.org/presentationml/2006/main">
+  <p:cSld>
+    <p:bg>
+      <p:bgPr>
+        <a:solidFill>
+          <a:schemeClr val="bg1"/>
+        </a:solidFill>
+        <a:effectLst/>
+      </p:bgPr>
+    </p:bg>
+    <p:spTree>
+      <p:nvGrpSpPr>
+        <p:cNvPr id="1" name=""/>
+        <p:cNvGrpSpPr/>
+        <p:nvPr/>
+      </p:nvGrpSpPr>
+      <p:grpSpPr>
+        <a:xfrm>
+          <a:off x="0" y="0"/>
+          <a:ext cx="0" cy="0"/>
+          <a:chOff x="0" y="0"/>
+          <a:chExt cx="0" cy="0"/>
+        </a:xfrm>
+      </p:grpSpPr>
+      <p:pic>
+        <p:nvPicPr>
+          <p:cNvPr id="15367" name="Picture 15366">
+            <a:extLst>
+              <a:ext uri="{FF2B5EF4-FFF2-40B4-BE49-F238E27FC236}">
+                <a16:creationId xmlns:a16="http://schemas.microsoft.com/office/drawing/2014/main" id="{D8DF5C3E-BDAB-40E6-A40B-8C05D8CD3F52}"/>
+              </a:ext>
+              <a:ext uri="{C183D7F6-B498-43B3-948B-1728B52AA6E4}">
+                <adec:decorative xmlns:adec="http://schemas.microsoft.com/office/drawing/2017/decorative" val="1"/>
+              </a:ext>
+            </a:extLst>
+          </p:cNvPr>
+          <p:cNvPicPr>
+            <a:picLocks noGrp="1" noRot="1" noChangeAspect="1" noMove="1" noResize="1" noEditPoints="1" noAdjustHandles="1" noChangeArrowheads="1" noChangeShapeType="1" noCrop="1"/>
+          </p:cNvPicPr>
+          <p:nvPr>
+            <p:extLst>
+              <p:ext uri="{386F3935-93C4-4BCD-93E2-E3B085C9AB24}">
+                <p16:designElem xmlns:p16="http://schemas.microsoft.com/office/powerpoint/2015/main" val="1"/>
+              </p:ext>
+            </p:extLst>
+          </p:nvPr>
+        </p:nvPicPr>
+        <p:blipFill>
+          <a:blip r:embed="rId2">
+            <a:alphaModFix amt="10000"/>
+            <a:extLst>
+              <a:ext uri="{28A0092B-C50C-407E-A947-70E740481C1C}">
+                <a14:useLocalDpi xmlns:a14="http://schemas.microsoft.com/office/drawing/2010/main" val="0"/>
+              </a:ext>
+            </a:extLst>
+          </a:blip>
+          <a:stretch>
+            <a:fillRect/>
+          </a:stretch>
+        </p:blipFill>
+        <p:spPr>
+          <a:xfrm>
+            <a:off x="0" y="0"/>
+            <a:ext cx="12192000" cy="6858000"/>
+          </a:xfrm>
+          <a:prstGeom prst="rect">
+            <a:avLst/>
+          </a:prstGeom>
+          <a:gradFill>
+            <a:gsLst>
+              <a:gs pos="0">
+                <a:srgbClr val="F78925"/>
+              </a:gs>
+              <a:gs pos="50000">
+                <a:srgbClr val="D54209"/>
+              </a:gs>
+              <a:gs pos="100000">
+                <a:srgbClr val="8D0000"/>
+              </a:gs>
+            </a:gsLst>
+            <a:lin ang="2520000" scaled="0"/>
+          </a:gradFill>
+        </p:spPr>
+      </p:pic>
+      <p:pic>
+        <p:nvPicPr>
+          <p:cNvPr id="15369" name="Picture 15368">
+            <a:extLst>
+              <a:ext uri="{FF2B5EF4-FFF2-40B4-BE49-F238E27FC236}">
+                <a16:creationId xmlns:a16="http://schemas.microsoft.com/office/drawing/2014/main" id="{9D90C31A-86E3-472B-B929-496667598EFF}"/>
+              </a:ext>
+              <a:ext uri="{C183D7F6-B498-43B3-948B-1728B52AA6E4}">
+                <adec:decorative xmlns:adec="http://schemas.microsoft.com/office/drawing/2017/decorative" val="1"/>
+              </a:ext>
+            </a:extLst>
+          </p:cNvPr>
+          <p:cNvPicPr>
+            <a:picLocks noGrp="1" noRot="1" noChangeAspect="1" noMove="1" noResize="1" noEditPoints="1" noAdjustHandles="1" noChangeArrowheads="1" noChangeShapeType="1" noCrop="1"/>
+          </p:cNvPicPr>
+          <p:nvPr>
+            <p:extLst>
+              <p:ext uri="{386F3935-93C4-4BCD-93E2-E3B085C9AB24}">
+                <p16:designElem xmlns:p16="http://schemas.microsoft.com/office/powerpoint/2015/main" val="1"/>
+              </p:ext>
+            </p:extLst>
+          </p:nvPr>
+        </p:nvPicPr>
+        <p:blipFill>
+          <a:blip r:embed="rId2">
+            <a:alphaModFix amt="10000"/>
+            <a:extLst>
+              <a:ext uri="{28A0092B-C50C-407E-A947-70E740481C1C}">
+                <a14:useLocalDpi xmlns:a14="http://schemas.microsoft.com/office/drawing/2010/main" val="0"/>
+              </a:ext>
+            </a:extLst>
+          </a:blip>
+          <a:stretch>
+            <a:fillRect/>
+          </a:stretch>
+        </p:blipFill>
+        <p:spPr>
+          <a:xfrm>
+            <a:off x="0" y="0"/>
+            <a:ext cx="12192000" cy="6858000"/>
+          </a:xfrm>
+          <a:prstGeom prst="rect">
+            <a:avLst/>
+          </a:prstGeom>
+        </p:spPr>
+      </p:pic>
+      <p:sp>
+        <p:nvSpPr>
+          <p:cNvPr id="15371" name="Rectangle 15370">
+            <a:extLst>
+              <a:ext uri="{FF2B5EF4-FFF2-40B4-BE49-F238E27FC236}">
+                <a16:creationId xmlns:a16="http://schemas.microsoft.com/office/drawing/2014/main" id="{9DD3589A-DB65-424B-ACF1-5C8155F1C3A8}"/>
+              </a:ext>
+              <a:ext uri="{C183D7F6-B498-43B3-948B-1728B52AA6E4}">
+                <adec:decorative xmlns:adec="http://schemas.microsoft.com/office/drawing/2017/decorative" val="1"/>
+              </a:ext>
+            </a:extLst>
+          </p:cNvPr>
+          <p:cNvSpPr>
+            <a:spLocks noGrp="1" noRot="1" noChangeAspect="1" noMove="1" noResize="1" noEditPoints="1" noAdjustHandles="1" noChangeArrowheads="1" noChangeShapeType="1" noTextEdit="1"/>
+          </p:cNvSpPr>
+          <p:nvPr>
+            <p:extLst>
+              <p:ext uri="{386F3935-93C4-4BCD-93E2-E3B085C9AB24}">
+                <p16:designElem xmlns:p16="http://schemas.microsoft.com/office/powerpoint/2015/main" val="1"/>
+              </p:ext>
+            </p:extLst>
+          </p:nvPr>
+        </p:nvSpPr>
+        <p:spPr>
+          <a:xfrm>
+            <a:off x="6096000" y="0"/>
+            <a:ext cx="6096000" cy="6858001"/>
+          </a:xfrm>
+          <a:prstGeom prst="rect">
+            <a:avLst/>
+          </a:prstGeom>
+          <a:ln>
+            <a:noFill/>
+          </a:ln>
+        </p:spPr>
+        <p:style>
+          <a:lnRef idx="2">
+            <a:schemeClr val="accent1">
+              <a:shade val="50000"/>
+            </a:schemeClr>
+          </a:lnRef>
+          <a:fillRef idx="1">
+            <a:schemeClr val="accent1"/>
+          </a:fillRef>
+          <a:effectRef idx="0">
+            <a:schemeClr val="accent1"/>
+          </a:effectRef>
+          <a:fontRef idx="minor">
+            <a:schemeClr val="lt1"/>
+          </a:fontRef>
+        </p:style>
+        <p:txBody>
+          <a:bodyPr rtlCol="0" anchor="ctr"/>
+          <a:lstStyle/>
+          <a:p>
+            <a:pPr algn="ctr"/>
+            <a:endParaRPr lang="en-US"/>
+          </a:p>
+        </p:txBody>
+      </p:sp>
+      <p:sp>
+        <p:nvSpPr>
+          <p:cNvPr id="15373" name="Rectangle 15372">
+            <a:extLst>
+              <a:ext uri="{FF2B5EF4-FFF2-40B4-BE49-F238E27FC236}">
+                <a16:creationId xmlns:a16="http://schemas.microsoft.com/office/drawing/2014/main" id="{9F784D76-D302-4160-A2D4-C2F4AB76D478}"/>
+              </a:ext>
+              <a:ext uri="{C183D7F6-B498-43B3-948B-1728B52AA6E4}">
+                <adec:decorative xmlns:adec="http://schemas.microsoft.com/office/drawing/2017/decorative" val="1"/>
+              </a:ext>
+            </a:extLst>
+          </p:cNvPr>
+          <p:cNvSpPr>
+            <a:spLocks noGrp="1" noRot="1" noChangeAspect="1" noMove="1" noResize="1" noEditPoints="1" noAdjustHandles="1" noChangeArrowheads="1" noChangeShapeType="1" noTextEdit="1"/>
+          </p:cNvSpPr>
+          <p:nvPr>
+            <p:extLst>
+              <p:ext uri="{386F3935-93C4-4BCD-93E2-E3B085C9AB24}">
+                <p16:designElem xmlns:p16="http://schemas.microsoft.com/office/powerpoint/2015/main" val="1"/>
+              </p:ext>
+            </p:extLst>
+          </p:nvPr>
+        </p:nvSpPr>
+        <p:spPr bwMode="grayWhite">
+          <a:xfrm>
+            <a:off x="2" y="609600"/>
+            <a:ext cx="6412862" cy="1368198"/>
+          </a:xfrm>
+          <a:prstGeom prst="rect">
+            <a:avLst/>
+          </a:prstGeom>
+          <a:solidFill>
+            <a:srgbClr val="0D0D0D"/>
+          </a:solidFill>
+          <a:ln>
+            <a:noFill/>
+          </a:ln>
+        </p:spPr>
+        <p:style>
+          <a:lnRef idx="2">
+            <a:schemeClr val="accent1">
+              <a:shade val="50000"/>
+            </a:schemeClr>
+          </a:lnRef>
+          <a:fillRef idx="1">
+            <a:schemeClr val="accent1"/>
+          </a:fillRef>
+          <a:effectRef idx="0">
+            <a:schemeClr val="accent1"/>
+          </a:effectRef>
+          <a:fontRef idx="minor">
+            <a:schemeClr val="lt1"/>
+          </a:fontRef>
+        </p:style>
+        <p:txBody>
+          <a:bodyPr/>
+          <a:lstStyle/>
+          <a:p>
+            <a:endParaRPr lang="en-US"/>
+          </a:p>
+        </p:txBody>
+      </p:sp>
+      <p:sp>
+        <p:nvSpPr>
+          <p:cNvPr id="2" name="Title 1">
+            <a:extLst>
+              <a:ext uri="{FF2B5EF4-FFF2-40B4-BE49-F238E27FC236}">
+                <a16:creationId xmlns:a16="http://schemas.microsoft.com/office/drawing/2014/main" id="{3B27252B-8580-BBE3-174A-6320C6CE10D1}"/>
+              </a:ext>
+            </a:extLst>
+          </p:cNvPr>
+          <p:cNvSpPr>
+            <a:spLocks noGrp="1"/>
+          </p:cNvSpPr>
+          <p:nvPr>
+            <p:ph type="title"/>
+          </p:nvPr>
+        </p:nvSpPr>
+        <p:spPr>
+          <a:xfrm>
+            <a:off x="680321" y="753228"/>
+            <a:ext cx="5584677" cy="1080938"/>
+          </a:xfrm>
+        </p:spPr>
+        <p:txBody>
+          <a:bodyPr>
+            <a:normAutofit/>
+          </a:bodyPr>
+          <a:lstStyle/>
+          <a:p>
+            <a:r>
+              <a:rPr lang="en-US" sz="3300">
+                <a:solidFill>
+                  <a:srgbClr val="FFFFFF"/>
+                </a:solidFill>
+              </a:rPr>
+              <a:t>Bivariate Analysis - Debt-to-Income Ratio vs Loan Status</a:t>
+            </a:r>
+          </a:p>
+        </p:txBody>
+      </p:sp>
+      <p:pic>
+        <p:nvPicPr>
+          <p:cNvPr id="15375" name="Picture 15374">
+            <a:extLst>
+              <a:ext uri="{FF2B5EF4-FFF2-40B4-BE49-F238E27FC236}">
+                <a16:creationId xmlns:a16="http://schemas.microsoft.com/office/drawing/2014/main" id="{608D9710-1A5F-4D24-B654-F2081DE6014C}"/>
+              </a:ext>
+              <a:ext uri="{C183D7F6-B498-43B3-948B-1728B52AA6E4}">
+                <adec:decorative xmlns:adec="http://schemas.microsoft.com/office/drawing/2017/decorative" val="1"/>
+              </a:ext>
+            </a:extLst>
+          </p:cNvPr>
+          <p:cNvPicPr>
+            <a:picLocks noGrp="1" noRot="1" noChangeAspect="1" noMove="1" noResize="1" noEditPoints="1" noAdjustHandles="1" noChangeArrowheads="1" noChangeShapeType="1" noCrop="1"/>
+          </p:cNvPicPr>
+          <p:nvPr>
+            <p:extLst>
+              <p:ext uri="{386F3935-93C4-4BCD-93E2-E3B085C9AB24}">
+                <p16:designElem xmlns:p16="http://schemas.microsoft.com/office/powerpoint/2015/main" val="1"/>
+              </p:ext>
+            </p:extLst>
+          </p:nvPr>
+        </p:nvPicPr>
+        <p:blipFill>
+          <a:blip r:embed="rId3">
+            <a:extLst>
+              <a:ext uri="{28A0092B-C50C-407E-A947-70E740481C1C}">
+                <a14:useLocalDpi xmlns:a14="http://schemas.microsoft.com/office/drawing/2010/main" val="0"/>
+              </a:ext>
+            </a:extLst>
+          </a:blip>
+          <a:stretch>
+            <a:fillRect/>
+          </a:stretch>
+        </p:blipFill>
+        <p:spPr>
+          <a:xfrm>
+            <a:off x="2" y="1970241"/>
+            <a:ext cx="6409944" cy="258395"/>
+          </a:xfrm>
+          <a:prstGeom prst="rect">
+            <a:avLst/>
+          </a:prstGeom>
+        </p:spPr>
+      </p:pic>
+      <p:sp>
+        <p:nvSpPr>
+          <p:cNvPr id="9222" name="Content Placeholder 9221">
+            <a:extLst>
+              <a:ext uri="{FF2B5EF4-FFF2-40B4-BE49-F238E27FC236}">
+                <a16:creationId xmlns:a16="http://schemas.microsoft.com/office/drawing/2014/main" id="{DA6D2A5F-7C2C-D9E0-1782-490D99141C59}"/>
+              </a:ext>
+            </a:extLst>
+          </p:cNvPr>
+          <p:cNvSpPr>
+            <a:spLocks noGrp="1"/>
+          </p:cNvSpPr>
+          <p:nvPr>
+            <p:ph idx="1"/>
+          </p:nvPr>
+        </p:nvSpPr>
+        <p:spPr>
+          <a:xfrm>
+            <a:off x="680321" y="2336873"/>
+            <a:ext cx="5104843" cy="3599316"/>
+          </a:xfrm>
+        </p:spPr>
+        <p:txBody>
+          <a:bodyPr>
+            <a:normAutofit/>
+          </a:bodyPr>
+          <a:lstStyle/>
+          <a:p>
+            <a:pPr marL="457200" indent="-457200">
+              <a:buFont typeface="+mj-lt"/>
+              <a:buAutoNum type="arabicPeriod"/>
+            </a:pPr>
+            <a:r>
+              <a:rPr lang="en-US" sz="1100" dirty="0">
+                <a:solidFill>
+                  <a:srgbClr val="FFFFFF"/>
+                </a:solidFill>
+              </a:rPr>
+              <a:t>Charged-off loans tend to have higher DTI ratios compared to fully paid loans, with a mean of 14.73% for charged-off loans versus 12.99% for fully paid loans. </a:t>
+            </a:r>
+          </a:p>
+          <a:p>
+            <a:pPr marL="457200" indent="-457200">
+              <a:buFont typeface="+mj-lt"/>
+              <a:buAutoNum type="arabicPeriod"/>
+            </a:pPr>
+            <a:r>
+              <a:rPr lang="en-US" sz="1100" dirty="0">
+                <a:solidFill>
+                  <a:srgbClr val="FFFFFF"/>
+                </a:solidFill>
+              </a:rPr>
+              <a:t>The median DTI is also higher for charged-off loans (14.99%), indicating that borrowers with higher DTI ratios are more prone to default. Both loan statuses have some loans with very high DTI values close to 30%, but charged-off loans have a higher concentration of borrowers with DTIs closer to this upper limit. </a:t>
+            </a:r>
+          </a:p>
+          <a:p>
+            <a:pPr marL="457200" indent="-457200">
+              <a:buFont typeface="+mj-lt"/>
+              <a:buAutoNum type="arabicPeriod"/>
+            </a:pPr>
+            <a:r>
+              <a:rPr lang="en-US" sz="1100" dirty="0">
+                <a:solidFill>
+                  <a:srgbClr val="FFFFFF"/>
+                </a:solidFill>
+              </a:rPr>
+              <a:t>Outliers: Fully paid loans include some borrowers with DTI values near 0, which suggests that borrowers with very low debt obligations are generally able to pay off their loans more successfully.</a:t>
+            </a:r>
+          </a:p>
+          <a:p>
+            <a:pPr marL="0" indent="0">
+              <a:buNone/>
+            </a:pPr>
+            <a:r>
+              <a:rPr lang="en-US" sz="1100" dirty="0">
+                <a:solidFill>
+                  <a:srgbClr val="FFFFFF"/>
+                </a:solidFill>
+              </a:rPr>
+              <a:t>Borrowers with higher DTI ratios are more likely to default on their loans, as indicated by the higher mean and median DTI for charged-off loans. A higher debt burden relative to income increases the likelihood of financial strain, leading to defaults.</a:t>
+            </a:r>
+          </a:p>
+        </p:txBody>
+      </p:sp>
+      <p:sp useBgFill="1">
+        <p:nvSpPr>
+          <p:cNvPr id="15377" name="Rectangle 15376">
+            <a:extLst>
+              <a:ext uri="{FF2B5EF4-FFF2-40B4-BE49-F238E27FC236}">
+                <a16:creationId xmlns:a16="http://schemas.microsoft.com/office/drawing/2014/main" id="{2B57E7D2-A94B-4A8D-B58F-D3E30C2353DE}"/>
+              </a:ext>
+              <a:ext uri="{C183D7F6-B498-43B3-948B-1728B52AA6E4}">
+                <adec:decorative xmlns:adec="http://schemas.microsoft.com/office/drawing/2017/decorative" val="1"/>
+              </a:ext>
+            </a:extLst>
+          </p:cNvPr>
+          <p:cNvSpPr>
+            <a:spLocks noGrp="1" noRot="1" noChangeAspect="1" noMove="1" noResize="1" noEditPoints="1" noAdjustHandles="1" noChangeArrowheads="1" noChangeShapeType="1" noTextEdit="1"/>
+          </p:cNvSpPr>
+          <p:nvPr>
+            <p:extLst>
+              <p:ext uri="{386F3935-93C4-4BCD-93E2-E3B085C9AB24}">
+                <p16:designElem xmlns:p16="http://schemas.microsoft.com/office/powerpoint/2015/main" val="1"/>
+              </p:ext>
+            </p:extLst>
+          </p:nvPr>
+        </p:nvSpPr>
+        <p:spPr>
+          <a:xfrm>
+            <a:off x="6733163" y="642795"/>
+            <a:ext cx="4812406" cy="5575125"/>
+          </a:xfrm>
+          <a:prstGeom prst="rect">
+            <a:avLst/>
+          </a:prstGeom>
+          <a:ln>
+            <a:noFill/>
+          </a:ln>
+          <a:effectLst>
+            <a:outerShdw blurRad="76200" dist="63500" dir="5040000" algn="t" rotWithShape="0">
+              <a:prstClr val="black">
+                <a:alpha val="41000"/>
+              </a:prstClr>
+            </a:outerShdw>
+          </a:effectLst>
+        </p:spPr>
+        <p:style>
+          <a:lnRef idx="2">
+            <a:schemeClr val="accent1">
+              <a:shade val="50000"/>
+            </a:schemeClr>
+          </a:lnRef>
+          <a:fillRef idx="1">
+            <a:schemeClr val="accent1"/>
+          </a:fillRef>
+          <a:effectRef idx="0">
+            <a:schemeClr val="accent1"/>
+          </a:effectRef>
+          <a:fontRef idx="minor">
+            <a:schemeClr val="lt1"/>
+          </a:fontRef>
+        </p:style>
+        <p:txBody>
+          <a:bodyPr rtlCol="0" anchor="ctr"/>
+          <a:lstStyle/>
+          <a:p>
+            <a:pPr algn="ctr"/>
+            <a:endParaRPr lang="en-US"/>
+          </a:p>
+        </p:txBody>
+      </p:sp>
+      <p:pic>
+        <p:nvPicPr>
+          <p:cNvPr id="15362" name="Picture 2">
+            <a:extLst>
+              <a:ext uri="{FF2B5EF4-FFF2-40B4-BE49-F238E27FC236}">
+                <a16:creationId xmlns:a16="http://schemas.microsoft.com/office/drawing/2014/main" id="{DC340818-6524-9667-800D-C83B000796A1}"/>
+              </a:ext>
+            </a:extLst>
+          </p:cNvPr>
+          <p:cNvPicPr>
+            <a:picLocks noChangeAspect="1" noChangeArrowheads="1"/>
+          </p:cNvPicPr>
+          <p:nvPr/>
+        </p:nvPicPr>
+        <p:blipFill>
+          <a:blip r:embed="rId4">
+            <a:extLst>
+              <a:ext uri="{28A0092B-C50C-407E-A947-70E740481C1C}">
+                <a14:useLocalDpi xmlns:a14="http://schemas.microsoft.com/office/drawing/2010/main" val="0"/>
+              </a:ext>
+            </a:extLst>
+          </a:blip>
+          <a:stretch>
+            <a:fillRect/>
+          </a:stretch>
+        </p:blipFill>
+        <p:spPr bwMode="auto">
+          <a:xfrm>
+            <a:off x="7043933" y="2067617"/>
+            <a:ext cx="4178419" cy="2715972"/>
+          </a:xfrm>
+          <a:prstGeom prst="rect">
+            <a:avLst/>
+          </a:prstGeom>
+          <a:noFill/>
+          <a:ln>
+            <a:noFill/>
+          </a:ln>
+          <a:effectLst/>
+          <a:extLst>
+            <a:ext uri="{909E8E84-426E-40DD-AFC4-6F175D3DCCD1}">
+              <a14:hiddenFill xmlns:a14="http://schemas.microsoft.com/office/drawing/2010/main">
+                <a:solidFill>
+                  <a:srgbClr val="FFFFFF"/>
+                </a:solidFill>
+              </a14:hiddenFill>
+            </a:ext>
+          </a:extLst>
+        </p:spPr>
+      </p:pic>
+    </p:spTree>
+    <p:extLst>
+      <p:ext uri="{BB962C8B-B14F-4D97-AF65-F5344CB8AC3E}">
+        <p14:creationId xmlns:p14="http://schemas.microsoft.com/office/powerpoint/2010/main" val="4037526038"/>
+      </p:ext>
+    </p:extLst>
+  </p:cSld>
+  <p:clrMapOvr>
+    <a:overrideClrMapping bg1="lt1" tx1="dk1" bg2="lt2" tx2="dk2" accent1="accent1" accent2="accent2" accent3="accent3" accent4="accent4" accent5="accent5" accent6="accent6" hlink="hlink" folHlink="folHlink"/>
+  </p:clrMapOvr>
+</p:sld>
+</file>
+
+<file path=ppt/slides/slide15.xml><?xml version="1.0" encoding="utf-8"?>
+<p:sld xmlns:a="http://schemas.openxmlformats.org/drawingml/2006/main" xmlns:r="http://schemas.openxmlformats.org/officeDocument/2006/relationships" xmlns:p="http://schemas.openxmlformats.org/presentationml/2006/main">
+  <p:cSld>
+    <p:bg>
+      <p:bgPr>
+        <a:gradFill rotWithShape="1">
+          <a:gsLst>
+            <a:gs pos="0">
+              <a:schemeClr val="bg2">
+                <a:tint val="96000"/>
+                <a:shade val="100000"/>
+                <a:hueMod val="270000"/>
+                <a:satMod val="200000"/>
+                <a:lumMod val="128000"/>
+              </a:schemeClr>
+            </a:gs>
+            <a:gs pos="50000">
+              <a:schemeClr val="bg2">
+                <a:shade val="100000"/>
+                <a:hueMod val="100000"/>
+                <a:satMod val="110000"/>
+                <a:lumMod val="130000"/>
+              </a:schemeClr>
+            </a:gs>
+            <a:gs pos="100000">
+              <a:schemeClr val="bg2">
+                <a:shade val="78000"/>
+                <a:hueMod val="44000"/>
+                <a:satMod val="200000"/>
+                <a:lumMod val="69000"/>
+              </a:schemeClr>
+            </a:gs>
+          </a:gsLst>
+          <a:lin ang="2520000" scaled="0"/>
+        </a:gradFill>
+        <a:effectLst/>
+      </p:bgPr>
+    </p:bg>
+    <p:spTree>
+      <p:nvGrpSpPr>
+        <p:cNvPr id="1" name=""/>
+        <p:cNvGrpSpPr/>
+        <p:nvPr/>
+      </p:nvGrpSpPr>
+      <p:grpSpPr>
+        <a:xfrm>
+          <a:off x="0" y="0"/>
+          <a:ext cx="0" cy="0"/>
+          <a:chOff x="0" y="0"/>
+          <a:chExt cx="0" cy="0"/>
+        </a:xfrm>
+      </p:grpSpPr>
+      <p:grpSp>
+        <p:nvGrpSpPr>
+          <p:cNvPr id="16449" name="Group 16448">
+            <a:extLst>
+              <a:ext uri="{FF2B5EF4-FFF2-40B4-BE49-F238E27FC236}">
+                <a16:creationId xmlns:a16="http://schemas.microsoft.com/office/drawing/2014/main" id="{FF508BC2-D0E6-462C-8817-CF53BC4DEEFF}"/>
+              </a:ext>
+              <a:ext uri="{C183D7F6-B498-43B3-948B-1728B52AA6E4}">
+                <adec:decorative xmlns:adec="http://schemas.microsoft.com/office/drawing/2017/decorative" val="1"/>
+              </a:ext>
+            </a:extLst>
+          </p:cNvPr>
+          <p:cNvGrpSpPr>
+            <a:grpSpLocks noGrp="1" noUngrp="1" noRot="1" noChangeAspect="1" noMove="1" noResize="1"/>
+          </p:cNvGrpSpPr>
+          <p:nvPr>
+            <p:extLst>
+              <p:ext uri="{386F3935-93C4-4BCD-93E2-E3B085C9AB24}">
+                <p16:designElem xmlns:p16="http://schemas.microsoft.com/office/powerpoint/2015/main" val="1"/>
+              </p:ext>
+            </p:extLst>
+          </p:nvPr>
+        </p:nvGrpSpPr>
+        <p:grpSpPr>
+          <a:xfrm>
+            <a:off x="-3176" y="0"/>
+            <a:ext cx="12192000" cy="6858001"/>
+            <a:chOff x="-3176" y="0"/>
+            <a:chExt cx="12192000" cy="6858001"/>
+          </a:xfrm>
+        </p:grpSpPr>
+        <p:sp useBgFill="1">
+          <p:nvSpPr>
+            <p:cNvPr id="16443" name="Rectangle 16442">
+              <a:extLst>
+                <a:ext uri="{FF2B5EF4-FFF2-40B4-BE49-F238E27FC236}">
+                  <a16:creationId xmlns:a16="http://schemas.microsoft.com/office/drawing/2014/main" id="{545E99BE-4C07-4385-A20F-E6878FCB4FF1}"/>
+                </a:ext>
+                <a:ext uri="{C183D7F6-B498-43B3-948B-1728B52AA6E4}">
+                  <adec:decorative xmlns:adec="http://schemas.microsoft.com/office/drawing/2017/decorative" val="1"/>
+                </a:ext>
+              </a:extLst>
+            </p:cNvPr>
+            <p:cNvSpPr/>
+            <p:nvPr>
+              <p:extLst>
+                <p:ext uri="{386F3935-93C4-4BCD-93E2-E3B085C9AB24}">
+                  <p16:designElem xmlns:p16="http://schemas.microsoft.com/office/powerpoint/2015/main" val="1"/>
+                </p:ext>
+              </p:extLst>
+            </p:nvPr>
+          </p:nvSpPr>
+          <p:spPr>
+            <a:xfrm>
+              <a:off x="0" y="0"/>
+              <a:ext cx="12188824" cy="6858001"/>
+            </a:xfrm>
+            <a:prstGeom prst="rect">
+              <a:avLst/>
+            </a:prstGeom>
+            <a:ln>
+              <a:noFill/>
+            </a:ln>
+          </p:spPr>
+          <p:style>
+            <a:lnRef idx="2">
+              <a:schemeClr val="accent1">
+                <a:shade val="50000"/>
+              </a:schemeClr>
+            </a:lnRef>
+            <a:fillRef idx="1">
+              <a:schemeClr val="accent1"/>
+            </a:fillRef>
+            <a:effectRef idx="0">
+              <a:schemeClr val="accent1"/>
+            </a:effectRef>
+            <a:fontRef idx="minor">
+              <a:schemeClr val="lt1"/>
+            </a:fontRef>
+          </p:style>
+          <p:txBody>
+            <a:bodyPr rtlCol="0" anchor="ctr"/>
+            <a:lstStyle/>
+            <a:p>
+              <a:pPr algn="ctr"/>
+              <a:endParaRPr lang="en-US"/>
+            </a:p>
+          </p:txBody>
+        </p:sp>
+        <p:pic>
+          <p:nvPicPr>
+            <p:cNvPr id="16450" name="Picture 16449">
+              <a:extLst>
+                <a:ext uri="{FF2B5EF4-FFF2-40B4-BE49-F238E27FC236}">
+                  <a16:creationId xmlns:a16="http://schemas.microsoft.com/office/drawing/2014/main" id="{808CE3CF-ACF3-4369-AC4C-5F9ADE71E5BD}"/>
+                </a:ext>
+                <a:ext uri="{C183D7F6-B498-43B3-948B-1728B52AA6E4}">
+                  <adec:decorative xmlns:adec="http://schemas.microsoft.com/office/drawing/2017/decorative" val="1"/>
+                </a:ext>
+              </a:extLst>
+            </p:cNvPr>
+            <p:cNvPicPr>
+              <a:picLocks noChangeAspect="1"/>
+            </p:cNvPicPr>
+            <p:nvPr>
+              <p:extLst>
+                <p:ext uri="{386F3935-93C4-4BCD-93E2-E3B085C9AB24}">
+                  <p16:designElem xmlns:p16="http://schemas.microsoft.com/office/powerpoint/2015/main" val="1"/>
+                </p:ext>
+              </p:extLst>
+            </p:nvPr>
+          </p:nvPicPr>
+          <p:blipFill>
+            <a:blip r:embed="rId2">
+              <a:alphaModFix amt="10000"/>
+              <a:extLst>
+                <a:ext uri="{28A0092B-C50C-407E-A947-70E740481C1C}">
+                  <a14:useLocalDpi xmlns:a14="http://schemas.microsoft.com/office/drawing/2010/main" val="0"/>
+                </a:ext>
+              </a:extLst>
+            </a:blip>
+            <a:stretch>
+              <a:fillRect/>
+            </a:stretch>
+          </p:blipFill>
+          <p:spPr>
+            <a:xfrm>
+              <a:off x="-3176" y="0"/>
+              <a:ext cx="12192000" cy="6858000"/>
+            </a:xfrm>
+            <a:prstGeom prst="rect">
+              <a:avLst/>
+            </a:prstGeom>
+          </p:spPr>
+        </p:pic>
+      </p:grpSp>
+      <p:sp>
+        <p:nvSpPr>
+          <p:cNvPr id="16451" name="Rectangle 16450">
+            <a:extLst>
+              <a:ext uri="{FF2B5EF4-FFF2-40B4-BE49-F238E27FC236}">
+                <a16:creationId xmlns:a16="http://schemas.microsoft.com/office/drawing/2014/main" id="{B76622F9-95FA-4AAD-9498-8E3D6C96AF0A}"/>
+              </a:ext>
+              <a:ext uri="{C183D7F6-B498-43B3-948B-1728B52AA6E4}">
+                <adec:decorative xmlns:adec="http://schemas.microsoft.com/office/drawing/2017/decorative" val="1"/>
+              </a:ext>
+            </a:extLst>
+          </p:cNvPr>
+          <p:cNvSpPr>
+            <a:spLocks noGrp="1" noRot="1" noChangeAspect="1" noMove="1" noResize="1" noEditPoints="1" noAdjustHandles="1" noChangeArrowheads="1" noChangeShapeType="1" noTextEdit="1"/>
+          </p:cNvSpPr>
+          <p:nvPr>
+            <p:extLst>
+              <p:ext uri="{386F3935-93C4-4BCD-93E2-E3B085C9AB24}">
+                <p16:designElem xmlns:p16="http://schemas.microsoft.com/office/powerpoint/2015/main" val="1"/>
+              </p:ext>
+            </p:extLst>
+          </p:nvPr>
+        </p:nvSpPr>
+        <p:spPr bwMode="grayWhite">
+          <a:xfrm>
+            <a:off x="2" y="609600"/>
+            <a:ext cx="7002377" cy="1368198"/>
+          </a:xfrm>
+          <a:prstGeom prst="rect">
+            <a:avLst/>
+          </a:prstGeom>
+          <a:solidFill>
+            <a:schemeClr val="bg1">
+              <a:lumMod val="85000"/>
+              <a:lumOff val="15000"/>
+            </a:schemeClr>
+          </a:solidFill>
+          <a:ln>
+            <a:noFill/>
+          </a:ln>
+        </p:spPr>
+        <p:style>
+          <a:lnRef idx="2">
+            <a:schemeClr val="accent1">
+              <a:shade val="50000"/>
+            </a:schemeClr>
+          </a:lnRef>
+          <a:fillRef idx="1">
+            <a:schemeClr val="accent1"/>
+          </a:fillRef>
+          <a:effectRef idx="0">
+            <a:schemeClr val="accent1"/>
+          </a:effectRef>
+          <a:fontRef idx="minor">
+            <a:schemeClr val="lt1"/>
+          </a:fontRef>
+        </p:style>
+        <p:txBody>
+          <a:bodyPr/>
+          <a:lstStyle/>
+          <a:p>
+            <a:endParaRPr lang="en-US"/>
+          </a:p>
+        </p:txBody>
+      </p:sp>
+      <p:sp>
+        <p:nvSpPr>
+          <p:cNvPr id="2" name="Title 1">
+            <a:extLst>
+              <a:ext uri="{FF2B5EF4-FFF2-40B4-BE49-F238E27FC236}">
+                <a16:creationId xmlns:a16="http://schemas.microsoft.com/office/drawing/2014/main" id="{574552D1-8C25-12E9-DB72-10E7468D7D45}"/>
+              </a:ext>
+            </a:extLst>
+          </p:cNvPr>
+          <p:cNvSpPr>
+            <a:spLocks noGrp="1"/>
+          </p:cNvSpPr>
+          <p:nvPr>
+            <p:ph type="title"/>
+          </p:nvPr>
+        </p:nvSpPr>
+        <p:spPr>
+          <a:xfrm>
+            <a:off x="680322" y="753228"/>
+            <a:ext cx="6106978" cy="1080938"/>
+          </a:xfrm>
+        </p:spPr>
+        <p:txBody>
+          <a:bodyPr>
+            <a:normAutofit/>
+          </a:bodyPr>
+          <a:lstStyle/>
+          <a:p>
+            <a:r>
+              <a:rPr lang="en-CA" dirty="0"/>
+              <a:t>Bivariate Analysis - Categorical Variables</a:t>
+            </a:r>
+            <a:endParaRPr lang="en-US" dirty="0"/>
+          </a:p>
+        </p:txBody>
+      </p:sp>
+      <p:pic>
+        <p:nvPicPr>
+          <p:cNvPr id="16448" name="Picture 16447">
+            <a:extLst>
+              <a:ext uri="{FF2B5EF4-FFF2-40B4-BE49-F238E27FC236}">
+                <a16:creationId xmlns:a16="http://schemas.microsoft.com/office/drawing/2014/main" id="{DFD6E812-7831-40CE-93CF-E0EBB8521175}"/>
+              </a:ext>
+              <a:ext uri="{C183D7F6-B498-43B3-948B-1728B52AA6E4}">
+                <adec:decorative xmlns:adec="http://schemas.microsoft.com/office/drawing/2017/decorative" val="1"/>
+              </a:ext>
+            </a:extLst>
+          </p:cNvPr>
+          <p:cNvPicPr>
+            <a:picLocks noGrp="1" noRot="1" noChangeAspect="1" noMove="1" noResize="1" noEditPoints="1" noAdjustHandles="1" noChangeArrowheads="1" noChangeShapeType="1" noCrop="1"/>
+          </p:cNvPicPr>
+          <p:nvPr>
+            <p:extLst>
+              <p:ext uri="{386F3935-93C4-4BCD-93E2-E3B085C9AB24}">
+                <p16:designElem xmlns:p16="http://schemas.microsoft.com/office/powerpoint/2015/main" val="1"/>
+              </p:ext>
+            </p:extLst>
+          </p:nvPr>
+        </p:nvPicPr>
+        <p:blipFill>
+          <a:blip r:embed="rId3">
+            <a:extLst>
+              <a:ext uri="{28A0092B-C50C-407E-A947-70E740481C1C}">
+                <a14:useLocalDpi xmlns:a14="http://schemas.microsoft.com/office/drawing/2010/main" val="0"/>
+              </a:ext>
+            </a:extLst>
+          </a:blip>
+          <a:stretch>
+            <a:fillRect/>
+          </a:stretch>
+        </p:blipFill>
+        <p:spPr>
+          <a:xfrm>
+            <a:off x="2" y="1970240"/>
+            <a:ext cx="7040880" cy="202738"/>
+          </a:xfrm>
+          <a:prstGeom prst="rect">
+            <a:avLst/>
+          </a:prstGeom>
+        </p:spPr>
+      </p:pic>
+      <p:sp>
+        <p:nvSpPr>
+          <p:cNvPr id="3" name="Content Placeholder 2">
+            <a:extLst>
+              <a:ext uri="{FF2B5EF4-FFF2-40B4-BE49-F238E27FC236}">
+                <a16:creationId xmlns:a16="http://schemas.microsoft.com/office/drawing/2014/main" id="{6C3D9572-0A57-8D99-C5B4-64D3D70DFA68}"/>
+              </a:ext>
+            </a:extLst>
+          </p:cNvPr>
+          <p:cNvSpPr>
+            <a:spLocks noGrp="1"/>
+          </p:cNvSpPr>
+          <p:nvPr>
+            <p:ph idx="1"/>
+          </p:nvPr>
+        </p:nvSpPr>
+        <p:spPr>
+          <a:xfrm>
+            <a:off x="680321" y="2336873"/>
+            <a:ext cx="6106979" cy="3599316"/>
+          </a:xfrm>
+        </p:spPr>
+        <p:txBody>
+          <a:bodyPr>
+            <a:normAutofit/>
+          </a:bodyPr>
+          <a:lstStyle/>
+          <a:p>
+            <a:r>
+              <a:rPr lang="en-US" sz="1800"/>
+              <a:t>Loan grades are a clear indicator of default risk. Lower grades (D, E, F, G) are much more likely to default, while higher grades (A, B) are associated with loans that are fully paid. This indicates that loan grade is one of the strongest predictors of loan status.</a:t>
+            </a:r>
+          </a:p>
+          <a:p>
+            <a:r>
+              <a:rPr lang="en-US" sz="1800"/>
+              <a:t>Renters form the largest segment of both charged-off and fully paid loans. However, owning a home (whether via mortgage or outright) may offer slight protection against defaults, though it’s not a definitive indicator.</a:t>
+            </a:r>
+          </a:p>
+          <a:p>
+            <a:r>
+              <a:rPr lang="en-US" sz="1800"/>
+              <a:t>While income verification might not strongly impact defaults, loans with verified income have a better chance of being fully paid.</a:t>
+            </a:r>
+          </a:p>
+        </p:txBody>
+      </p:sp>
+      <p:pic>
+        <p:nvPicPr>
+          <p:cNvPr id="16390" name="Picture 6" descr="A graph of a status&#10;&#10;Description automatically generated with medium confidence">
+            <a:extLst>
+              <a:ext uri="{FF2B5EF4-FFF2-40B4-BE49-F238E27FC236}">
+                <a16:creationId xmlns:a16="http://schemas.microsoft.com/office/drawing/2014/main" id="{52882F7B-2C9A-A2E2-F02F-14616F92C61A}"/>
+              </a:ext>
+            </a:extLst>
+          </p:cNvPr>
+          <p:cNvPicPr>
+            <a:picLocks noChangeAspect="1" noChangeArrowheads="1"/>
+          </p:cNvPicPr>
+          <p:nvPr/>
+        </p:nvPicPr>
+        <p:blipFill>
+          <a:blip r:embed="rId4">
+            <a:extLst>
+              <a:ext uri="{28A0092B-C50C-407E-A947-70E740481C1C}">
+                <a14:useLocalDpi xmlns:a14="http://schemas.microsoft.com/office/drawing/2010/main" val="0"/>
+              </a:ext>
+            </a:extLst>
+          </a:blip>
+          <a:srcRect l="469" r="-4" b="-4"/>
+          <a:stretch/>
+        </p:blipFill>
+        <p:spPr bwMode="auto">
+          <a:xfrm>
+            <a:off x="7318966" y="484632"/>
+            <a:ext cx="4495806" cy="3511948"/>
+          </a:xfrm>
+          <a:prstGeom prst="rect">
+            <a:avLst/>
+          </a:prstGeom>
+          <a:noFill/>
+          <a:ln>
+            <a:noFill/>
+          </a:ln>
+          <a:effectLst>
+            <a:outerShdw blurRad="76200" dist="63500" dir="5040000" algn="tl" rotWithShape="0">
+              <a:srgbClr val="000000">
+                <a:alpha val="41000"/>
+              </a:srgbClr>
+            </a:outerShdw>
+          </a:effectLst>
+          <a:extLst>
+            <a:ext uri="{909E8E84-426E-40DD-AFC4-6F175D3DCCD1}">
+              <a14:hiddenFill xmlns:a14="http://schemas.microsoft.com/office/drawing/2010/main">
+                <a:solidFill>
+                  <a:srgbClr val="FFFFFF"/>
+                </a:solidFill>
+              </a14:hiddenFill>
+            </a:ext>
+          </a:extLst>
+        </p:spPr>
+      </p:pic>
+      <p:pic>
+        <p:nvPicPr>
+          <p:cNvPr id="16388" name="Picture 4" descr="A graph of a home ownership&#10;&#10;Description automatically generated">
+            <a:extLst>
+              <a:ext uri="{FF2B5EF4-FFF2-40B4-BE49-F238E27FC236}">
+                <a16:creationId xmlns:a16="http://schemas.microsoft.com/office/drawing/2014/main" id="{93D25376-CD92-83B2-B8E1-D7EDB3F8EB8C}"/>
+              </a:ext>
+            </a:extLst>
+          </p:cNvPr>
+          <p:cNvPicPr>
+            <a:picLocks noChangeAspect="1" noChangeArrowheads="1"/>
+          </p:cNvPicPr>
+          <p:nvPr/>
+        </p:nvPicPr>
+        <p:blipFill>
+          <a:blip r:embed="rId5">
+            <a:extLst>
+              <a:ext uri="{28A0092B-C50C-407E-A947-70E740481C1C}">
+                <a14:useLocalDpi xmlns:a14="http://schemas.microsoft.com/office/drawing/2010/main" val="0"/>
+              </a:ext>
+            </a:extLst>
+          </a:blip>
+          <a:srcRect l="42591" r="5" b="5"/>
+          <a:stretch/>
+        </p:blipFill>
+        <p:spPr bwMode="auto">
+          <a:xfrm>
+            <a:off x="7318965" y="4150596"/>
+            <a:ext cx="1663109" cy="2223497"/>
+          </a:xfrm>
+          <a:prstGeom prst="rect">
+            <a:avLst/>
+          </a:prstGeom>
+          <a:noFill/>
+          <a:ln>
+            <a:noFill/>
+          </a:ln>
+          <a:effectLst>
+            <a:outerShdw blurRad="76200" dist="63500" dir="5040000" algn="tl" rotWithShape="0">
+              <a:srgbClr val="000000">
+                <a:alpha val="41000"/>
+              </a:srgbClr>
+            </a:outerShdw>
+          </a:effectLst>
+          <a:extLst>
+            <a:ext uri="{909E8E84-426E-40DD-AFC4-6F175D3DCCD1}">
+              <a14:hiddenFill xmlns:a14="http://schemas.microsoft.com/office/drawing/2010/main">
+                <a:solidFill>
+                  <a:srgbClr val="FFFFFF"/>
+                </a:solidFill>
+              </a14:hiddenFill>
+            </a:ext>
+          </a:extLst>
+        </p:spPr>
+      </p:pic>
+      <p:pic>
+        <p:nvPicPr>
+          <p:cNvPr id="16386" name="Picture 2" descr="A graph of different colored bars&#10;&#10;Description automatically generated">
+            <a:extLst>
+              <a:ext uri="{FF2B5EF4-FFF2-40B4-BE49-F238E27FC236}">
+                <a16:creationId xmlns:a16="http://schemas.microsoft.com/office/drawing/2014/main" id="{4FEC5C0B-49BE-213E-52A2-3DD082299D46}"/>
+              </a:ext>
+            </a:extLst>
+          </p:cNvPr>
+          <p:cNvPicPr>
+            <a:picLocks noChangeAspect="1" noChangeArrowheads="1"/>
+          </p:cNvPicPr>
+          <p:nvPr/>
+        </p:nvPicPr>
+        <p:blipFill>
+          <a:blip r:embed="rId6">
+            <a:extLst>
+              <a:ext uri="{28A0092B-C50C-407E-A947-70E740481C1C}">
+                <a14:useLocalDpi xmlns:a14="http://schemas.microsoft.com/office/drawing/2010/main" val="0"/>
+              </a:ext>
+            </a:extLst>
+          </a:blip>
+          <a:srcRect l="6958" r="-3" b="-3"/>
+          <a:stretch/>
+        </p:blipFill>
+        <p:spPr bwMode="auto">
+          <a:xfrm>
+            <a:off x="9144000" y="4150596"/>
+            <a:ext cx="2670772" cy="2231808"/>
+          </a:xfrm>
+          <a:prstGeom prst="rect">
+            <a:avLst/>
+          </a:prstGeom>
+          <a:noFill/>
+          <a:ln>
+            <a:noFill/>
+          </a:ln>
+          <a:effectLst>
+            <a:outerShdw blurRad="76200" dist="63500" dir="5040000" algn="tl" rotWithShape="0">
+              <a:srgbClr val="000000">
+                <a:alpha val="41000"/>
+              </a:srgbClr>
+            </a:outerShdw>
+          </a:effectLst>
+          <a:extLst>
+            <a:ext uri="{909E8E84-426E-40DD-AFC4-6F175D3DCCD1}">
+              <a14:hiddenFill xmlns:a14="http://schemas.microsoft.com/office/drawing/2010/main">
+                <a:solidFill>
+                  <a:srgbClr val="FFFFFF"/>
+                </a:solidFill>
+              </a14:hiddenFill>
+            </a:ext>
+          </a:extLst>
+        </p:spPr>
+      </p:pic>
+    </p:spTree>
+    <p:extLst>
+      <p:ext uri="{BB962C8B-B14F-4D97-AF65-F5344CB8AC3E}">
+        <p14:creationId xmlns:p14="http://schemas.microsoft.com/office/powerpoint/2010/main" val="211310222"/>
+      </p:ext>
+    </p:extLst>
+  </p:cSld>
+  <p:clrMapOvr>
+    <a:masterClrMapping/>
+  </p:clrMapOvr>
+</p:sld>
+</file>
+
+<file path=ppt/slides/slide16.xml><?xml version="1.0" encoding="utf-8"?>
+<p:sld xmlns:a="http://schemas.openxmlformats.org/drawingml/2006/main" xmlns:r="http://schemas.openxmlformats.org/officeDocument/2006/relationships" xmlns:p="http://schemas.openxmlformats.org/presentationml/2006/main">
+  <p:cSld>
+    <p:bg>
+      <p:bgPr>
+        <a:solidFill>
+          <a:schemeClr val="bg1"/>
+        </a:solidFill>
+        <a:effectLst/>
+      </p:bgPr>
+    </p:bg>
+    <p:spTree>
+      <p:nvGrpSpPr>
+        <p:cNvPr id="1" name=""/>
+        <p:cNvGrpSpPr/>
+        <p:nvPr/>
+      </p:nvGrpSpPr>
+      <p:grpSpPr>
+        <a:xfrm>
+          <a:off x="0" y="0"/>
+          <a:ext cx="0" cy="0"/>
+          <a:chOff x="0" y="0"/>
+          <a:chExt cx="0" cy="0"/>
+        </a:xfrm>
+      </p:grpSpPr>
+      <p:pic>
+        <p:nvPicPr>
+          <p:cNvPr id="17417" name="Picture 17416">
+            <a:extLst>
+              <a:ext uri="{FF2B5EF4-FFF2-40B4-BE49-F238E27FC236}">
+                <a16:creationId xmlns:a16="http://schemas.microsoft.com/office/drawing/2014/main" id="{B3F9E774-F054-4892-8E69-C76B2C8545F2}"/>
+              </a:ext>
+              <a:ext uri="{C183D7F6-B498-43B3-948B-1728B52AA6E4}">
+                <adec:decorative xmlns:adec="http://schemas.microsoft.com/office/drawing/2017/decorative" val="1"/>
+              </a:ext>
+            </a:extLst>
+          </p:cNvPr>
+          <p:cNvPicPr>
+            <a:picLocks noGrp="1" noRot="1" noChangeAspect="1" noMove="1" noResize="1" noEditPoints="1" noAdjustHandles="1" noChangeArrowheads="1" noChangeShapeType="1" noCrop="1"/>
+          </p:cNvPicPr>
+          <p:nvPr>
+            <p:extLst>
+              <p:ext uri="{386F3935-93C4-4BCD-93E2-E3B085C9AB24}">
+                <p16:designElem xmlns:p16="http://schemas.microsoft.com/office/powerpoint/2015/main" val="1"/>
+              </p:ext>
+            </p:extLst>
+          </p:nvPr>
+        </p:nvPicPr>
+        <p:blipFill>
+          <a:blip r:embed="rId2">
+            <a:alphaModFix amt="10000"/>
+            <a:extLst>
+              <a:ext uri="{28A0092B-C50C-407E-A947-70E740481C1C}">
+                <a14:useLocalDpi xmlns:a14="http://schemas.microsoft.com/office/drawing/2010/main" val="0"/>
+              </a:ext>
+            </a:extLst>
+          </a:blip>
+          <a:stretch>
+            <a:fillRect/>
+          </a:stretch>
+        </p:blipFill>
+        <p:spPr>
+          <a:xfrm>
+            <a:off x="0" y="0"/>
+            <a:ext cx="12192000" cy="6858000"/>
+          </a:xfrm>
+          <a:prstGeom prst="rect">
+            <a:avLst/>
+          </a:prstGeom>
+          <a:gradFill>
+            <a:gsLst>
+              <a:gs pos="0">
+                <a:srgbClr val="F78925"/>
+              </a:gs>
+              <a:gs pos="50000">
+                <a:srgbClr val="D54209"/>
+              </a:gs>
+              <a:gs pos="100000">
+                <a:srgbClr val="8D0000"/>
+              </a:gs>
+            </a:gsLst>
+            <a:lin ang="2520000" scaled="0"/>
+          </a:gradFill>
+        </p:spPr>
+      </p:pic>
+      <p:pic>
+        <p:nvPicPr>
+          <p:cNvPr id="17419" name="Picture 17418">
+            <a:extLst>
+              <a:ext uri="{FF2B5EF4-FFF2-40B4-BE49-F238E27FC236}">
+                <a16:creationId xmlns:a16="http://schemas.microsoft.com/office/drawing/2014/main" id="{BEF6A099-2A38-4C66-88FF-FDBCB564E5F8}"/>
+              </a:ext>
+              <a:ext uri="{C183D7F6-B498-43B3-948B-1728B52AA6E4}">
+                <adec:decorative xmlns:adec="http://schemas.microsoft.com/office/drawing/2017/decorative" val="1"/>
+              </a:ext>
+            </a:extLst>
+          </p:cNvPr>
+          <p:cNvPicPr>
+            <a:picLocks noGrp="1" noRot="1" noChangeAspect="1" noMove="1" noResize="1" noEditPoints="1" noAdjustHandles="1" noChangeArrowheads="1" noChangeShapeType="1" noCrop="1"/>
+          </p:cNvPicPr>
+          <p:nvPr>
+            <p:extLst>
+              <p:ext uri="{386F3935-93C4-4BCD-93E2-E3B085C9AB24}">
+                <p16:designElem xmlns:p16="http://schemas.microsoft.com/office/powerpoint/2015/main" val="1"/>
+              </p:ext>
+            </p:extLst>
+          </p:nvPr>
+        </p:nvPicPr>
+        <p:blipFill>
+          <a:blip r:embed="rId2">
+            <a:alphaModFix amt="10000"/>
+            <a:extLst>
+              <a:ext uri="{28A0092B-C50C-407E-A947-70E740481C1C}">
+                <a14:useLocalDpi xmlns:a14="http://schemas.microsoft.com/office/drawing/2010/main" val="0"/>
+              </a:ext>
+            </a:extLst>
+          </a:blip>
+          <a:stretch>
+            <a:fillRect/>
+          </a:stretch>
+        </p:blipFill>
+        <p:spPr>
+          <a:xfrm>
+            <a:off x="0" y="0"/>
+            <a:ext cx="12192000" cy="6858000"/>
+          </a:xfrm>
+          <a:prstGeom prst="rect">
+            <a:avLst/>
+          </a:prstGeom>
+        </p:spPr>
+      </p:pic>
+      <p:sp>
+        <p:nvSpPr>
+          <p:cNvPr id="17421" name="Rectangle 17420">
+            <a:extLst>
+              <a:ext uri="{FF2B5EF4-FFF2-40B4-BE49-F238E27FC236}">
+                <a16:creationId xmlns:a16="http://schemas.microsoft.com/office/drawing/2014/main" id="{D0D98427-7B26-46E2-93FE-CB8CD38542AE}"/>
+              </a:ext>
+              <a:ext uri="{C183D7F6-B498-43B3-948B-1728B52AA6E4}">
+                <adec:decorative xmlns:adec="http://schemas.microsoft.com/office/drawing/2017/decorative" val="1"/>
+              </a:ext>
+            </a:extLst>
+          </p:cNvPr>
+          <p:cNvSpPr>
+            <a:spLocks noGrp="1" noRot="1" noChangeAspect="1" noMove="1" noResize="1" noEditPoints="1" noAdjustHandles="1" noChangeArrowheads="1" noChangeShapeType="1" noTextEdit="1"/>
+          </p:cNvSpPr>
+          <p:nvPr>
+            <p:extLst>
+              <p:ext uri="{386F3935-93C4-4BCD-93E2-E3B085C9AB24}">
+                <p16:designElem xmlns:p16="http://schemas.microsoft.com/office/powerpoint/2015/main" val="1"/>
+              </p:ext>
+            </p:extLst>
+          </p:nvPr>
+        </p:nvSpPr>
+        <p:spPr>
+          <a:xfrm>
+            <a:off x="4639056" y="0"/>
+            <a:ext cx="7552944" cy="6858001"/>
+          </a:xfrm>
+          <a:prstGeom prst="rect">
+            <a:avLst/>
+          </a:prstGeom>
+          <a:ln>
+            <a:noFill/>
+          </a:ln>
+        </p:spPr>
+        <p:style>
+          <a:lnRef idx="2">
+            <a:schemeClr val="accent1">
+              <a:shade val="50000"/>
+            </a:schemeClr>
+          </a:lnRef>
+          <a:fillRef idx="1">
+            <a:schemeClr val="accent1"/>
+          </a:fillRef>
+          <a:effectRef idx="0">
+            <a:schemeClr val="accent1"/>
+          </a:effectRef>
+          <a:fontRef idx="minor">
+            <a:schemeClr val="lt1"/>
+          </a:fontRef>
+        </p:style>
+        <p:txBody>
+          <a:bodyPr rtlCol="0" anchor="ctr"/>
+          <a:lstStyle/>
+          <a:p>
+            <a:pPr algn="ctr"/>
+            <a:endParaRPr lang="en-US"/>
+          </a:p>
+        </p:txBody>
+      </p:sp>
+      <p:sp>
+        <p:nvSpPr>
+          <p:cNvPr id="17423" name="Rectangle 17422">
+            <a:extLst>
+              <a:ext uri="{FF2B5EF4-FFF2-40B4-BE49-F238E27FC236}">
+                <a16:creationId xmlns:a16="http://schemas.microsoft.com/office/drawing/2014/main" id="{B15A4233-F980-4EF6-B2C0-D7C63E752ADF}"/>
+              </a:ext>
+              <a:ext uri="{C183D7F6-B498-43B3-948B-1728B52AA6E4}">
+                <adec:decorative xmlns:adec="http://schemas.microsoft.com/office/drawing/2017/decorative" val="1"/>
+              </a:ext>
+            </a:extLst>
+          </p:cNvPr>
+          <p:cNvSpPr>
+            <a:spLocks noGrp="1" noRot="1" noChangeAspect="1" noMove="1" noResize="1" noEditPoints="1" noAdjustHandles="1" noChangeArrowheads="1" noChangeShapeType="1" noTextEdit="1"/>
+          </p:cNvSpPr>
+          <p:nvPr>
+            <p:extLst>
+              <p:ext uri="{386F3935-93C4-4BCD-93E2-E3B085C9AB24}">
+                <p16:designElem xmlns:p16="http://schemas.microsoft.com/office/powerpoint/2015/main" val="1"/>
+              </p:ext>
+            </p:extLst>
+          </p:nvPr>
+        </p:nvSpPr>
+        <p:spPr bwMode="grayWhite">
+          <a:xfrm>
+            <a:off x="2" y="609600"/>
+            <a:ext cx="4959094" cy="1368198"/>
+          </a:xfrm>
+          <a:prstGeom prst="rect">
+            <a:avLst/>
+          </a:prstGeom>
+          <a:solidFill>
+            <a:srgbClr val="0D0D0D"/>
+          </a:solidFill>
+          <a:ln>
+            <a:noFill/>
+          </a:ln>
+        </p:spPr>
+        <p:style>
+          <a:lnRef idx="2">
+            <a:schemeClr val="accent1">
+              <a:shade val="50000"/>
+            </a:schemeClr>
+          </a:lnRef>
+          <a:fillRef idx="1">
+            <a:schemeClr val="accent1"/>
+          </a:fillRef>
+          <a:effectRef idx="0">
+            <a:schemeClr val="accent1"/>
+          </a:effectRef>
+          <a:fontRef idx="minor">
+            <a:schemeClr val="lt1"/>
+          </a:fontRef>
+        </p:style>
+        <p:txBody>
+          <a:bodyPr/>
+          <a:lstStyle/>
+          <a:p>
+            <a:endParaRPr lang="en-US"/>
+          </a:p>
+        </p:txBody>
+      </p:sp>
+      <p:sp>
+        <p:nvSpPr>
+          <p:cNvPr id="2" name="Title 1">
+            <a:extLst>
+              <a:ext uri="{FF2B5EF4-FFF2-40B4-BE49-F238E27FC236}">
+                <a16:creationId xmlns:a16="http://schemas.microsoft.com/office/drawing/2014/main" id="{69A8B60C-8861-3116-DBDB-64246BF63325}"/>
+              </a:ext>
+            </a:extLst>
+          </p:cNvPr>
+          <p:cNvSpPr>
+            <a:spLocks noGrp="1"/>
+          </p:cNvSpPr>
+          <p:nvPr>
+            <p:ph type="title"/>
+          </p:nvPr>
+        </p:nvSpPr>
+        <p:spPr>
+          <a:xfrm>
+            <a:off x="680321" y="753228"/>
+            <a:ext cx="4136123" cy="1080938"/>
+          </a:xfrm>
+        </p:spPr>
+        <p:txBody>
+          <a:bodyPr>
+            <a:normAutofit/>
+          </a:bodyPr>
+          <a:lstStyle/>
+          <a:p>
+            <a:r>
+              <a:rPr lang="en-CA" sz="2400">
+                <a:solidFill>
+                  <a:srgbClr val="FFFFFF"/>
+                </a:solidFill>
+              </a:rPr>
+              <a:t>Heatmap - Correlation Matrix</a:t>
+            </a:r>
+            <a:endParaRPr lang="en-US" sz="2400">
+              <a:solidFill>
+                <a:srgbClr val="FFFFFF"/>
+              </a:solidFill>
+            </a:endParaRPr>
+          </a:p>
+        </p:txBody>
+      </p:sp>
+      <p:pic>
+        <p:nvPicPr>
+          <p:cNvPr id="17425" name="Picture 17424">
+            <a:extLst>
+              <a:ext uri="{FF2B5EF4-FFF2-40B4-BE49-F238E27FC236}">
+                <a16:creationId xmlns:a16="http://schemas.microsoft.com/office/drawing/2014/main" id="{3B7E3E62-AACE-4D18-93B3-B4C452E287C4}"/>
+              </a:ext>
+              <a:ext uri="{C183D7F6-B498-43B3-948B-1728B52AA6E4}">
+                <adec:decorative xmlns:adec="http://schemas.microsoft.com/office/drawing/2017/decorative" val="1"/>
+              </a:ext>
+            </a:extLst>
+          </p:cNvPr>
+          <p:cNvPicPr>
+            <a:picLocks noGrp="1" noRot="1" noChangeAspect="1" noMove="1" noResize="1" noEditPoints="1" noAdjustHandles="1" noChangeArrowheads="1" noChangeShapeType="1" noCrop="1"/>
+          </p:cNvPicPr>
+          <p:nvPr>
+            <p:extLst>
+              <p:ext uri="{386F3935-93C4-4BCD-93E2-E3B085C9AB24}">
+                <p16:designElem xmlns:p16="http://schemas.microsoft.com/office/powerpoint/2015/main" val="1"/>
+              </p:ext>
+            </p:extLst>
+          </p:nvPr>
+        </p:nvPicPr>
+        <p:blipFill>
+          <a:blip r:embed="rId3">
+            <a:extLst>
+              <a:ext uri="{28A0092B-C50C-407E-A947-70E740481C1C}">
+                <a14:useLocalDpi xmlns:a14="http://schemas.microsoft.com/office/drawing/2010/main" val="0"/>
+              </a:ext>
+            </a:extLst>
+          </a:blip>
+          <a:stretch>
+            <a:fillRect/>
+          </a:stretch>
+        </p:blipFill>
+        <p:spPr>
+          <a:xfrm>
+            <a:off x="2" y="1970241"/>
+            <a:ext cx="4956048" cy="199787"/>
+          </a:xfrm>
+          <a:prstGeom prst="rect">
+            <a:avLst/>
+          </a:prstGeom>
+        </p:spPr>
+      </p:pic>
+      <p:sp>
+        <p:nvSpPr>
+          <p:cNvPr id="17414" name="Content Placeholder 17413">
+            <a:extLst>
+              <a:ext uri="{FF2B5EF4-FFF2-40B4-BE49-F238E27FC236}">
+                <a16:creationId xmlns:a16="http://schemas.microsoft.com/office/drawing/2014/main" id="{FF9BC9BA-57B4-B3CD-2EEC-88BC6FE454D1}"/>
+              </a:ext>
+            </a:extLst>
+          </p:cNvPr>
+          <p:cNvSpPr>
+            <a:spLocks noGrp="1"/>
+          </p:cNvSpPr>
+          <p:nvPr>
+            <p:ph idx="1"/>
+          </p:nvPr>
+        </p:nvSpPr>
+        <p:spPr>
+          <a:xfrm>
+            <a:off x="85060" y="2336873"/>
+            <a:ext cx="4444409" cy="3199705"/>
+          </a:xfrm>
+        </p:spPr>
+        <p:txBody>
+          <a:bodyPr>
+            <a:normAutofit/>
+          </a:bodyPr>
+          <a:lstStyle/>
+          <a:p>
+            <a:pPr marL="0" indent="0" algn="just">
+              <a:buNone/>
+            </a:pPr>
+            <a:r>
+              <a:rPr lang="en-US" sz="1400" dirty="0">
+                <a:solidFill>
+                  <a:srgbClr val="FFFFFF"/>
+                </a:solidFill>
+              </a:rPr>
+              <a:t>Key Observations and Potentials: </a:t>
+            </a:r>
+          </a:p>
+          <a:p>
+            <a:pPr marL="0" indent="0" algn="just">
+              <a:buNone/>
+            </a:pPr>
+            <a:r>
+              <a:rPr lang="en-US" sz="1400" dirty="0">
+                <a:solidFill>
+                  <a:srgbClr val="FFFFFF"/>
+                </a:solidFill>
+              </a:rPr>
+              <a:t>Loan Amount is strongly correlated with Funded Amount (0.99), Installment (0.94), and Total Payment (0.89), showing that larger loans lead to higher installments and payments. Interest Rate has moderate correlations with Installment (0.46) and Total Interest Received (0.68), while Annual Income is positively correlated with Loan Amount (0.32) and Revolving Balance (0.30), and DTI shows weak correlations with other variables, operating more independently.</a:t>
+            </a:r>
+          </a:p>
+        </p:txBody>
+      </p:sp>
+      <p:sp useBgFill="1">
+        <p:nvSpPr>
+          <p:cNvPr id="17427" name="Rectangle 17426">
+            <a:extLst>
+              <a:ext uri="{FF2B5EF4-FFF2-40B4-BE49-F238E27FC236}">
+                <a16:creationId xmlns:a16="http://schemas.microsoft.com/office/drawing/2014/main" id="{421B5709-714B-4EA8-8C75-C105D9B4D5DD}"/>
+              </a:ext>
+              <a:ext uri="{C183D7F6-B498-43B3-948B-1728B52AA6E4}">
+                <adec:decorative xmlns:adec="http://schemas.microsoft.com/office/drawing/2017/decorative" val="1"/>
+              </a:ext>
+            </a:extLst>
+          </p:cNvPr>
+          <p:cNvSpPr>
+            <a:spLocks noGrp="1" noRot="1" noChangeAspect="1" noMove="1" noResize="1" noEditPoints="1" noAdjustHandles="1" noChangeArrowheads="1" noChangeShapeType="1" noTextEdit="1"/>
+          </p:cNvSpPr>
+          <p:nvPr>
+            <p:extLst>
+              <p:ext uri="{386F3935-93C4-4BCD-93E2-E3B085C9AB24}">
+                <p16:designElem xmlns:p16="http://schemas.microsoft.com/office/powerpoint/2015/main" val="1"/>
+              </p:ext>
+            </p:extLst>
+          </p:nvPr>
+        </p:nvSpPr>
+        <p:spPr>
+          <a:xfrm>
+            <a:off x="5276090" y="642795"/>
+            <a:ext cx="6272654" cy="5575126"/>
+          </a:xfrm>
+          <a:prstGeom prst="rect">
+            <a:avLst/>
+          </a:prstGeom>
+          <a:ln>
+            <a:noFill/>
+          </a:ln>
+          <a:effectLst>
+            <a:outerShdw blurRad="76200" dist="63500" dir="5040000" algn="t" rotWithShape="0">
+              <a:prstClr val="black">
+                <a:alpha val="41000"/>
+              </a:prstClr>
+            </a:outerShdw>
+          </a:effectLst>
+        </p:spPr>
+        <p:style>
+          <a:lnRef idx="2">
+            <a:schemeClr val="accent1">
+              <a:shade val="50000"/>
+            </a:schemeClr>
+          </a:lnRef>
+          <a:fillRef idx="1">
+            <a:schemeClr val="accent1"/>
+          </a:fillRef>
+          <a:effectRef idx="0">
+            <a:schemeClr val="accent1"/>
+          </a:effectRef>
+          <a:fontRef idx="minor">
+            <a:schemeClr val="lt1"/>
+          </a:fontRef>
+        </p:style>
+        <p:txBody>
+          <a:bodyPr rtlCol="0" anchor="ctr"/>
+          <a:lstStyle/>
+          <a:p>
+            <a:pPr algn="ctr"/>
+            <a:endParaRPr lang="en-US"/>
+          </a:p>
+        </p:txBody>
+      </p:sp>
+      <p:pic>
+        <p:nvPicPr>
+          <p:cNvPr id="17410" name="Picture 2">
+            <a:extLst>
+              <a:ext uri="{FF2B5EF4-FFF2-40B4-BE49-F238E27FC236}">
+                <a16:creationId xmlns:a16="http://schemas.microsoft.com/office/drawing/2014/main" id="{E8432D25-8445-7808-946B-F1E7D90D123C}"/>
+              </a:ext>
+            </a:extLst>
+          </p:cNvPr>
+          <p:cNvPicPr>
+            <a:picLocks noChangeAspect="1" noChangeArrowheads="1"/>
+          </p:cNvPicPr>
+          <p:nvPr/>
+        </p:nvPicPr>
+        <p:blipFill>
+          <a:blip r:embed="rId4">
+            <a:extLst>
+              <a:ext uri="{28A0092B-C50C-407E-A947-70E740481C1C}">
+                <a14:useLocalDpi xmlns:a14="http://schemas.microsoft.com/office/drawing/2010/main" val="0"/>
+              </a:ext>
+            </a:extLst>
+          </a:blip>
+          <a:stretch>
+            <a:fillRect/>
+          </a:stretch>
+        </p:blipFill>
+        <p:spPr bwMode="auto">
+          <a:xfrm>
+            <a:off x="5593085" y="1314628"/>
+            <a:ext cx="5629268" cy="4221950"/>
+          </a:xfrm>
+          <a:prstGeom prst="rect">
+            <a:avLst/>
+          </a:prstGeom>
+          <a:noFill/>
+          <a:ln>
+            <a:noFill/>
+          </a:ln>
+          <a:effectLst/>
+          <a:extLst>
+            <a:ext uri="{909E8E84-426E-40DD-AFC4-6F175D3DCCD1}">
+              <a14:hiddenFill xmlns:a14="http://schemas.microsoft.com/office/drawing/2010/main">
+                <a:solidFill>
+                  <a:srgbClr val="FFFFFF"/>
+                </a:solidFill>
+              </a14:hiddenFill>
+            </a:ext>
+          </a:extLst>
+        </p:spPr>
+      </p:pic>
+    </p:spTree>
+    <p:extLst>
+      <p:ext uri="{BB962C8B-B14F-4D97-AF65-F5344CB8AC3E}">
+        <p14:creationId xmlns:p14="http://schemas.microsoft.com/office/powerpoint/2010/main" val="1602073639"/>
+      </p:ext>
+    </p:extLst>
+  </p:cSld>
+  <p:clrMapOvr>
+    <a:overrideClrMapping bg1="lt1" tx1="dk1" bg2="lt2" tx2="dk2" accent1="accent1" accent2="accent2" accent3="accent3" accent4="accent4" accent5="accent5" accent6="accent6" hlink="hlink" folHlink="folHlink"/>
+  </p:clrMapOvr>
+</p:sld>
+</file>
+
+<file path=ppt/slides/slide17.xml><?xml version="1.0" encoding="utf-8"?>
 <p:sld xmlns:a="http://schemas.openxmlformats.org/drawingml/2006/main" xmlns:r="http://schemas.openxmlformats.org/officeDocument/2006/relationships" xmlns:p="http://schemas.openxmlformats.org/presentationml/2006/main">
   <p:cSld>
     <p:spTree>
@@ -7849,7 +11999,7 @@
           <p:cNvPr id="2" name="Title 1">
             <a:extLst>
               <a:ext uri="{FF2B5EF4-FFF2-40B4-BE49-F238E27FC236}">
-                <a16:creationId xmlns:a16="http://schemas.microsoft.com/office/drawing/2014/main" id="{D2F073B2-027D-0044-96D9-B63BDD061512}"/>
+                <a16:creationId xmlns:a16="http://schemas.microsoft.com/office/drawing/2014/main" id="{E89BF46F-8874-6FF1-9892-FAD420D26FC1}"/>
               </a:ext>
             </a:extLst>
           </p:cNvPr>
@@ -7858,37 +12008,6 @@
           </p:cNvSpPr>
           <p:nvPr>
             <p:ph type="title"/>
-          </p:nvPr>
-        </p:nvSpPr>
-        <p:spPr/>
-        <p:txBody>
-          <a:bodyPr>
-            <a:normAutofit/>
-          </a:bodyPr>
-          <a:lstStyle/>
-          <a:p>
-            <a:r>
-              <a:rPr lang="en-CA" sz="3200" dirty="0"/>
-              <a:t>Bivariate Analysis - Annual Income vs Loan Status</a:t>
-            </a:r>
-            <a:endParaRPr lang="en-US" sz="3200" dirty="0"/>
-          </a:p>
-        </p:txBody>
-      </p:sp>
-      <p:sp>
-        <p:nvSpPr>
-          <p:cNvPr id="3" name="Content Placeholder 2">
-            <a:extLst>
-              <a:ext uri="{FF2B5EF4-FFF2-40B4-BE49-F238E27FC236}">
-                <a16:creationId xmlns:a16="http://schemas.microsoft.com/office/drawing/2014/main" id="{E88E9DBE-F54D-DFDB-D617-F71DFAF9FF90}"/>
-              </a:ext>
-            </a:extLst>
-          </p:cNvPr>
-          <p:cNvSpPr>
-            <a:spLocks noGrp="1"/>
-          </p:cNvSpPr>
-          <p:nvPr>
-            <p:ph idx="1"/>
           </p:nvPr>
         </p:nvSpPr>
         <p:spPr/>
@@ -7896,14 +12015,49 @@
           <a:bodyPr/>
           <a:lstStyle/>
           <a:p>
+            <a:r>
+              <a:rPr lang="en-CA" dirty="0"/>
+              <a:t>Key Driver Variables</a:t>
+            </a:r>
             <a:endParaRPr lang="en-US" dirty="0"/>
+          </a:p>
+        </p:txBody>
+      </p:sp>
+      <p:sp>
+        <p:nvSpPr>
+          <p:cNvPr id="3" name="Content Placeholder 2">
+            <a:extLst>
+              <a:ext uri="{FF2B5EF4-FFF2-40B4-BE49-F238E27FC236}">
+                <a16:creationId xmlns:a16="http://schemas.microsoft.com/office/drawing/2014/main" id="{075B57F1-DBAF-1480-4888-C3C435901FF0}"/>
+              </a:ext>
+            </a:extLst>
+          </p:cNvPr>
+          <p:cNvSpPr>
+            <a:spLocks noGrp="1"/>
+          </p:cNvSpPr>
+          <p:nvPr>
+            <p:ph idx="1"/>
+          </p:nvPr>
+        </p:nvSpPr>
+        <p:spPr/>
+        <p:txBody>
+          <a:bodyPr/>
+          <a:lstStyle/>
+          <a:p>
+            <a:pPr marL="0" indent="0" algn="just">
+              <a:buNone/>
+            </a:pPr>
+            <a:r>
+              <a:rPr lang="en-US" dirty="0"/>
+              <a:t>Loan Amount, Interest Rate, and Debt-to-Income Ratio (DTI) are key predictors of default, with larger loans, higher interest rates, and higher DTIs linked to a greater likelihood of default. Lower income and lack of income verification also increase default risk, while homeownership and higher loan grades (A, B) are associated with better repayment rates. Charged Off loans generally have higher loan amounts, interest rates, and DTI ratios compared to Fully Paid loans. These variables will guide further analysis and potential modeling.</a:t>
+            </a:r>
           </a:p>
         </p:txBody>
       </p:sp>
     </p:spTree>
     <p:extLst>
       <p:ext uri="{BB962C8B-B14F-4D97-AF65-F5344CB8AC3E}">
-        <p14:creationId xmlns:p14="http://schemas.microsoft.com/office/powerpoint/2010/main" val="2209848281"/>
+        <p14:creationId xmlns:p14="http://schemas.microsoft.com/office/powerpoint/2010/main" val="3447212006"/>
       </p:ext>
     </p:extLst>
   </p:cSld>
@@ -7913,7 +12067,7 @@
 </p:sld>
 </file>
 
-<file path=ppt/slides/slide12.xml><?xml version="1.0" encoding="utf-8"?>
+<file path=ppt/slides/slide18.xml><?xml version="1.0" encoding="utf-8"?>
 <p:sld xmlns:a="http://schemas.openxmlformats.org/drawingml/2006/main" xmlns:r="http://schemas.openxmlformats.org/officeDocument/2006/relationships" xmlns:p="http://schemas.openxmlformats.org/presentationml/2006/main">
   <p:cSld>
     <p:spTree>
@@ -7935,7 +12089,7 @@
           <p:cNvPr id="2" name="Title 1">
             <a:extLst>
               <a:ext uri="{FF2B5EF4-FFF2-40B4-BE49-F238E27FC236}">
-                <a16:creationId xmlns:a16="http://schemas.microsoft.com/office/drawing/2014/main" id="{574552D1-8C25-12E9-DB72-10E7468D7D45}"/>
+                <a16:creationId xmlns:a16="http://schemas.microsoft.com/office/drawing/2014/main" id="{48897D40-68F1-FC60-2CBA-BB0D96D3ED9C}"/>
               </a:ext>
             </a:extLst>
           </p:cNvPr>
@@ -7953,258 +12107,6 @@
           <a:p>
             <a:r>
               <a:rPr lang="en-CA" dirty="0"/>
-              <a:t>Bivariate Analysis - Categorical Variables</a:t>
-            </a:r>
-            <a:endParaRPr lang="en-US" dirty="0"/>
-          </a:p>
-        </p:txBody>
-      </p:sp>
-      <p:sp>
-        <p:nvSpPr>
-          <p:cNvPr id="3" name="Content Placeholder 2">
-            <a:extLst>
-              <a:ext uri="{FF2B5EF4-FFF2-40B4-BE49-F238E27FC236}">
-                <a16:creationId xmlns:a16="http://schemas.microsoft.com/office/drawing/2014/main" id="{6C3D9572-0A57-8D99-C5B4-64D3D70DFA68}"/>
-              </a:ext>
-            </a:extLst>
-          </p:cNvPr>
-          <p:cNvSpPr>
-            <a:spLocks noGrp="1"/>
-          </p:cNvSpPr>
-          <p:nvPr>
-            <p:ph idx="1"/>
-          </p:nvPr>
-        </p:nvSpPr>
-        <p:spPr/>
-        <p:txBody>
-          <a:bodyPr/>
-          <a:lstStyle/>
-          <a:p>
-            <a:endParaRPr lang="en-US" dirty="0"/>
-          </a:p>
-        </p:txBody>
-      </p:sp>
-    </p:spTree>
-    <p:extLst>
-      <p:ext uri="{BB962C8B-B14F-4D97-AF65-F5344CB8AC3E}">
-        <p14:creationId xmlns:p14="http://schemas.microsoft.com/office/powerpoint/2010/main" val="211310222"/>
-      </p:ext>
-    </p:extLst>
-  </p:cSld>
-  <p:clrMapOvr>
-    <a:masterClrMapping/>
-  </p:clrMapOvr>
-</p:sld>
-</file>
-
-<file path=ppt/slides/slide13.xml><?xml version="1.0" encoding="utf-8"?>
-<p:sld xmlns:a="http://schemas.openxmlformats.org/drawingml/2006/main" xmlns:r="http://schemas.openxmlformats.org/officeDocument/2006/relationships" xmlns:p="http://schemas.openxmlformats.org/presentationml/2006/main">
-  <p:cSld>
-    <p:spTree>
-      <p:nvGrpSpPr>
-        <p:cNvPr id="1" name=""/>
-        <p:cNvGrpSpPr/>
-        <p:nvPr/>
-      </p:nvGrpSpPr>
-      <p:grpSpPr>
-        <a:xfrm>
-          <a:off x="0" y="0"/>
-          <a:ext cx="0" cy="0"/>
-          <a:chOff x="0" y="0"/>
-          <a:chExt cx="0" cy="0"/>
-        </a:xfrm>
-      </p:grpSpPr>
-      <p:sp>
-        <p:nvSpPr>
-          <p:cNvPr id="2" name="Title 1">
-            <a:extLst>
-              <a:ext uri="{FF2B5EF4-FFF2-40B4-BE49-F238E27FC236}">
-                <a16:creationId xmlns:a16="http://schemas.microsoft.com/office/drawing/2014/main" id="{69A8B60C-8861-3116-DBDB-64246BF63325}"/>
-              </a:ext>
-            </a:extLst>
-          </p:cNvPr>
-          <p:cNvSpPr>
-            <a:spLocks noGrp="1"/>
-          </p:cNvSpPr>
-          <p:nvPr>
-            <p:ph type="title"/>
-          </p:nvPr>
-        </p:nvSpPr>
-        <p:spPr/>
-        <p:txBody>
-          <a:bodyPr/>
-          <a:lstStyle/>
-          <a:p>
-            <a:r>
-              <a:rPr lang="en-CA" dirty="0"/>
-              <a:t>Heatmap - Correlation Matrix</a:t>
-            </a:r>
-            <a:endParaRPr lang="en-US" dirty="0"/>
-          </a:p>
-        </p:txBody>
-      </p:sp>
-      <p:sp>
-        <p:nvSpPr>
-          <p:cNvPr id="3" name="Content Placeholder 2">
-            <a:extLst>
-              <a:ext uri="{FF2B5EF4-FFF2-40B4-BE49-F238E27FC236}">
-                <a16:creationId xmlns:a16="http://schemas.microsoft.com/office/drawing/2014/main" id="{59FC99C1-2157-30EF-0866-3D967FA74220}"/>
-              </a:ext>
-            </a:extLst>
-          </p:cNvPr>
-          <p:cNvSpPr>
-            <a:spLocks noGrp="1"/>
-          </p:cNvSpPr>
-          <p:nvPr>
-            <p:ph idx="1"/>
-          </p:nvPr>
-        </p:nvSpPr>
-        <p:spPr/>
-        <p:txBody>
-          <a:bodyPr/>
-          <a:lstStyle/>
-          <a:p>
-            <a:endParaRPr lang="en-US"/>
-          </a:p>
-        </p:txBody>
-      </p:sp>
-    </p:spTree>
-    <p:extLst>
-      <p:ext uri="{BB962C8B-B14F-4D97-AF65-F5344CB8AC3E}">
-        <p14:creationId xmlns:p14="http://schemas.microsoft.com/office/powerpoint/2010/main" val="1602073639"/>
-      </p:ext>
-    </p:extLst>
-  </p:cSld>
-  <p:clrMapOvr>
-    <a:masterClrMapping/>
-  </p:clrMapOvr>
-</p:sld>
-</file>
-
-<file path=ppt/slides/slide14.xml><?xml version="1.0" encoding="utf-8"?>
-<p:sld xmlns:a="http://schemas.openxmlformats.org/drawingml/2006/main" xmlns:r="http://schemas.openxmlformats.org/officeDocument/2006/relationships" xmlns:p="http://schemas.openxmlformats.org/presentationml/2006/main">
-  <p:cSld>
-    <p:spTree>
-      <p:nvGrpSpPr>
-        <p:cNvPr id="1" name=""/>
-        <p:cNvGrpSpPr/>
-        <p:nvPr/>
-      </p:nvGrpSpPr>
-      <p:grpSpPr>
-        <a:xfrm>
-          <a:off x="0" y="0"/>
-          <a:ext cx="0" cy="0"/>
-          <a:chOff x="0" y="0"/>
-          <a:chExt cx="0" cy="0"/>
-        </a:xfrm>
-      </p:grpSpPr>
-      <p:sp>
-        <p:nvSpPr>
-          <p:cNvPr id="2" name="Title 1">
-            <a:extLst>
-              <a:ext uri="{FF2B5EF4-FFF2-40B4-BE49-F238E27FC236}">
-                <a16:creationId xmlns:a16="http://schemas.microsoft.com/office/drawing/2014/main" id="{E89BF46F-8874-6FF1-9892-FAD420D26FC1}"/>
-              </a:ext>
-            </a:extLst>
-          </p:cNvPr>
-          <p:cNvSpPr>
-            <a:spLocks noGrp="1"/>
-          </p:cNvSpPr>
-          <p:nvPr>
-            <p:ph type="title"/>
-          </p:nvPr>
-        </p:nvSpPr>
-        <p:spPr/>
-        <p:txBody>
-          <a:bodyPr/>
-          <a:lstStyle/>
-          <a:p>
-            <a:r>
-              <a:rPr lang="en-CA" dirty="0"/>
-              <a:t>Key Driver Variables</a:t>
-            </a:r>
-            <a:endParaRPr lang="en-US" dirty="0"/>
-          </a:p>
-        </p:txBody>
-      </p:sp>
-      <p:sp>
-        <p:nvSpPr>
-          <p:cNvPr id="3" name="Content Placeholder 2">
-            <a:extLst>
-              <a:ext uri="{FF2B5EF4-FFF2-40B4-BE49-F238E27FC236}">
-                <a16:creationId xmlns:a16="http://schemas.microsoft.com/office/drawing/2014/main" id="{075B57F1-DBAF-1480-4888-C3C435901FF0}"/>
-              </a:ext>
-            </a:extLst>
-          </p:cNvPr>
-          <p:cNvSpPr>
-            <a:spLocks noGrp="1"/>
-          </p:cNvSpPr>
-          <p:nvPr>
-            <p:ph idx="1"/>
-          </p:nvPr>
-        </p:nvSpPr>
-        <p:spPr/>
-        <p:txBody>
-          <a:bodyPr/>
-          <a:lstStyle/>
-          <a:p>
-            <a:endParaRPr lang="en-US" dirty="0"/>
-          </a:p>
-        </p:txBody>
-      </p:sp>
-    </p:spTree>
-    <p:extLst>
-      <p:ext uri="{BB962C8B-B14F-4D97-AF65-F5344CB8AC3E}">
-        <p14:creationId xmlns:p14="http://schemas.microsoft.com/office/powerpoint/2010/main" val="3447212006"/>
-      </p:ext>
-    </p:extLst>
-  </p:cSld>
-  <p:clrMapOvr>
-    <a:masterClrMapping/>
-  </p:clrMapOvr>
-</p:sld>
-</file>
-
-<file path=ppt/slides/slide15.xml><?xml version="1.0" encoding="utf-8"?>
-<p:sld xmlns:a="http://schemas.openxmlformats.org/drawingml/2006/main" xmlns:r="http://schemas.openxmlformats.org/officeDocument/2006/relationships" xmlns:p="http://schemas.openxmlformats.org/presentationml/2006/main">
-  <p:cSld>
-    <p:spTree>
-      <p:nvGrpSpPr>
-        <p:cNvPr id="1" name=""/>
-        <p:cNvGrpSpPr/>
-        <p:nvPr/>
-      </p:nvGrpSpPr>
-      <p:grpSpPr>
-        <a:xfrm>
-          <a:off x="0" y="0"/>
-          <a:ext cx="0" cy="0"/>
-          <a:chOff x="0" y="0"/>
-          <a:chExt cx="0" cy="0"/>
-        </a:xfrm>
-      </p:grpSpPr>
-      <p:sp>
-        <p:nvSpPr>
-          <p:cNvPr id="2" name="Title 1">
-            <a:extLst>
-              <a:ext uri="{FF2B5EF4-FFF2-40B4-BE49-F238E27FC236}">
-                <a16:creationId xmlns:a16="http://schemas.microsoft.com/office/drawing/2014/main" id="{48897D40-68F1-FC60-2CBA-BB0D96D3ED9C}"/>
-              </a:ext>
-            </a:extLst>
-          </p:cNvPr>
-          <p:cNvSpPr>
-            <a:spLocks noGrp="1"/>
-          </p:cNvSpPr>
-          <p:nvPr>
-            <p:ph type="title"/>
-          </p:nvPr>
-        </p:nvSpPr>
-        <p:spPr/>
-        <p:txBody>
-          <a:bodyPr/>
-          <a:lstStyle/>
-          <a:p>
-            <a:r>
-              <a:rPr lang="en-CA" dirty="0"/>
               <a:t>Conclusion and Recommendations</a:t>
             </a:r>
             <a:endParaRPr lang="en-US" dirty="0"/>
@@ -8227,12 +12129,91 @@
             <p:ph idx="1"/>
           </p:nvPr>
         </p:nvSpPr>
-        <p:spPr/>
-        <p:txBody>
-          <a:bodyPr/>
+        <p:spPr>
+          <a:xfrm>
+            <a:off x="191387" y="2232837"/>
+            <a:ext cx="11557590" cy="4625163"/>
+          </a:xfrm>
+        </p:spPr>
+        <p:txBody>
+          <a:bodyPr>
+            <a:normAutofit/>
+          </a:bodyPr>
           <a:lstStyle/>
           <a:p>
-            <a:endParaRPr lang="en-US"/>
+            <a:pPr marL="0" indent="0">
+              <a:buNone/>
+            </a:pPr>
+            <a:r>
+              <a:rPr lang="en-CA" sz="2000" dirty="0"/>
+              <a:t>Larger loan amounts, higher interest rates, and lower borrower incomes are key drivers of default risk. Borrowers with unverified incomes, higher DTI ratios, and lower loan grades also show increased default likelihood. Homeownership and income verification play a critical role in reducing loan default risk.</a:t>
+            </a:r>
+          </a:p>
+          <a:p>
+            <a:pPr marL="0" indent="0">
+              <a:buNone/>
+            </a:pPr>
+            <a:r>
+              <a:rPr lang="en-CA" sz="2000" dirty="0"/>
+              <a:t>Recommendations:</a:t>
+            </a:r>
+          </a:p>
+          <a:p>
+            <a:pPr marL="457200" indent="-457200">
+              <a:buFont typeface="+mj-lt"/>
+              <a:buAutoNum type="arabicPeriod"/>
+            </a:pPr>
+            <a:r>
+              <a:rPr lang="en-CA" sz="2000" b="1" dirty="0"/>
+              <a:t>Enhance Risk-Based Pricing:</a:t>
+            </a:r>
+            <a:r>
+              <a:rPr lang="en-CA" sz="2000" dirty="0"/>
+              <a:t> Adjust the pricing model to carefully balance interest rates with loan amounts and borrower grades, limiting high-risk loans to lower amounts.</a:t>
+            </a:r>
+          </a:p>
+          <a:p>
+            <a:pPr marL="457200" indent="-457200">
+              <a:buFont typeface="+mj-lt"/>
+              <a:buAutoNum type="arabicPeriod"/>
+            </a:pPr>
+            <a:r>
+              <a:rPr lang="en-CA" sz="2000" b="1" dirty="0"/>
+              <a:t>Mandatory Income Verification:</a:t>
+            </a:r>
+            <a:r>
+              <a:rPr lang="en-CA" sz="2000" dirty="0"/>
+              <a:t> Implement income verification for all borrowers to mitigate risk.</a:t>
+            </a:r>
+          </a:p>
+          <a:p>
+            <a:pPr marL="457200" indent="-457200">
+              <a:buFont typeface="+mj-lt"/>
+              <a:buAutoNum type="arabicPeriod"/>
+            </a:pPr>
+            <a:r>
+              <a:rPr lang="en-CA" sz="2000" b="1" dirty="0"/>
+              <a:t>Cap DTI Ratios:</a:t>
+            </a:r>
+            <a:r>
+              <a:rPr lang="en-CA" sz="2000" dirty="0"/>
+              <a:t> Set a maximum DTI ratio to prevent over-leveraging and reduce default rates.</a:t>
+            </a:r>
+          </a:p>
+          <a:p>
+            <a:pPr marL="457200" indent="-457200">
+              <a:buFont typeface="+mj-lt"/>
+              <a:buAutoNum type="arabicPeriod"/>
+            </a:pPr>
+            <a:r>
+              <a:rPr lang="en-CA" sz="2000" b="1" dirty="0"/>
+              <a:t>Stricter Criteria for Large Loans:</a:t>
+            </a:r>
+            <a:r>
+              <a:rPr lang="en-CA" sz="2000" dirty="0"/>
+              <a:t> Apply more stringent approval criteria for larger loans to minimize default risk.</a:t>
+            </a:r>
+            <a:endParaRPr lang="en-US" sz="2000" dirty="0"/>
           </a:p>
         </p:txBody>
       </p:sp>
@@ -9139,214 +13120,185 @@
         </p:nvSpPr>
         <p:spPr>
           <a:xfrm>
-            <a:off x="680321" y="2336872"/>
-            <a:ext cx="7102713" cy="4113355"/>
+            <a:off x="244387" y="2055244"/>
+            <a:ext cx="6844476" cy="4930347"/>
           </a:xfrm>
         </p:spPr>
         <p:txBody>
           <a:bodyPr>
-            <a:normAutofit fontScale="85000" lnSpcReduction="20000"/>
+            <a:normAutofit lnSpcReduction="10000"/>
           </a:bodyPr>
           <a:lstStyle/>
           <a:p>
             <a:pPr algn="l">
+              <a:lnSpc>
+                <a:spcPct val="110000"/>
+              </a:lnSpc>
               <a:buFont typeface="+mj-lt"/>
               <a:buAutoNum type="arabicPeriod"/>
             </a:pPr>
             <a:r>
-              <a:rPr lang="en-CA" b="0" i="0" dirty="0">
+              <a:rPr lang="en-CA" sz="1400" b="0" i="0" dirty="0">
                 <a:effectLst/>
                 <a:latin typeface="system-ui"/>
               </a:rPr>
-              <a:t>Loan Amount (</a:t>
-            </a:r>
-            <a:r>
-              <a:rPr lang="en-CA" b="0" i="0" dirty="0" err="1">
+              <a:t>Key Observations:</a:t>
+            </a:r>
+          </a:p>
+          <a:p>
+            <a:pPr lvl="1">
+              <a:lnSpc>
+                <a:spcPct val="110000"/>
+              </a:lnSpc>
+            </a:pPr>
+            <a:r>
+              <a:rPr lang="en-CA" sz="1400" b="0" i="0" dirty="0">
                 <a:effectLst/>
                 <a:latin typeface="system-ui"/>
               </a:rPr>
-              <a:t>loan_amnt</a:t>
-            </a:r>
-            <a:r>
-              <a:rPr lang="en-CA" b="0" i="0" dirty="0">
+              <a:t> The loan amounts range between 500 and 35,000.</a:t>
+            </a:r>
+          </a:p>
+          <a:p>
+            <a:pPr lvl="1">
+              <a:lnSpc>
+                <a:spcPct val="110000"/>
+              </a:lnSpc>
+            </a:pPr>
+            <a:r>
+              <a:rPr lang="en-CA" sz="1400" b="0" i="0" dirty="0">
                 <a:effectLst/>
                 <a:latin typeface="system-ui"/>
               </a:rPr>
-              <a:t>)</a:t>
-            </a:r>
-          </a:p>
-          <a:p>
-            <a:pPr lvl="1"/>
-            <a:r>
-              <a:rPr lang="en-CA" b="0" i="0" dirty="0">
+              <a:t> The most common loan amounts appear to be clustered around 10,000.</a:t>
+            </a:r>
+          </a:p>
+          <a:p>
+            <a:pPr lvl="1">
+              <a:lnSpc>
+                <a:spcPct val="110000"/>
+              </a:lnSpc>
+            </a:pPr>
+            <a:r>
+              <a:rPr lang="en-CA" sz="1400" b="0" i="0" dirty="0">
                 <a:effectLst/>
                 <a:latin typeface="system-ui"/>
               </a:rPr>
-              <a:t>Mean: 8,761.64, Median: 8,000, Mode: 10,000</a:t>
-            </a:r>
-          </a:p>
-          <a:p>
-            <a:pPr lvl="1"/>
-            <a:r>
-              <a:rPr lang="en-CA" b="0" i="0" dirty="0">
+              <a:t>The average loan amount is approximately 12,000, with a median of 10,000. This indicates that most borrowers request moderate loan amounts.</a:t>
+            </a:r>
+          </a:p>
+          <a:p>
+            <a:pPr lvl="1">
+              <a:lnSpc>
+                <a:spcPct val="110000"/>
+              </a:lnSpc>
+            </a:pPr>
+            <a:r>
+              <a:rPr lang="en-CA" sz="1400" b="0" i="0" dirty="0">
                 <a:effectLst/>
                 <a:latin typeface="system-ui"/>
               </a:rPr>
-              <a:t>Insight: Right-skewed, most loans are between 5,000 and 12,000, with a few large loans pulling the mean upward.</a:t>
-            </a:r>
-          </a:p>
-          <a:p>
-            <a:pPr algn="l">
-              <a:buFont typeface="+mj-lt"/>
-              <a:buAutoNum type="arabicPeriod"/>
+              <a:t>There is a slight tail towards the higher loan amounts, suggesting some borrowers take out larger loans, though they are less frequent.</a:t>
+            </a:r>
+          </a:p>
+          <a:p>
+            <a:pPr lvl="1">
+              <a:lnSpc>
+                <a:spcPct val="110000"/>
+              </a:lnSpc>
             </a:pPr>
             <a:r>
-              <a:rPr lang="en-CA" b="0" i="0" dirty="0">
+              <a:rPr lang="en-CA" sz="1400" b="0" i="0" dirty="0">
                 <a:effectLst/>
                 <a:latin typeface="system-ui"/>
               </a:rPr>
-              <a:t>Interest Rate (</a:t>
-            </a:r>
-            <a:r>
-              <a:rPr lang="en-CA" b="0" i="0" dirty="0" err="1">
-                <a:effectLst/>
+              <a:t>The distribution is right-skewed, meaning that while most loans are for smaller amounts, there is a significant portion of larger loan amounts that pull the mean higher than the median.</a:t>
+            </a:r>
+          </a:p>
+          <a:p>
+            <a:pPr marL="0" indent="0">
+              <a:lnSpc>
+                <a:spcPct val="110000"/>
+              </a:lnSpc>
+              <a:buNone/>
+            </a:pPr>
+            <a:r>
+              <a:rPr lang="en-CA" sz="1400" dirty="0">
                 <a:latin typeface="system-ui"/>
               </a:rPr>
-              <a:t>int_rate</a:t>
-            </a:r>
-            <a:r>
-              <a:rPr lang="en-CA" b="0" i="0" dirty="0">
-                <a:effectLst/>
+              <a:t>2. Chart Insight:</a:t>
+            </a:r>
+          </a:p>
+          <a:p>
+            <a:pPr lvl="1">
+              <a:lnSpc>
+                <a:spcPct val="110000"/>
+              </a:lnSpc>
+            </a:pPr>
+            <a:r>
+              <a:rPr lang="en-CA" sz="1400" dirty="0">
                 <a:latin typeface="system-ui"/>
               </a:rPr>
-              <a:t>)</a:t>
-            </a:r>
-          </a:p>
-          <a:p>
-            <a:pPr lvl="1"/>
-            <a:r>
-              <a:rPr lang="en-CA" b="0" i="0" dirty="0">
-                <a:effectLst/>
+              <a:t> The histogram provides a clear view of how loan amounts are distributed, with a visible peak around 10,000, indicating a majority of loans fall in this range.</a:t>
+            </a:r>
+          </a:p>
+          <a:p>
+            <a:pPr marL="0" indent="0">
+              <a:lnSpc>
+                <a:spcPct val="110000"/>
+              </a:lnSpc>
+              <a:buNone/>
+            </a:pPr>
+            <a:r>
+              <a:rPr lang="en-CA" sz="1800" dirty="0">
                 <a:latin typeface="system-ui"/>
               </a:rPr>
-              <a:t>Mean: 10.73%, Median: 10.65%, Mode: 10.65%</a:t>
-            </a:r>
-          </a:p>
-          <a:p>
-            <a:pPr lvl="1"/>
-            <a:r>
-              <a:rPr lang="en-CA" b="0" i="0" dirty="0">
-                <a:effectLst/>
+              <a:t>3. Skewness Analysis:</a:t>
+            </a:r>
+          </a:p>
+          <a:p>
+            <a:pPr lvl="1">
+              <a:lnSpc>
+                <a:spcPct val="110000"/>
+              </a:lnSpc>
+            </a:pPr>
+            <a:r>
+              <a:rPr lang="en-CA" sz="1400" dirty="0">
                 <a:latin typeface="system-ui"/>
               </a:rPr>
-              <a:t>Insight: Slightly right-skewed, most rates between 7.74% and 13.11%, higher rates signal riskier loans.</a:t>
-            </a:r>
-          </a:p>
-          <a:p>
-            <a:pPr algn="l">
-              <a:buFont typeface="+mj-lt"/>
-              <a:buAutoNum type="arabicPeriod"/>
+              <a:t>Right skewness occurs because most borrowers take out smaller loans, but there are some larger loans (up to $28,000) that stretch the distribution.</a:t>
+            </a:r>
+          </a:p>
+          <a:p>
+            <a:pPr lvl="1">
+              <a:lnSpc>
+                <a:spcPct val="110000"/>
+              </a:lnSpc>
             </a:pPr>
             <a:r>
-              <a:rPr lang="en-CA" b="0" i="0" dirty="0">
-                <a:effectLst/>
+              <a:rPr lang="en-CA" sz="1400" dirty="0">
                 <a:latin typeface="system-ui"/>
               </a:rPr>
-              <a:t>Annual Income (</a:t>
-            </a:r>
-            <a:r>
-              <a:rPr lang="en-CA" b="0" i="0" dirty="0" err="1">
-                <a:effectLst/>
-                <a:latin typeface="system-ui"/>
-              </a:rPr>
-              <a:t>annual_inc</a:t>
-            </a:r>
-            <a:r>
-              <a:rPr lang="en-CA" b="0" i="0" dirty="0">
-                <a:effectLst/>
-                <a:latin typeface="system-ui"/>
-              </a:rPr>
-              <a:t>)</a:t>
-            </a:r>
-          </a:p>
-          <a:p>
-            <a:pPr lvl="1"/>
-            <a:r>
-              <a:rPr lang="en-CA" b="0" i="0" dirty="0">
-                <a:effectLst/>
-                <a:latin typeface="system-ui"/>
-              </a:rPr>
-              <a:t>Mean: 56,720.10, Median: 52,000, Mode: 60,000</a:t>
-            </a:r>
-          </a:p>
-          <a:p>
-            <a:pPr lvl="1"/>
-            <a:r>
-              <a:rPr lang="en-CA" b="0" i="0" dirty="0">
-                <a:effectLst/>
-                <a:latin typeface="system-ui"/>
-              </a:rPr>
-              <a:t>Insight: Right-skewed, most incomes range from 40,000to60,000, with some high earners pulling up the mean.</a:t>
-            </a:r>
-          </a:p>
-          <a:p>
-            <a:pPr algn="l">
-              <a:buFont typeface="+mj-lt"/>
-              <a:buAutoNum type="arabicPeriod"/>
+              <a:t>The mean being higher than the median supports the presence of right skewness, as larger loan amounts affect the average more than the median.</a:t>
+            </a:r>
+          </a:p>
+          <a:p>
+            <a:pPr marL="0" indent="0">
+              <a:lnSpc>
+                <a:spcPct val="110000"/>
+              </a:lnSpc>
+              <a:buNone/>
             </a:pPr>
-            <a:r>
-              <a:rPr lang="en-CA" b="0" i="0" dirty="0">
-                <a:effectLst/>
-                <a:latin typeface="system-ui"/>
-              </a:rPr>
-              <a:t>Debt-to-Income Ratio (</a:t>
-            </a:r>
-            <a:r>
-              <a:rPr lang="en-CA" b="0" i="0" dirty="0" err="1">
-                <a:effectLst/>
-                <a:latin typeface="system-ui"/>
-              </a:rPr>
-              <a:t>dti</a:t>
-            </a:r>
-            <a:r>
-              <a:rPr lang="en-CA" b="0" i="0" dirty="0">
-                <a:effectLst/>
-                <a:latin typeface="system-ui"/>
-              </a:rPr>
-              <a:t>)</a:t>
-            </a:r>
-          </a:p>
-          <a:p>
-            <a:pPr lvl="1"/>
-            <a:r>
-              <a:rPr lang="en-CA" b="0" i="0" dirty="0">
-                <a:effectLst/>
-                <a:latin typeface="system-ui"/>
-              </a:rPr>
-              <a:t>Mean: 13.05%, Median: 13.04%, Mode: 0%</a:t>
-            </a:r>
-          </a:p>
-          <a:p>
-            <a:pPr lvl="1"/>
-            <a:r>
-              <a:rPr lang="en-CA" b="0" i="0" dirty="0">
-                <a:effectLst/>
-                <a:latin typeface="system-ui"/>
-              </a:rPr>
-              <a:t>Insight: Nearly symmetrical; a notable number of borrowers have no debt, but some have DTIs up to 30%.</a:t>
-            </a:r>
-          </a:p>
-          <a:p>
-            <a:endParaRPr lang="en-US" dirty="0"/>
+            <a:endParaRPr lang="en-US" sz="1400" dirty="0"/>
           </a:p>
         </p:txBody>
       </p:sp>
       <p:pic>
         <p:nvPicPr>
-          <p:cNvPr id="1026" name="Picture 2">
+          <p:cNvPr id="1034" name="Picture 10">
             <a:extLst>
               <a:ext uri="{FF2B5EF4-FFF2-40B4-BE49-F238E27FC236}">
-                <a16:creationId xmlns:a16="http://schemas.microsoft.com/office/drawing/2014/main" id="{0E189667-74C7-40C8-CCC5-7EC99B9DC914}"/>
+                <a16:creationId xmlns:a16="http://schemas.microsoft.com/office/drawing/2014/main" id="{0EF784F0-9934-4F3B-A78C-062C3A61625D}"/>
               </a:ext>
             </a:extLst>
           </p:cNvPr>
@@ -9370,149 +13322,8 @@
         </p:blipFill>
         <p:spPr bwMode="auto">
           <a:xfrm>
-            <a:off x="9178523" y="1332212"/>
-            <a:ext cx="2844602" cy="1811420"/>
-          </a:xfrm>
-          <a:prstGeom prst="rect">
-            <a:avLst/>
-          </a:prstGeom>
-          <a:noFill/>
-          <a:extLst>
-            <a:ext uri="{909E8E84-426E-40DD-AFC4-6F175D3DCCD1}">
-              <a14:hiddenFill xmlns:a14="http://schemas.microsoft.com/office/drawing/2010/main">
-                <a:solidFill>
-                  <a:srgbClr val="FFFFFF"/>
-                </a:solidFill>
-              </a14:hiddenFill>
-            </a:ext>
-          </a:extLst>
-        </p:spPr>
-      </p:pic>
-      <p:pic>
-        <p:nvPicPr>
-          <p:cNvPr id="1028" name="Picture 4">
-            <a:extLst>
-              <a:ext uri="{FF2B5EF4-FFF2-40B4-BE49-F238E27FC236}">
-                <a16:creationId xmlns:a16="http://schemas.microsoft.com/office/drawing/2014/main" id="{A9A67716-50E9-C906-6DB9-8782E1D618AF}"/>
-              </a:ext>
-            </a:extLst>
-          </p:cNvPr>
-          <p:cNvPicPr>
-            <a:picLocks noChangeAspect="1" noChangeArrowheads="1"/>
-          </p:cNvPicPr>
-          <p:nvPr/>
-        </p:nvPicPr>
-        <p:blipFill>
-          <a:blip r:embed="rId2">
-            <a:extLst>
-              <a:ext uri="{28A0092B-C50C-407E-A947-70E740481C1C}">
-                <a14:useLocalDpi xmlns:a14="http://schemas.microsoft.com/office/drawing/2010/main" val="0"/>
-              </a:ext>
-            </a:extLst>
-          </a:blip>
-          <a:srcRect/>
-          <a:stretch>
-            <a:fillRect/>
-          </a:stretch>
-        </p:blipFill>
-        <p:spPr bwMode="auto">
-          <a:xfrm>
-            <a:off x="7645011" y="2374635"/>
-            <a:ext cx="2844601" cy="1811420"/>
-          </a:xfrm>
-          <a:prstGeom prst="rect">
-            <a:avLst/>
-          </a:prstGeom>
-          <a:noFill/>
-          <a:extLst>
-            <a:ext uri="{909E8E84-426E-40DD-AFC4-6F175D3DCCD1}">
-              <a14:hiddenFill xmlns:a14="http://schemas.microsoft.com/office/drawing/2010/main">
-                <a:solidFill>
-                  <a:srgbClr val="FFFFFF"/>
-                </a:solidFill>
-              </a14:hiddenFill>
-            </a:ext>
-          </a:extLst>
-        </p:spPr>
-      </p:pic>
-      <p:pic>
-        <p:nvPicPr>
-          <p:cNvPr id="1030" name="Picture 6">
-            <a:extLst>
-              <a:ext uri="{FF2B5EF4-FFF2-40B4-BE49-F238E27FC236}">
-                <a16:creationId xmlns:a16="http://schemas.microsoft.com/office/drawing/2014/main" id="{972A30E9-A683-1D48-5D3F-960A66B30821}"/>
-              </a:ext>
-            </a:extLst>
-          </p:cNvPr>
-          <p:cNvPicPr>
-            <a:picLocks noChangeAspect="1" noChangeArrowheads="1"/>
-          </p:cNvPicPr>
-          <p:nvPr/>
-        </p:nvPicPr>
-        <p:blipFill>
-          <a:blip r:embed="rId3">
-            <a:extLst>
-              <a:ext uri="{28A0092B-C50C-407E-A947-70E740481C1C}">
-                <a14:useLocalDpi xmlns:a14="http://schemas.microsoft.com/office/drawing/2010/main" val="0"/>
-              </a:ext>
-            </a:extLst>
-          </a:blip>
-          <a:srcRect/>
-          <a:stretch>
-            <a:fillRect/>
-          </a:stretch>
-        </p:blipFill>
-        <p:spPr bwMode="auto">
-          <a:xfrm>
-            <a:off x="9178523" y="3820814"/>
-            <a:ext cx="2844601" cy="1811420"/>
-          </a:xfrm>
-          <a:prstGeom prst="rect">
-            <a:avLst/>
-          </a:prstGeom>
-          <a:noFill/>
-          <a:extLst>
-            <a:ext uri="{909E8E84-426E-40DD-AFC4-6F175D3DCCD1}">
-              <a14:hiddenFill xmlns:a14="http://schemas.microsoft.com/office/drawing/2010/main">
-                <a:solidFill>
-                  <a:srgbClr val="FFFFFF"/>
-                </a:solidFill>
-              </a14:hiddenFill>
-            </a:ext>
-          </a:extLst>
-        </p:spPr>
-      </p:pic>
-      <p:pic>
-        <p:nvPicPr>
-          <p:cNvPr id="1032" name="Picture 8">
-            <a:extLst>
-              <a:ext uri="{FF2B5EF4-FFF2-40B4-BE49-F238E27FC236}">
-                <a16:creationId xmlns:a16="http://schemas.microsoft.com/office/drawing/2014/main" id="{79C574C3-BC7B-ADCA-98A0-F0E19B2BC05E}"/>
-              </a:ext>
-            </a:extLst>
-          </p:cNvPr>
-          <p:cNvPicPr>
-            <a:picLocks noChangeAspect="1" noChangeArrowheads="1"/>
-          </p:cNvPicPr>
-          <p:nvPr/>
-        </p:nvPicPr>
-        <p:blipFill>
-          <a:blip r:embed="rId4">
-            <a:extLst>
-              <a:ext uri="{28A0092B-C50C-407E-A947-70E740481C1C}">
-                <a14:useLocalDpi xmlns:a14="http://schemas.microsoft.com/office/drawing/2010/main" val="0"/>
-              </a:ext>
-            </a:extLst>
-          </a:blip>
-          <a:srcRect/>
-          <a:stretch>
-            <a:fillRect/>
-          </a:stretch>
-        </p:blipFill>
-        <p:spPr bwMode="auto">
-          <a:xfrm>
-            <a:off x="7668252" y="4851414"/>
-            <a:ext cx="3020541" cy="1923458"/>
+            <a:off x="7088862" y="2402990"/>
+            <a:ext cx="4958975" cy="3157838"/>
           </a:xfrm>
           <a:prstGeom prst="rect">
             <a:avLst/>
@@ -9564,7 +13375,7 @@
           <p:cNvPr id="2" name="Title 1">
             <a:extLst>
               <a:ext uri="{FF2B5EF4-FFF2-40B4-BE49-F238E27FC236}">
-                <a16:creationId xmlns:a16="http://schemas.microsoft.com/office/drawing/2014/main" id="{ED8653F9-0CA2-A4A0-1891-053F49B1B218}"/>
+                <a16:creationId xmlns:a16="http://schemas.microsoft.com/office/drawing/2014/main" id="{9F4CE3EE-500D-DF0E-8165-2AA63642D100}"/>
               </a:ext>
             </a:extLst>
           </p:cNvPr>
@@ -9593,7 +13404,7 @@
           <p:cNvPr id="3" name="Content Placeholder 2">
             <a:extLst>
               <a:ext uri="{FF2B5EF4-FFF2-40B4-BE49-F238E27FC236}">
-                <a16:creationId xmlns:a16="http://schemas.microsoft.com/office/drawing/2014/main" id="{050D1109-2586-DDF7-26FD-181E2350BDBF}"/>
+                <a16:creationId xmlns:a16="http://schemas.microsoft.com/office/drawing/2014/main" id="{9B146440-C63A-A6BC-CD17-AF9D61A818FB}"/>
               </a:ext>
             </a:extLst>
           </p:cNvPr>
@@ -9604,19 +13415,252 @@
             <p:ph idx="1"/>
           </p:nvPr>
         </p:nvSpPr>
-        <p:spPr/>
-        <p:txBody>
-          <a:bodyPr/>
+        <p:spPr>
+          <a:xfrm>
+            <a:off x="244387" y="2055244"/>
+            <a:ext cx="6844476" cy="4930347"/>
+          </a:xfrm>
+        </p:spPr>
+        <p:txBody>
+          <a:bodyPr>
+            <a:normAutofit fontScale="92500" lnSpcReduction="20000"/>
+          </a:bodyPr>
           <a:lstStyle/>
           <a:p>
-            <a:endParaRPr lang="en-US"/>
-          </a:p>
-        </p:txBody>
-      </p:sp>
+            <a:pPr algn="l">
+              <a:lnSpc>
+                <a:spcPct val="110000"/>
+              </a:lnSpc>
+              <a:buFont typeface="+mj-lt"/>
+              <a:buAutoNum type="arabicPeriod"/>
+            </a:pPr>
+            <a:r>
+              <a:rPr lang="en-CA" sz="1400" b="0" i="0" dirty="0">
+                <a:effectLst/>
+                <a:latin typeface="system-ui"/>
+              </a:rPr>
+              <a:t>Key Observations:</a:t>
+            </a:r>
+          </a:p>
+          <a:p>
+            <a:pPr lvl="1">
+              <a:lnSpc>
+                <a:spcPct val="110000"/>
+              </a:lnSpc>
+            </a:pPr>
+            <a:r>
+              <a:rPr lang="en-CA" sz="1400" b="0" i="0" dirty="0">
+                <a:effectLst/>
+                <a:latin typeface="system-ui"/>
+              </a:rPr>
+              <a:t> Count: There are 19,264 loans with valid interest rates in the dataset.</a:t>
+            </a:r>
+          </a:p>
+          <a:p>
+            <a:pPr lvl="1">
+              <a:lnSpc>
+                <a:spcPct val="110000"/>
+              </a:lnSpc>
+            </a:pPr>
+            <a:r>
+              <a:rPr lang="en-CA" sz="1400" b="0" i="0" dirty="0">
+                <a:effectLst/>
+                <a:latin typeface="system-ui"/>
+              </a:rPr>
+              <a:t>Mean Interest Rate: The average interest rate is 10.73%. </a:t>
+            </a:r>
+          </a:p>
+          <a:p>
+            <a:pPr lvl="1">
+              <a:lnSpc>
+                <a:spcPct val="110000"/>
+              </a:lnSpc>
+            </a:pPr>
+            <a:r>
+              <a:rPr lang="en-CA" sz="1400" b="0" i="0" dirty="0">
+                <a:effectLst/>
+                <a:latin typeface="system-ui"/>
+              </a:rPr>
+              <a:t>Median Interest Rate: The median interest rate is 10.65%, indicating that half of the loans have an interest rate below this value. </a:t>
+            </a:r>
+          </a:p>
+          <a:p>
+            <a:pPr lvl="1">
+              <a:lnSpc>
+                <a:spcPct val="110000"/>
+              </a:lnSpc>
+            </a:pPr>
+            <a:r>
+              <a:rPr lang="en-CA" sz="1400" b="0" i="0" dirty="0">
+                <a:effectLst/>
+                <a:latin typeface="system-ui"/>
+              </a:rPr>
+              <a:t>Mode Interest Rate: The mode interest rate is 7.51%, indicating the most frequent interest rate.</a:t>
+            </a:r>
+          </a:p>
+          <a:p>
+            <a:pPr lvl="1">
+              <a:lnSpc>
+                <a:spcPct val="110000"/>
+              </a:lnSpc>
+            </a:pPr>
+            <a:r>
+              <a:rPr lang="en-CA" sz="1400" b="0" i="0" dirty="0">
+                <a:effectLst/>
+                <a:latin typeface="system-ui"/>
+              </a:rPr>
+              <a:t>Minimum Interest Rate: The lowest interest rate is 5.42%. </a:t>
+            </a:r>
+          </a:p>
+          <a:p>
+            <a:pPr lvl="1">
+              <a:lnSpc>
+                <a:spcPct val="110000"/>
+              </a:lnSpc>
+            </a:pPr>
+            <a:r>
+              <a:rPr lang="en-CA" sz="1400" b="0" i="0" dirty="0">
+                <a:effectLst/>
+                <a:latin typeface="system-ui"/>
+              </a:rPr>
+              <a:t>Maximum Interest Rate: The highest interest rate is 22.35%, which suggests that some high-risk borrowers are charged significantly more.</a:t>
+            </a:r>
+          </a:p>
+          <a:p>
+            <a:pPr lvl="1">
+              <a:lnSpc>
+                <a:spcPct val="110000"/>
+              </a:lnSpc>
+            </a:pPr>
+            <a:r>
+              <a:rPr lang="en-CA" sz="1400" b="0" i="0" dirty="0">
+                <a:effectLst/>
+                <a:latin typeface="system-ui"/>
+              </a:rPr>
+              <a:t>Standard Deviation: The standard deviation is 3.29%, indicating moderate variability in the interest rates.</a:t>
+            </a:r>
+          </a:p>
+          <a:p>
+            <a:pPr marL="0" indent="0">
+              <a:lnSpc>
+                <a:spcPct val="110000"/>
+              </a:lnSpc>
+              <a:buNone/>
+            </a:pPr>
+            <a:r>
+              <a:rPr lang="en-CA" sz="1800" dirty="0">
+                <a:latin typeface="system-ui"/>
+              </a:rPr>
+              <a:t>2. Chart Insight:</a:t>
+            </a:r>
+          </a:p>
+          <a:p>
+            <a:pPr lvl="1">
+              <a:lnSpc>
+                <a:spcPct val="110000"/>
+              </a:lnSpc>
+            </a:pPr>
+            <a:r>
+              <a:rPr lang="en-CA" sz="1400" dirty="0">
+                <a:latin typeface="system-ui"/>
+              </a:rPr>
+              <a:t>Most loans have interest rates clustered between 4% and 13%, with fewer loans at both the low and high extremes.</a:t>
+            </a:r>
+          </a:p>
+          <a:p>
+            <a:pPr lvl="1">
+              <a:lnSpc>
+                <a:spcPct val="110000"/>
+              </a:lnSpc>
+            </a:pPr>
+            <a:r>
+              <a:rPr lang="en-CA" sz="1400" dirty="0">
+                <a:latin typeface="system-ui"/>
+              </a:rPr>
+              <a:t>Loans with interest rates above 15% are relatively rare and likely reflect borrowers with higher risk.</a:t>
+            </a:r>
+          </a:p>
+          <a:p>
+            <a:pPr marL="0" indent="0">
+              <a:lnSpc>
+                <a:spcPct val="110000"/>
+              </a:lnSpc>
+              <a:buNone/>
+            </a:pPr>
+            <a:r>
+              <a:rPr lang="en-CA" sz="1800" dirty="0">
+                <a:latin typeface="system-ui"/>
+              </a:rPr>
+              <a:t>3. Skewness Analysis:</a:t>
+            </a:r>
+          </a:p>
+          <a:p>
+            <a:pPr lvl="1">
+              <a:lnSpc>
+                <a:spcPct val="110000"/>
+              </a:lnSpc>
+            </a:pPr>
+            <a:r>
+              <a:rPr lang="en-CA" sz="1400" dirty="0">
+                <a:latin typeface="system-ui"/>
+              </a:rPr>
+              <a:t>The mean and median are very close, suggesting that the interest rate distribution is close to symmetrical but with a slight right skew due to higher-risk borrowers.</a:t>
+            </a:r>
+            <a:endParaRPr lang="en-US" sz="1400" dirty="0"/>
+          </a:p>
+        </p:txBody>
+      </p:sp>
+      <p:pic>
+        <p:nvPicPr>
+          <p:cNvPr id="3074" name="Picture 2">
+            <a:extLst>
+              <a:ext uri="{FF2B5EF4-FFF2-40B4-BE49-F238E27FC236}">
+                <a16:creationId xmlns:a16="http://schemas.microsoft.com/office/drawing/2014/main" id="{65268040-518F-2EB8-77EC-3C764AEA9EE0}"/>
+              </a:ext>
+            </a:extLst>
+          </p:cNvPr>
+          <p:cNvPicPr>
+            <a:picLocks noChangeAspect="1" noChangeArrowheads="1"/>
+          </p:cNvPicPr>
+          <p:nvPr/>
+        </p:nvPicPr>
+        <p:blipFill>
+          <a:blip r:embed="rId2">
+            <a:extLst>
+              <a:ext uri="{28A0092B-C50C-407E-A947-70E740481C1C}">
+                <a14:useLocalDpi xmlns:a14="http://schemas.microsoft.com/office/drawing/2010/main" val="0"/>
+              </a:ext>
+            </a:extLst>
+          </a:blip>
+          <a:srcRect/>
+          <a:stretch>
+            <a:fillRect/>
+          </a:stretch>
+        </p:blipFill>
+        <p:spPr bwMode="auto">
+          <a:xfrm>
+            <a:off x="7088863" y="2371093"/>
+            <a:ext cx="4958975" cy="3157838"/>
+          </a:xfrm>
+          <a:prstGeom prst="rect">
+            <a:avLst/>
+          </a:prstGeom>
+          <a:noFill/>
+          <a:extLst>
+            <a:ext uri="{909E8E84-426E-40DD-AFC4-6F175D3DCCD1}">
+              <a14:hiddenFill xmlns:a14="http://schemas.microsoft.com/office/drawing/2010/main">
+                <a:solidFill>
+                  <a:srgbClr val="FFFFFF"/>
+                </a:solidFill>
+              </a14:hiddenFill>
+            </a:ext>
+          </a:extLst>
+        </p:spPr>
+      </p:pic>
     </p:spTree>
     <p:extLst>
       <p:ext uri="{BB962C8B-B14F-4D97-AF65-F5344CB8AC3E}">
-        <p14:creationId xmlns:p14="http://schemas.microsoft.com/office/powerpoint/2010/main" val="3979210591"/>
+        <p14:creationId xmlns:p14="http://schemas.microsoft.com/office/powerpoint/2010/main" val="3090380965"/>
       </p:ext>
     </p:extLst>
   </p:cSld>
@@ -9648,7 +13692,7 @@
           <p:cNvPr id="2" name="Title 1">
             <a:extLst>
               <a:ext uri="{FF2B5EF4-FFF2-40B4-BE49-F238E27FC236}">
-                <a16:creationId xmlns:a16="http://schemas.microsoft.com/office/drawing/2014/main" id="{5E47A60B-C86D-97C1-4CF3-D75D9582C4D8}"/>
+                <a16:creationId xmlns:a16="http://schemas.microsoft.com/office/drawing/2014/main" id="{9F4CE3EE-500D-DF0E-8165-2AA63642D100}"/>
               </a:ext>
             </a:extLst>
           </p:cNvPr>
@@ -9676,7 +13720,7 @@
           <p:cNvPr id="3" name="Content Placeholder 2">
             <a:extLst>
               <a:ext uri="{FF2B5EF4-FFF2-40B4-BE49-F238E27FC236}">
-                <a16:creationId xmlns:a16="http://schemas.microsoft.com/office/drawing/2014/main" id="{36938D43-3019-6FA6-03C3-7CE322F52573}"/>
+                <a16:creationId xmlns:a16="http://schemas.microsoft.com/office/drawing/2014/main" id="{9B146440-C63A-A6BC-CD17-AF9D61A818FB}"/>
               </a:ext>
             </a:extLst>
           </p:cNvPr>
@@ -9687,19 +13731,224 @@
             <p:ph idx="1"/>
           </p:nvPr>
         </p:nvSpPr>
-        <p:spPr/>
-        <p:txBody>
-          <a:bodyPr/>
+        <p:spPr>
+          <a:xfrm>
+            <a:off x="244387" y="2055244"/>
+            <a:ext cx="6844476" cy="4930347"/>
+          </a:xfrm>
+        </p:spPr>
+        <p:txBody>
+          <a:bodyPr>
+            <a:normAutofit/>
+          </a:bodyPr>
           <a:lstStyle/>
           <a:p>
-            <a:endParaRPr lang="en-US" dirty="0"/>
-          </a:p>
-        </p:txBody>
-      </p:sp>
+            <a:pPr algn="l">
+              <a:lnSpc>
+                <a:spcPct val="110000"/>
+              </a:lnSpc>
+              <a:buFont typeface="+mj-lt"/>
+              <a:buAutoNum type="arabicPeriod"/>
+            </a:pPr>
+            <a:r>
+              <a:rPr lang="en-CA" sz="1400" b="0" i="0" dirty="0">
+                <a:effectLst/>
+                <a:latin typeface="system-ui"/>
+              </a:rPr>
+              <a:t>Key Observations:</a:t>
+            </a:r>
+          </a:p>
+          <a:p>
+            <a:pPr lvl="1">
+              <a:lnSpc>
+                <a:spcPct val="110000"/>
+              </a:lnSpc>
+            </a:pPr>
+            <a:r>
+              <a:rPr lang="en-CA" sz="1400" b="0" i="0" dirty="0">
+                <a:effectLst/>
+                <a:latin typeface="system-ui"/>
+              </a:rPr>
+              <a:t> Count: 19,264 borrowers. </a:t>
+            </a:r>
+          </a:p>
+          <a:p>
+            <a:pPr lvl="1">
+              <a:lnSpc>
+                <a:spcPct val="110000"/>
+              </a:lnSpc>
+            </a:pPr>
+            <a:r>
+              <a:rPr lang="en-CA" sz="1400" b="0" i="0" dirty="0">
+                <a:effectLst/>
+                <a:latin typeface="system-ui"/>
+              </a:rPr>
+              <a:t>Mean Annual Income: 56,720.10.</a:t>
+            </a:r>
+          </a:p>
+          <a:p>
+            <a:pPr lvl="1">
+              <a:lnSpc>
+                <a:spcPct val="110000"/>
+              </a:lnSpc>
+            </a:pPr>
+            <a:r>
+              <a:rPr lang="en-CA" sz="1400" b="0" i="0" dirty="0">
+                <a:effectLst/>
+                <a:latin typeface="system-ui"/>
+              </a:rPr>
+              <a:t>Median Annual Income: 52,000.00.</a:t>
+            </a:r>
+          </a:p>
+          <a:p>
+            <a:pPr lvl="1">
+              <a:lnSpc>
+                <a:spcPct val="110000"/>
+              </a:lnSpc>
+            </a:pPr>
+            <a:r>
+              <a:rPr lang="en-CA" sz="1400" b="0" i="0" dirty="0">
+                <a:effectLst/>
+                <a:latin typeface="system-ui"/>
+              </a:rPr>
+              <a:t>Mode Annual Income: 60,000.00 (most frequent income level).</a:t>
+            </a:r>
+          </a:p>
+          <a:p>
+            <a:pPr lvl="1">
+              <a:lnSpc>
+                <a:spcPct val="110000"/>
+              </a:lnSpc>
+            </a:pPr>
+            <a:r>
+              <a:rPr lang="en-CA" sz="1400" b="0" i="0" dirty="0">
+                <a:effectLst/>
+                <a:latin typeface="system-ui"/>
+              </a:rPr>
+              <a:t>Standard Deviation: 26,285.55 (showing a wide spread in income).</a:t>
+            </a:r>
+          </a:p>
+          <a:p>
+            <a:pPr lvl="1">
+              <a:lnSpc>
+                <a:spcPct val="110000"/>
+              </a:lnSpc>
+            </a:pPr>
+            <a:r>
+              <a:rPr lang="en-CA" sz="1400" b="0" i="0" dirty="0">
+                <a:effectLst/>
+                <a:latin typeface="system-ui"/>
+              </a:rPr>
+              <a:t>Minimum Annual Income: 4,000.00.</a:t>
+            </a:r>
+          </a:p>
+          <a:p>
+            <a:pPr lvl="1">
+              <a:lnSpc>
+                <a:spcPct val="110000"/>
+              </a:lnSpc>
+            </a:pPr>
+            <a:r>
+              <a:rPr lang="en-CA" sz="1400" b="0" i="0" dirty="0">
+                <a:effectLst/>
+                <a:latin typeface="system-ui"/>
+              </a:rPr>
+              <a:t>Maximum Annual Income: $145,000.00.</a:t>
+            </a:r>
+          </a:p>
+          <a:p>
+            <a:pPr marL="0" indent="0">
+              <a:lnSpc>
+                <a:spcPct val="110000"/>
+              </a:lnSpc>
+              <a:buNone/>
+            </a:pPr>
+            <a:r>
+              <a:rPr lang="en-CA" sz="1800" dirty="0">
+                <a:latin typeface="system-ui"/>
+              </a:rPr>
+              <a:t>3. Distribution Analysis:</a:t>
+            </a:r>
+          </a:p>
+          <a:p>
+            <a:pPr lvl="1">
+              <a:lnSpc>
+                <a:spcPct val="110000"/>
+              </a:lnSpc>
+            </a:pPr>
+            <a:r>
+              <a:rPr lang="en-CA" sz="1400" dirty="0">
+                <a:latin typeface="system-ui"/>
+              </a:rPr>
+              <a:t>The right-skewed distribution of annual income indicates that while most borrowers earn between 37,440 and 71,139, there are some high earners whose incomes stretch the distribution to the right, leading to a higher mean.</a:t>
+            </a:r>
+          </a:p>
+          <a:p>
+            <a:pPr lvl="1">
+              <a:lnSpc>
+                <a:spcPct val="110000"/>
+              </a:lnSpc>
+            </a:pPr>
+            <a:r>
+              <a:rPr lang="en-CA" sz="1400" dirty="0">
+                <a:latin typeface="system-ui"/>
+              </a:rPr>
+              <a:t>The histogram clearly shows that the majority of borrowers earn between 40,000 and 60,000, with fewer borrowers in the higher-income range beyond 100,000.</a:t>
+            </a:r>
+          </a:p>
+        </p:txBody>
+      </p:sp>
+      <p:pic>
+        <p:nvPicPr>
+          <p:cNvPr id="5122" name="Picture 2">
+            <a:extLst>
+              <a:ext uri="{FF2B5EF4-FFF2-40B4-BE49-F238E27FC236}">
+                <a16:creationId xmlns:a16="http://schemas.microsoft.com/office/drawing/2014/main" id="{FADC97A4-948B-E3D0-9A44-34C4BE4034BC}"/>
+              </a:ext>
+            </a:extLst>
+          </p:cNvPr>
+          <p:cNvPicPr>
+            <a:picLocks noChangeAspect="1" noChangeArrowheads="1"/>
+          </p:cNvPicPr>
+          <p:nvPr/>
+        </p:nvPicPr>
+        <p:blipFill>
+          <a:blip r:embed="rId2">
+            <a:extLst>
+              <a:ext uri="{28A0092B-C50C-407E-A947-70E740481C1C}">
+                <a14:useLocalDpi xmlns:a14="http://schemas.microsoft.com/office/drawing/2010/main" val="0"/>
+              </a:ext>
+            </a:extLst>
+          </a:blip>
+          <a:srcRect/>
+          <a:stretch>
+            <a:fillRect/>
+          </a:stretch>
+        </p:blipFill>
+        <p:spPr bwMode="auto">
+          <a:xfrm>
+            <a:off x="7005897" y="2158799"/>
+            <a:ext cx="4941716" cy="3146848"/>
+          </a:xfrm>
+          <a:prstGeom prst="rect">
+            <a:avLst/>
+          </a:prstGeom>
+          <a:noFill/>
+          <a:extLst>
+            <a:ext uri="{909E8E84-426E-40DD-AFC4-6F175D3DCCD1}">
+              <a14:hiddenFill xmlns:a14="http://schemas.microsoft.com/office/drawing/2010/main">
+                <a:solidFill>
+                  <a:srgbClr val="FFFFFF"/>
+                </a:solidFill>
+              </a14:hiddenFill>
+            </a:ext>
+          </a:extLst>
+        </p:spPr>
+      </p:pic>
     </p:spTree>
     <p:extLst>
       <p:ext uri="{BB962C8B-B14F-4D97-AF65-F5344CB8AC3E}">
-        <p14:creationId xmlns:p14="http://schemas.microsoft.com/office/powerpoint/2010/main" val="609637007"/>
+        <p14:creationId xmlns:p14="http://schemas.microsoft.com/office/powerpoint/2010/main" val="3271221120"/>
       </p:ext>
     </p:extLst>
   </p:cSld>
@@ -9731,7 +13980,7 @@
           <p:cNvPr id="2" name="Title 1">
             <a:extLst>
               <a:ext uri="{FF2B5EF4-FFF2-40B4-BE49-F238E27FC236}">
-                <a16:creationId xmlns:a16="http://schemas.microsoft.com/office/drawing/2014/main" id="{5393F81A-53D5-44C3-71D9-3C05020777B8}"/>
+                <a16:creationId xmlns:a16="http://schemas.microsoft.com/office/drawing/2014/main" id="{9F4CE3EE-500D-DF0E-8165-2AA63642D100}"/>
               </a:ext>
             </a:extLst>
           </p:cNvPr>
@@ -9761,7 +14010,7 @@
           <p:cNvPr id="3" name="Content Placeholder 2">
             <a:extLst>
               <a:ext uri="{FF2B5EF4-FFF2-40B4-BE49-F238E27FC236}">
-                <a16:creationId xmlns:a16="http://schemas.microsoft.com/office/drawing/2014/main" id="{9613D174-9DC1-7812-CE41-805DE38A736B}"/>
+                <a16:creationId xmlns:a16="http://schemas.microsoft.com/office/drawing/2014/main" id="{9B146440-C63A-A6BC-CD17-AF9D61A818FB}"/>
               </a:ext>
             </a:extLst>
           </p:cNvPr>
@@ -9772,19 +14021,243 @@
             <p:ph idx="1"/>
           </p:nvPr>
         </p:nvSpPr>
-        <p:spPr/>
-        <p:txBody>
-          <a:bodyPr/>
+        <p:spPr>
+          <a:xfrm>
+            <a:off x="199991" y="1992118"/>
+            <a:ext cx="6932590" cy="4930347"/>
+          </a:xfrm>
+        </p:spPr>
+        <p:txBody>
+          <a:bodyPr>
+            <a:normAutofit fontScale="92500"/>
+          </a:bodyPr>
           <a:lstStyle/>
           <a:p>
-            <a:endParaRPr lang="en-US" dirty="0"/>
-          </a:p>
-        </p:txBody>
-      </p:sp>
+            <a:pPr algn="l">
+              <a:lnSpc>
+                <a:spcPct val="110000"/>
+              </a:lnSpc>
+              <a:buFont typeface="+mj-lt"/>
+              <a:buAutoNum type="arabicPeriod"/>
+            </a:pPr>
+            <a:r>
+              <a:rPr lang="en-CA" sz="1400" b="0" i="0" dirty="0">
+                <a:effectLst/>
+                <a:latin typeface="system-ui"/>
+              </a:rPr>
+              <a:t>Summary Statistics:</a:t>
+            </a:r>
+          </a:p>
+          <a:p>
+            <a:pPr lvl="1">
+              <a:lnSpc>
+                <a:spcPct val="110000"/>
+              </a:lnSpc>
+            </a:pPr>
+            <a:r>
+              <a:rPr lang="en-CA" sz="1400" b="0" i="0" dirty="0">
+                <a:effectLst/>
+                <a:latin typeface="system-ui"/>
+              </a:rPr>
+              <a:t>Count: 19,264 borrowers. </a:t>
+            </a:r>
+          </a:p>
+          <a:p>
+            <a:pPr lvl="1">
+              <a:lnSpc>
+                <a:spcPct val="110000"/>
+              </a:lnSpc>
+            </a:pPr>
+            <a:r>
+              <a:rPr lang="en-CA" sz="1400" b="0" i="0" dirty="0">
+                <a:effectLst/>
+                <a:latin typeface="system-ui"/>
+              </a:rPr>
+              <a:t>Mean Debt-to-Income Ratio: 13.05%.</a:t>
+            </a:r>
+          </a:p>
+          <a:p>
+            <a:pPr lvl="1">
+              <a:lnSpc>
+                <a:spcPct val="110000"/>
+              </a:lnSpc>
+            </a:pPr>
+            <a:r>
+              <a:rPr lang="en-CA" sz="1400" b="0" i="0" dirty="0">
+                <a:effectLst/>
+                <a:latin typeface="system-ui"/>
+              </a:rPr>
+              <a:t>Median Debt-to-Income Ratio: 13.04%, very close to the mean, indicating a near-symmetrical distribution. </a:t>
+            </a:r>
+          </a:p>
+          <a:p>
+            <a:pPr lvl="1">
+              <a:lnSpc>
+                <a:spcPct val="110000"/>
+              </a:lnSpc>
+            </a:pPr>
+            <a:r>
+              <a:rPr lang="en-CA" sz="1400" b="0" i="0" dirty="0">
+                <a:effectLst/>
+                <a:latin typeface="system-ui"/>
+              </a:rPr>
+              <a:t>Mode Debt-to-Income Ratio: 0% (this means that a non-trivial number of borrowers have no debt relative to their income, resulting in a DTI of 0). </a:t>
+            </a:r>
+          </a:p>
+          <a:p>
+            <a:pPr lvl="1">
+              <a:lnSpc>
+                <a:spcPct val="110000"/>
+              </a:lnSpc>
+            </a:pPr>
+            <a:r>
+              <a:rPr lang="en-CA" sz="1400" b="0" i="0" dirty="0">
+                <a:effectLst/>
+                <a:latin typeface="system-ui"/>
+              </a:rPr>
+              <a:t>Standard Deviation: 6.73%, indicating moderate variability in DTI among borrowers.</a:t>
+            </a:r>
+          </a:p>
+          <a:p>
+            <a:pPr lvl="1">
+              <a:lnSpc>
+                <a:spcPct val="110000"/>
+              </a:lnSpc>
+            </a:pPr>
+            <a:r>
+              <a:rPr lang="en-CA" sz="1400" b="0" i="0" dirty="0">
+                <a:effectLst/>
+                <a:latin typeface="system-ui"/>
+              </a:rPr>
+              <a:t>Minimum Debt-to-Income Ratio: 0%, reflecting borrowers who have no debt obligations. </a:t>
+            </a:r>
+          </a:p>
+          <a:p>
+            <a:pPr lvl="1">
+              <a:lnSpc>
+                <a:spcPct val="110000"/>
+              </a:lnSpc>
+            </a:pPr>
+            <a:r>
+              <a:rPr lang="en-CA" sz="1400" b="0" i="0" dirty="0">
+                <a:effectLst/>
+                <a:latin typeface="system-ui"/>
+              </a:rPr>
+              <a:t>Maximum Debt-to-Income Ratio: 29.99%, indicating that some borrowers have close to 30% of their income committed to servicing debt.</a:t>
+            </a:r>
+          </a:p>
+          <a:p>
+            <a:pPr marL="0" indent="0">
+              <a:lnSpc>
+                <a:spcPct val="110000"/>
+              </a:lnSpc>
+              <a:buNone/>
+            </a:pPr>
+            <a:r>
+              <a:rPr lang="en-CA" sz="1500" dirty="0">
+                <a:latin typeface="system-ui"/>
+              </a:rPr>
+              <a:t>2. Visual Insights</a:t>
+            </a:r>
+            <a:r>
+              <a:rPr lang="en-CA" sz="2200" dirty="0">
+                <a:latin typeface="system-ui"/>
+              </a:rPr>
+              <a:t>:</a:t>
+            </a:r>
+          </a:p>
+          <a:p>
+            <a:pPr lvl="1">
+              <a:lnSpc>
+                <a:spcPct val="110000"/>
+              </a:lnSpc>
+            </a:pPr>
+            <a:r>
+              <a:rPr lang="en-CA" sz="1400" dirty="0">
+                <a:latin typeface="system-ui"/>
+              </a:rPr>
+              <a:t>The histogram shows that most borrowers have a DTI between 7.8% and 18.3%, with the peak around the mean and median of 13%. </a:t>
+            </a:r>
+          </a:p>
+          <a:p>
+            <a:pPr lvl="1">
+              <a:lnSpc>
+                <a:spcPct val="110000"/>
+              </a:lnSpc>
+            </a:pPr>
+            <a:r>
+              <a:rPr lang="en-CA" sz="1400" dirty="0">
+                <a:latin typeface="system-ui"/>
+              </a:rPr>
+              <a:t>The long right tail suggests that a smaller proportion of borrowers have higher DTI ratios, which could signal a riskier financial profile. </a:t>
+            </a:r>
+          </a:p>
+          <a:p>
+            <a:pPr lvl="1">
+              <a:lnSpc>
+                <a:spcPct val="110000"/>
+              </a:lnSpc>
+            </a:pPr>
+            <a:r>
+              <a:rPr lang="en-CA" sz="1400" dirty="0">
+                <a:latin typeface="system-ui"/>
+              </a:rPr>
+              <a:t>Borrowers with a DTI above 20% may face more financial difficulty repaying loans, making them more susceptible to default.</a:t>
+            </a:r>
+          </a:p>
+        </p:txBody>
+      </p:sp>
+      <p:pic>
+        <p:nvPicPr>
+          <p:cNvPr id="7170" name="Picture 2">
+            <a:extLst>
+              <a:ext uri="{FF2B5EF4-FFF2-40B4-BE49-F238E27FC236}">
+                <a16:creationId xmlns:a16="http://schemas.microsoft.com/office/drawing/2014/main" id="{5319F37D-B3A7-204F-685D-635DB60BAC73}"/>
+              </a:ext>
+            </a:extLst>
+          </p:cNvPr>
+          <p:cNvPicPr>
+            <a:picLocks noChangeAspect="1" noChangeArrowheads="1"/>
+          </p:cNvPicPr>
+          <p:nvPr/>
+        </p:nvPicPr>
+        <p:blipFill>
+          <a:blip r:embed="rId2">
+            <a:extLst>
+              <a:ext uri="{28A0092B-C50C-407E-A947-70E740481C1C}">
+                <a14:useLocalDpi xmlns:a14="http://schemas.microsoft.com/office/drawing/2010/main" val="0"/>
+              </a:ext>
+            </a:extLst>
+          </a:blip>
+          <a:srcRect/>
+          <a:stretch>
+            <a:fillRect/>
+          </a:stretch>
+        </p:blipFill>
+        <p:spPr bwMode="auto">
+          <a:xfrm>
+            <a:off x="7017339" y="2095284"/>
+            <a:ext cx="4974670" cy="3167832"/>
+          </a:xfrm>
+          <a:prstGeom prst="rect">
+            <a:avLst/>
+          </a:prstGeom>
+          <a:noFill/>
+          <a:extLst>
+            <a:ext uri="{909E8E84-426E-40DD-AFC4-6F175D3DCCD1}">
+              <a14:hiddenFill xmlns:a14="http://schemas.microsoft.com/office/drawing/2010/main">
+                <a:solidFill>
+                  <a:srgbClr val="FFFFFF"/>
+                </a:solidFill>
+              </a14:hiddenFill>
+            </a:ext>
+          </a:extLst>
+        </p:spPr>
+      </p:pic>
     </p:spTree>
     <p:extLst>
       <p:ext uri="{BB962C8B-B14F-4D97-AF65-F5344CB8AC3E}">
-        <p14:creationId xmlns:p14="http://schemas.microsoft.com/office/powerpoint/2010/main" val="1189644108"/>
+        <p14:creationId xmlns:p14="http://schemas.microsoft.com/office/powerpoint/2010/main" val="2726745137"/>
       </p:ext>
     </p:extLst>
   </p:cSld>
@@ -9816,7 +14289,7 @@
           <p:cNvPr id="2" name="Title 1">
             <a:extLst>
               <a:ext uri="{FF2B5EF4-FFF2-40B4-BE49-F238E27FC236}">
-                <a16:creationId xmlns:a16="http://schemas.microsoft.com/office/drawing/2014/main" id="{3B27252B-8580-BBE3-174A-6320C6CE10D1}"/>
+                <a16:creationId xmlns:a16="http://schemas.microsoft.com/office/drawing/2014/main" id="{5393F81A-53D5-44C3-71D9-3C05020777B8}"/>
               </a:ext>
             </a:extLst>
           </p:cNvPr>
@@ -9836,7 +14309,7 @@
           <a:p>
             <a:r>
               <a:rPr lang="en-US" sz="3200" dirty="0"/>
-              <a:t>Bivariate Analysis - Loan Amount vs Loan Status</a:t>
+              <a:t>Univariate Analysis Summary</a:t>
             </a:r>
           </a:p>
         </p:txBody>
@@ -9846,7 +14319,7 @@
           <p:cNvPr id="3" name="Content Placeholder 2">
             <a:extLst>
               <a:ext uri="{FF2B5EF4-FFF2-40B4-BE49-F238E27FC236}">
-                <a16:creationId xmlns:a16="http://schemas.microsoft.com/office/drawing/2014/main" id="{17E63BE7-9377-C612-2D00-81CF112ECF1B}"/>
+                <a16:creationId xmlns:a16="http://schemas.microsoft.com/office/drawing/2014/main" id="{9613D174-9DC1-7812-CE41-805DE38A736B}"/>
               </a:ext>
             </a:extLst>
           </p:cNvPr>
@@ -9857,19 +14330,151 @@
             <p:ph idx="1"/>
           </p:nvPr>
         </p:nvSpPr>
-        <p:spPr/>
-        <p:txBody>
-          <a:bodyPr/>
+        <p:spPr>
+          <a:xfrm>
+            <a:off x="242776" y="2156871"/>
+            <a:ext cx="11706447" cy="3947901"/>
+          </a:xfrm>
+        </p:spPr>
+        <p:txBody>
+          <a:bodyPr>
+            <a:normAutofit fontScale="85000" lnSpcReduction="10000"/>
+          </a:bodyPr>
           <a:lstStyle/>
           <a:p>
-            <a:endParaRPr lang="en-US"/>
+            <a:pPr marL="457200" indent="-457200">
+              <a:buFont typeface="+mj-lt"/>
+              <a:buAutoNum type="arabicPeriod"/>
+            </a:pPr>
+            <a:r>
+              <a:rPr lang="en-US" dirty="0"/>
+              <a:t>Loan Amount (</a:t>
+            </a:r>
+            <a:r>
+              <a:rPr lang="en-US" dirty="0" err="1"/>
+              <a:t>loan_amnt</a:t>
+            </a:r>
+            <a:r>
+              <a:rPr lang="en-US" dirty="0"/>
+              <a:t>) </a:t>
+            </a:r>
+          </a:p>
+          <a:p>
+            <a:pPr lvl="1"/>
+            <a:r>
+              <a:rPr lang="en-US" dirty="0"/>
+              <a:t>Mean: 8,761.64, Median: 8,000, Mode: 10,000 </a:t>
+            </a:r>
+          </a:p>
+          <a:p>
+            <a:pPr lvl="1"/>
+            <a:r>
+              <a:rPr lang="en-US" dirty="0"/>
+              <a:t>Insight: Right-skewed, most loans are between 5,000 and 12,000, with a few large loans pulling the mean upward.</a:t>
+            </a:r>
+          </a:p>
+          <a:p>
+            <a:pPr marL="457200" indent="-457200">
+              <a:buFont typeface="+mj-lt"/>
+              <a:buAutoNum type="arabicPeriod"/>
+            </a:pPr>
+            <a:r>
+              <a:rPr lang="en-US" dirty="0"/>
+              <a:t>Interest Rate (</a:t>
+            </a:r>
+            <a:r>
+              <a:rPr lang="en-US" dirty="0" err="1"/>
+              <a:t>int_rate</a:t>
+            </a:r>
+            <a:r>
+              <a:rPr lang="en-US" dirty="0"/>
+              <a:t>)</a:t>
+            </a:r>
+          </a:p>
+          <a:p>
+            <a:pPr lvl="1"/>
+            <a:r>
+              <a:rPr lang="en-US" dirty="0"/>
+              <a:t> Mean: 10.73%, Median: 10.65%, Mode: 10.65% </a:t>
+            </a:r>
+          </a:p>
+          <a:p>
+            <a:pPr lvl="1"/>
+            <a:r>
+              <a:rPr lang="en-US" dirty="0"/>
+              <a:t>Insight: Slightly right-skewed, most rates between 7.74% and 13.11%, higher rates signal riskier loans. </a:t>
+            </a:r>
+          </a:p>
+          <a:p>
+            <a:pPr marL="457200" indent="-457200">
+              <a:buFont typeface="+mj-lt"/>
+              <a:buAutoNum type="arabicPeriod"/>
+            </a:pPr>
+            <a:r>
+              <a:rPr lang="en-US" dirty="0"/>
+              <a:t>Annual Income (</a:t>
+            </a:r>
+            <a:r>
+              <a:rPr lang="en-US" dirty="0" err="1"/>
+              <a:t>annual_inc</a:t>
+            </a:r>
+            <a:r>
+              <a:rPr lang="en-US" dirty="0"/>
+              <a:t>)</a:t>
+            </a:r>
+          </a:p>
+          <a:p>
+            <a:pPr lvl="1"/>
+            <a:r>
+              <a:rPr lang="en-US" dirty="0"/>
+              <a:t>Mean: 56,720.10, Median: 52,000, Mode: 60,000 </a:t>
+            </a:r>
+          </a:p>
+          <a:p>
+            <a:pPr lvl="1"/>
+            <a:r>
+              <a:rPr lang="en-US" dirty="0"/>
+              <a:t>Insight: Right-skewed, most incomes range from 60,000, with some high earners pulling up the mean. </a:t>
+            </a:r>
+          </a:p>
+          <a:p>
+            <a:pPr marL="457200" indent="-457200">
+              <a:buFont typeface="+mj-lt"/>
+              <a:buAutoNum type="arabicPeriod"/>
+            </a:pPr>
+            <a:r>
+              <a:rPr lang="en-US" dirty="0"/>
+              <a:t>Debt-to-Income Ratio (</a:t>
+            </a:r>
+            <a:r>
+              <a:rPr lang="en-US" dirty="0" err="1"/>
+              <a:t>dti</a:t>
+            </a:r>
+            <a:r>
+              <a:rPr lang="en-US" dirty="0"/>
+              <a:t>) </a:t>
+            </a:r>
+          </a:p>
+          <a:p>
+            <a:pPr lvl="1"/>
+            <a:r>
+              <a:rPr lang="en-US" dirty="0"/>
+              <a:t>Mean: 13.05%, Median: 13.04%, Mode: 0% </a:t>
+            </a:r>
+          </a:p>
+          <a:p>
+            <a:pPr lvl="1"/>
+            <a:r>
+              <a:rPr lang="en-US" dirty="0"/>
+              <a:t>Insight: Nearly symmetrical; a notable number of borrowers have no debt, but some have DTIs up to 30%.</a:t>
+            </a:r>
           </a:p>
         </p:txBody>
       </p:sp>
     </p:spTree>
     <p:extLst>
       <p:ext uri="{BB962C8B-B14F-4D97-AF65-F5344CB8AC3E}">
-        <p14:creationId xmlns:p14="http://schemas.microsoft.com/office/powerpoint/2010/main" val="722841126"/>
+        <p14:creationId xmlns:p14="http://schemas.microsoft.com/office/powerpoint/2010/main" val="1189644108"/>
       </p:ext>
     </p:extLst>
   </p:cSld>
